--- a/input/pagecontent/MolDef-IG-Figures-Source.pptx
+++ b/input/pagecontent/MolDef-IG-Figures-Source.pptx
@@ -7,6 +7,7 @@
   <p:sldIdLst>
     <p:sldId id="258" r:id="rId2"/>
     <p:sldId id="259" r:id="rId3"/>
+    <p:sldId id="260" r:id="rId4"/>
   </p:sldIdLst>
   <p:sldSz cx="12192000" cy="6858000"/>
   <p:notesSz cx="6858000" cy="9144000"/>
@@ -113,12 +114,20 @@
 </p:presentation>
 </file>
 
+<file path=ppt/revisionInfo.xml><?xml version="1.0" encoding="utf-8"?>
+<p1510:revInfo xmlns:a="http://schemas.openxmlformats.org/drawingml/2006/main" xmlns:r="http://schemas.openxmlformats.org/officeDocument/2006/relationships" xmlns:p1510="http://schemas.microsoft.com/office/powerpoint/2015/10/main">
+  <p1510:revLst>
+    <p1510:client id="{3C7F73AE-7988-468F-A40C-F52509D850D3}" v="16" dt="2025-10-01T20:42:40.497"/>
+  </p1510:revLst>
+</p1510:revInfo>
+</file>
+
 <file path=ppt/changesInfos/changesInfo1.xml><?xml version="1.0" encoding="utf-8"?>
 <pc:chgInfo xmlns:a="http://schemas.openxmlformats.org/drawingml/2006/main" xmlns:r="http://schemas.openxmlformats.org/officeDocument/2006/relationships" xmlns:ac="http://schemas.microsoft.com/office/drawing/2013/main/command" xmlns:pc="http://schemas.microsoft.com/office/powerpoint/2013/main/command">
   <pc:docChgLst>
     <pc:chgData name="Khalifa, Aly M., Ph.D." userId="634bbc94-9ae6-464c-b016-6dfea7a3309a" providerId="ADAL" clId="{3C7F73AE-7988-468F-A40C-F52509D850D3}"/>
-    <pc:docChg chg="delSld">
-      <pc:chgData name="Khalifa, Aly M., Ph.D." userId="634bbc94-9ae6-464c-b016-6dfea7a3309a" providerId="ADAL" clId="{3C7F73AE-7988-468F-A40C-F52509D850D3}" dt="2025-10-01T19:54:32.489" v="1" actId="47"/>
+    <pc:docChg chg="custSel addSld delSld modSld">
+      <pc:chgData name="Khalifa, Aly M., Ph.D." userId="634bbc94-9ae6-464c-b016-6dfea7a3309a" providerId="ADAL" clId="{3C7F73AE-7988-468F-A40C-F52509D850D3}" dt="2025-10-01T20:43:07.836" v="344" actId="1582"/>
       <pc:docMkLst>
         <pc:docMk/>
       </pc:docMkLst>
@@ -135,6 +144,85 @@
           <pc:docMk/>
           <pc:sldMk cId="3092419862" sldId="257"/>
         </pc:sldMkLst>
+      </pc:sldChg>
+      <pc:sldChg chg="addSp delSp modSp new mod">
+        <pc:chgData name="Khalifa, Aly M., Ph.D." userId="634bbc94-9ae6-464c-b016-6dfea7a3309a" providerId="ADAL" clId="{3C7F73AE-7988-468F-A40C-F52509D850D3}" dt="2025-10-01T20:43:07.836" v="344" actId="1582"/>
+        <pc:sldMkLst>
+          <pc:docMk/>
+          <pc:sldMk cId="3265066682" sldId="260"/>
+        </pc:sldMkLst>
+        <pc:spChg chg="del">
+          <ac:chgData name="Khalifa, Aly M., Ph.D." userId="634bbc94-9ae6-464c-b016-6dfea7a3309a" providerId="ADAL" clId="{3C7F73AE-7988-468F-A40C-F52509D850D3}" dt="2025-10-01T19:56:10.197" v="3" actId="478"/>
+          <ac:spMkLst>
+            <pc:docMk/>
+            <pc:sldMk cId="3265066682" sldId="260"/>
+            <ac:spMk id="2" creationId="{60CD998E-2A75-A1B7-D3AC-8261D29F8C7A}"/>
+          </ac:spMkLst>
+        </pc:spChg>
+        <pc:spChg chg="del">
+          <ac:chgData name="Khalifa, Aly M., Ph.D." userId="634bbc94-9ae6-464c-b016-6dfea7a3309a" providerId="ADAL" clId="{3C7F73AE-7988-468F-A40C-F52509D850D3}" dt="2025-10-01T19:56:12.798" v="4" actId="478"/>
+          <ac:spMkLst>
+            <pc:docMk/>
+            <pc:sldMk cId="3265066682" sldId="260"/>
+            <ac:spMk id="3" creationId="{F05EC1FC-723D-67AC-ED76-CA33DA9D2C53}"/>
+          </ac:spMkLst>
+        </pc:spChg>
+        <pc:spChg chg="add mod">
+          <ac:chgData name="Khalifa, Aly M., Ph.D." userId="634bbc94-9ae6-464c-b016-6dfea7a3309a" providerId="ADAL" clId="{3C7F73AE-7988-468F-A40C-F52509D850D3}" dt="2025-10-01T20:37:10.503" v="216" actId="1076"/>
+          <ac:spMkLst>
+            <pc:docMk/>
+            <pc:sldMk cId="3265066682" sldId="260"/>
+            <ac:spMk id="5" creationId="{5463C91D-E3AF-AAB2-61D2-D61112DD757E}"/>
+          </ac:spMkLst>
+        </pc:spChg>
+        <pc:spChg chg="add mod">
+          <ac:chgData name="Khalifa, Aly M., Ph.D." userId="634bbc94-9ae6-464c-b016-6dfea7a3309a" providerId="ADAL" clId="{3C7F73AE-7988-468F-A40C-F52509D850D3}" dt="2025-10-01T20:39:48.142" v="294" actId="1076"/>
+          <ac:spMkLst>
+            <pc:docMk/>
+            <pc:sldMk cId="3265066682" sldId="260"/>
+            <ac:spMk id="6" creationId="{AB807D34-F1F7-2D83-1837-18FA7BE2E5FD}"/>
+          </ac:spMkLst>
+        </pc:spChg>
+        <pc:spChg chg="add mod">
+          <ac:chgData name="Khalifa, Aly M., Ph.D." userId="634bbc94-9ae6-464c-b016-6dfea7a3309a" providerId="ADAL" clId="{3C7F73AE-7988-468F-A40C-F52509D850D3}" dt="2025-10-01T20:43:07.836" v="344" actId="1582"/>
+          <ac:spMkLst>
+            <pc:docMk/>
+            <pc:sldMk cId="3265066682" sldId="260"/>
+            <ac:spMk id="8" creationId="{2A0719D9-66AC-6BED-270B-5D4B4BFE2FAB}"/>
+          </ac:spMkLst>
+        </pc:spChg>
+        <pc:spChg chg="add mod">
+          <ac:chgData name="Khalifa, Aly M., Ph.D." userId="634bbc94-9ae6-464c-b016-6dfea7a3309a" providerId="ADAL" clId="{3C7F73AE-7988-468F-A40C-F52509D850D3}" dt="2025-10-01T20:42:02.709" v="333" actId="1038"/>
+          <ac:spMkLst>
+            <pc:docMk/>
+            <pc:sldMk cId="3265066682" sldId="260"/>
+            <ac:spMk id="9" creationId="{93ADF2C3-09AD-B4B0-C82C-5F1AE09AA4D9}"/>
+          </ac:spMkLst>
+        </pc:spChg>
+        <pc:spChg chg="add mod">
+          <ac:chgData name="Khalifa, Aly M., Ph.D." userId="634bbc94-9ae6-464c-b016-6dfea7a3309a" providerId="ADAL" clId="{3C7F73AE-7988-468F-A40C-F52509D850D3}" dt="2025-10-01T20:41:53.501" v="331" actId="1076"/>
+          <ac:spMkLst>
+            <pc:docMk/>
+            <pc:sldMk cId="3265066682" sldId="260"/>
+            <ac:spMk id="10" creationId="{97A2C298-33D7-29B0-E023-FD729AADBE2B}"/>
+          </ac:spMkLst>
+        </pc:spChg>
+        <pc:graphicFrameChg chg="add mod modGraphic">
+          <ac:chgData name="Khalifa, Aly M., Ph.D." userId="634bbc94-9ae6-464c-b016-6dfea7a3309a" providerId="ADAL" clId="{3C7F73AE-7988-468F-A40C-F52509D850D3}" dt="2025-10-01T20:39:24.823" v="292" actId="207"/>
+          <ac:graphicFrameMkLst>
+            <pc:docMk/>
+            <pc:sldMk cId="3265066682" sldId="260"/>
+            <ac:graphicFrameMk id="4" creationId="{FDC671FC-A05E-5601-4AD5-0F286CB21D63}"/>
+          </ac:graphicFrameMkLst>
+        </pc:graphicFrameChg>
+        <pc:graphicFrameChg chg="add del">
+          <ac:chgData name="Khalifa, Aly M., Ph.D." userId="634bbc94-9ae6-464c-b016-6dfea7a3309a" providerId="ADAL" clId="{3C7F73AE-7988-468F-A40C-F52509D850D3}" dt="2025-10-01T20:35:20.102" v="176" actId="478"/>
+          <ac:graphicFrameMkLst>
+            <pc:docMk/>
+            <pc:sldMk cId="3265066682" sldId="260"/>
+            <ac:graphicFrameMk id="7" creationId="{8476E982-D329-793F-CA87-528313931E2D}"/>
+          </ac:graphicFrameMkLst>
+        </pc:graphicFrameChg>
       </pc:sldChg>
     </pc:docChg>
   </pc:docChgLst>
@@ -5963,6 +6051,1204 @@
     <p:extLst>
       <p:ext uri="{BB962C8B-B14F-4D97-AF65-F5344CB8AC3E}">
         <p14:creationId xmlns:p14="http://schemas.microsoft.com/office/powerpoint/2010/main" val="1089366683"/>
+      </p:ext>
+    </p:extLst>
+  </p:cSld>
+  <p:clrMapOvr>
+    <a:masterClrMapping/>
+  </p:clrMapOvr>
+</p:sld>
+</file>
+
+<file path=ppt/slides/slide3.xml><?xml version="1.0" encoding="utf-8"?>
+<p:sld xmlns:a="http://schemas.openxmlformats.org/drawingml/2006/main" xmlns:r="http://schemas.openxmlformats.org/officeDocument/2006/relationships" xmlns:p="http://schemas.openxmlformats.org/presentationml/2006/main">
+  <p:cSld>
+    <p:spTree>
+      <p:nvGrpSpPr>
+        <p:cNvPr id="1" name=""/>
+        <p:cNvGrpSpPr/>
+        <p:nvPr/>
+      </p:nvGrpSpPr>
+      <p:grpSpPr>
+        <a:xfrm>
+          <a:off x="0" y="0"/>
+          <a:ext cx="0" cy="0"/>
+          <a:chOff x="0" y="0"/>
+          <a:chExt cx="0" cy="0"/>
+        </a:xfrm>
+      </p:grpSpPr>
+      <p:graphicFrame>
+        <p:nvGraphicFramePr>
+          <p:cNvPr id="4" name="Table 3">
+            <a:extLst>
+              <a:ext uri="{FF2B5EF4-FFF2-40B4-BE49-F238E27FC236}">
+                <a16:creationId xmlns:a16="http://schemas.microsoft.com/office/drawing/2014/main" id="{FDC671FC-A05E-5601-4AD5-0F286CB21D63}"/>
+              </a:ext>
+            </a:extLst>
+          </p:cNvPr>
+          <p:cNvGraphicFramePr>
+            <a:graphicFrameLocks noGrp="1"/>
+          </p:cNvGraphicFramePr>
+          <p:nvPr>
+            <p:extLst>
+              <p:ext uri="{D42A27DB-BD31-4B8C-83A1-F6EECF244321}">
+                <p14:modId xmlns:p14="http://schemas.microsoft.com/office/powerpoint/2010/main" val="3781987715"/>
+              </p:ext>
+            </p:extLst>
+          </p:nvPr>
+        </p:nvGraphicFramePr>
+        <p:xfrm>
+          <a:off x="2699863" y="229683"/>
+          <a:ext cx="472367" cy="5590674"/>
+        </p:xfrm>
+        <a:graphic>
+          <a:graphicData uri="http://schemas.openxmlformats.org/drawingml/2006/table">
+            <a:tbl>
+              <a:tblPr firstRow="1" bandRow="1">
+                <a:tableStyleId>{5C22544A-7EE6-4342-B048-85BDC9FD1C3A}</a:tableStyleId>
+              </a:tblPr>
+              <a:tblGrid>
+                <a:gridCol w="472367">
+                  <a:extLst>
+                    <a:ext uri="{9D8B030D-6E8A-4147-A177-3AD203B41FA5}">
+                      <a16:colId xmlns:a16="http://schemas.microsoft.com/office/drawing/2014/main" val="3329278872"/>
+                    </a:ext>
+                  </a:extLst>
+                </a:gridCol>
+              </a:tblGrid>
+              <a:tr h="621186">
+                <a:tc>
+                  <a:txBody>
+                    <a:bodyPr/>
+                    <a:lstStyle/>
+                    <a:p>
+                      <a:pPr algn="ctr"/>
+                      <a:r>
+                        <a:rPr lang="en-US" b="1" dirty="0">
+                          <a:solidFill>
+                            <a:schemeClr val="accent5">
+                              <a:lumMod val="75000"/>
+                            </a:schemeClr>
+                          </a:solidFill>
+                        </a:rPr>
+                        <a:t>…</a:t>
+                      </a:r>
+                    </a:p>
+                  </a:txBody>
+                  <a:tcPr anchor="ctr">
+                    <a:lnL w="12700" cap="flat" cmpd="sng" algn="ctr">
+                      <a:solidFill>
+                        <a:schemeClr val="tx1"/>
+                      </a:solidFill>
+                      <a:prstDash val="solid"/>
+                      <a:round/>
+                      <a:headEnd type="none" w="med" len="med"/>
+                      <a:tailEnd type="none" w="med" len="med"/>
+                    </a:lnL>
+                    <a:lnR w="12700" cap="flat" cmpd="sng" algn="ctr">
+                      <a:solidFill>
+                        <a:schemeClr val="tx1"/>
+                      </a:solidFill>
+                      <a:prstDash val="solid"/>
+                      <a:round/>
+                      <a:headEnd type="none" w="med" len="med"/>
+                      <a:tailEnd type="none" w="med" len="med"/>
+                    </a:lnR>
+                    <a:lnT w="12700" cap="flat" cmpd="sng" algn="ctr">
+                      <a:solidFill>
+                        <a:schemeClr val="tx1"/>
+                      </a:solidFill>
+                      <a:prstDash val="solid"/>
+                      <a:round/>
+                      <a:headEnd type="none" w="med" len="med"/>
+                      <a:tailEnd type="none" w="med" len="med"/>
+                    </a:lnT>
+                    <a:lnB w="12700" cap="flat" cmpd="sng" algn="ctr">
+                      <a:solidFill>
+                        <a:schemeClr val="tx1"/>
+                      </a:solidFill>
+                      <a:prstDash val="solid"/>
+                      <a:round/>
+                      <a:headEnd type="none" w="med" len="med"/>
+                      <a:tailEnd type="none" w="med" len="med"/>
+                    </a:lnB>
+                    <a:solidFill>
+                      <a:schemeClr val="bg1">
+                        <a:lumMod val="85000"/>
+                      </a:schemeClr>
+                    </a:solidFill>
+                  </a:tcPr>
+                </a:tc>
+                <a:extLst>
+                  <a:ext uri="{0D108BD9-81ED-4DB2-BD59-A6C34878D82A}">
+                    <a16:rowId xmlns:a16="http://schemas.microsoft.com/office/drawing/2014/main" val="3286782715"/>
+                  </a:ext>
+                </a:extLst>
+              </a:tr>
+              <a:tr h="621186">
+                <a:tc>
+                  <a:txBody>
+                    <a:bodyPr/>
+                    <a:lstStyle/>
+                    <a:p>
+                      <a:pPr algn="ctr"/>
+                      <a:r>
+                        <a:rPr lang="en-US" b="1" dirty="0">
+                          <a:solidFill>
+                            <a:schemeClr val="accent5">
+                              <a:lumMod val="75000"/>
+                            </a:schemeClr>
+                          </a:solidFill>
+                        </a:rPr>
+                        <a:t>G</a:t>
+                      </a:r>
+                    </a:p>
+                    <a:p>
+                      <a:pPr marL="0" marR="0" lvl="0" indent="0" algn="ctr" defTabSz="914400" rtl="0" eaLnBrk="1" fontAlgn="auto" latinLnBrk="0" hangingPunct="1">
+                        <a:lnSpc>
+                          <a:spcPct val="100000"/>
+                        </a:lnSpc>
+                        <a:spcBef>
+                          <a:spcPts val="0"/>
+                        </a:spcBef>
+                        <a:spcAft>
+                          <a:spcPts val="0"/>
+                        </a:spcAft>
+                        <a:buClrTx/>
+                        <a:buSzTx/>
+                        <a:buFontTx/>
+                        <a:buNone/>
+                        <a:tabLst/>
+                        <a:defRPr/>
+                      </a:pPr>
+                      <a:r>
+                        <a:rPr lang="en-US" sz="1000" b="1" dirty="0">
+                          <a:solidFill>
+                            <a:schemeClr val="accent5">
+                              <a:lumMod val="75000"/>
+                            </a:schemeClr>
+                          </a:solidFill>
+                        </a:rPr>
+                        <a:t>1013</a:t>
+                      </a:r>
+                    </a:p>
+                  </a:txBody>
+                  <a:tcPr anchor="ctr">
+                    <a:lnL w="12700" cap="flat" cmpd="sng" algn="ctr">
+                      <a:solidFill>
+                        <a:schemeClr val="tx1"/>
+                      </a:solidFill>
+                      <a:prstDash val="solid"/>
+                      <a:round/>
+                      <a:headEnd type="none" w="med" len="med"/>
+                      <a:tailEnd type="none" w="med" len="med"/>
+                    </a:lnL>
+                    <a:lnR w="12700" cap="flat" cmpd="sng" algn="ctr">
+                      <a:solidFill>
+                        <a:schemeClr val="tx1"/>
+                      </a:solidFill>
+                      <a:prstDash val="solid"/>
+                      <a:round/>
+                      <a:headEnd type="none" w="med" len="med"/>
+                      <a:tailEnd type="none" w="med" len="med"/>
+                    </a:lnR>
+                    <a:lnT w="12700" cap="flat" cmpd="sng" algn="ctr">
+                      <a:solidFill>
+                        <a:schemeClr val="tx1"/>
+                      </a:solidFill>
+                      <a:prstDash val="solid"/>
+                      <a:round/>
+                      <a:headEnd type="none" w="med" len="med"/>
+                      <a:tailEnd type="none" w="med" len="med"/>
+                    </a:lnT>
+                    <a:lnB w="12700" cap="flat" cmpd="sng" algn="ctr">
+                      <a:solidFill>
+                        <a:schemeClr val="tx1"/>
+                      </a:solidFill>
+                      <a:prstDash val="solid"/>
+                      <a:round/>
+                      <a:headEnd type="none" w="med" len="med"/>
+                      <a:tailEnd type="none" w="med" len="med"/>
+                    </a:lnB>
+                    <a:solidFill>
+                      <a:schemeClr val="bg1">
+                        <a:lumMod val="85000"/>
+                      </a:schemeClr>
+                    </a:solidFill>
+                  </a:tcPr>
+                </a:tc>
+                <a:extLst>
+                  <a:ext uri="{0D108BD9-81ED-4DB2-BD59-A6C34878D82A}">
+                    <a16:rowId xmlns:a16="http://schemas.microsoft.com/office/drawing/2014/main" val="970618482"/>
+                  </a:ext>
+                </a:extLst>
+              </a:tr>
+              <a:tr h="621186">
+                <a:tc>
+                  <a:txBody>
+                    <a:bodyPr/>
+                    <a:lstStyle/>
+                    <a:p>
+                      <a:pPr algn="ctr"/>
+                      <a:r>
+                        <a:rPr lang="en-US" b="1" dirty="0">
+                          <a:solidFill>
+                            <a:schemeClr val="accent5">
+                              <a:lumMod val="75000"/>
+                            </a:schemeClr>
+                          </a:solidFill>
+                        </a:rPr>
+                        <a:t>T</a:t>
+                      </a:r>
+                    </a:p>
+                    <a:p>
+                      <a:pPr marL="0" marR="0" lvl="0" indent="0" algn="ctr" defTabSz="914400" rtl="0" eaLnBrk="1" fontAlgn="auto" latinLnBrk="0" hangingPunct="1">
+                        <a:lnSpc>
+                          <a:spcPct val="100000"/>
+                        </a:lnSpc>
+                        <a:spcBef>
+                          <a:spcPts val="0"/>
+                        </a:spcBef>
+                        <a:spcAft>
+                          <a:spcPts val="0"/>
+                        </a:spcAft>
+                        <a:buClrTx/>
+                        <a:buSzTx/>
+                        <a:buFontTx/>
+                        <a:buNone/>
+                        <a:tabLst/>
+                        <a:defRPr/>
+                      </a:pPr>
+                      <a:r>
+                        <a:rPr lang="en-US" sz="1000" b="1" dirty="0">
+                          <a:solidFill>
+                            <a:schemeClr val="accent5">
+                              <a:lumMod val="75000"/>
+                            </a:schemeClr>
+                          </a:solidFill>
+                        </a:rPr>
+                        <a:t>1014</a:t>
+                      </a:r>
+                    </a:p>
+                  </a:txBody>
+                  <a:tcPr anchor="ctr">
+                    <a:lnL w="12700" cap="flat" cmpd="sng" algn="ctr">
+                      <a:solidFill>
+                        <a:schemeClr val="tx1"/>
+                      </a:solidFill>
+                      <a:prstDash val="solid"/>
+                      <a:round/>
+                      <a:headEnd type="none" w="med" len="med"/>
+                      <a:tailEnd type="none" w="med" len="med"/>
+                    </a:lnL>
+                    <a:lnR w="12700" cap="flat" cmpd="sng" algn="ctr">
+                      <a:solidFill>
+                        <a:schemeClr val="tx1"/>
+                      </a:solidFill>
+                      <a:prstDash val="solid"/>
+                      <a:round/>
+                      <a:headEnd type="none" w="med" len="med"/>
+                      <a:tailEnd type="none" w="med" len="med"/>
+                    </a:lnR>
+                    <a:lnT w="12700" cap="flat" cmpd="sng" algn="ctr">
+                      <a:solidFill>
+                        <a:schemeClr val="tx1"/>
+                      </a:solidFill>
+                      <a:prstDash val="solid"/>
+                      <a:round/>
+                      <a:headEnd type="none" w="med" len="med"/>
+                      <a:tailEnd type="none" w="med" len="med"/>
+                    </a:lnT>
+                    <a:lnB w="12700" cap="flat" cmpd="sng" algn="ctr">
+                      <a:solidFill>
+                        <a:schemeClr val="tx1"/>
+                      </a:solidFill>
+                      <a:prstDash val="solid"/>
+                      <a:round/>
+                      <a:headEnd type="none" w="med" len="med"/>
+                      <a:tailEnd type="none" w="med" len="med"/>
+                    </a:lnB>
+                    <a:solidFill>
+                      <a:schemeClr val="bg1">
+                        <a:lumMod val="85000"/>
+                      </a:schemeClr>
+                    </a:solidFill>
+                  </a:tcPr>
+                </a:tc>
+                <a:extLst>
+                  <a:ext uri="{0D108BD9-81ED-4DB2-BD59-A6C34878D82A}">
+                    <a16:rowId xmlns:a16="http://schemas.microsoft.com/office/drawing/2014/main" val="4001026716"/>
+                  </a:ext>
+                </a:extLst>
+              </a:tr>
+              <a:tr h="621186">
+                <a:tc>
+                  <a:txBody>
+                    <a:bodyPr/>
+                    <a:lstStyle/>
+                    <a:p>
+                      <a:pPr algn="ctr"/>
+                      <a:r>
+                        <a:rPr lang="en-US" b="1" dirty="0">
+                          <a:solidFill>
+                            <a:schemeClr val="accent5">
+                              <a:lumMod val="75000"/>
+                            </a:schemeClr>
+                          </a:solidFill>
+                        </a:rPr>
+                        <a:t>C</a:t>
+                      </a:r>
+                    </a:p>
+                    <a:p>
+                      <a:pPr marL="0" marR="0" lvl="0" indent="0" algn="ctr" defTabSz="914400" rtl="0" eaLnBrk="1" fontAlgn="auto" latinLnBrk="0" hangingPunct="1">
+                        <a:lnSpc>
+                          <a:spcPct val="100000"/>
+                        </a:lnSpc>
+                        <a:spcBef>
+                          <a:spcPts val="0"/>
+                        </a:spcBef>
+                        <a:spcAft>
+                          <a:spcPts val="0"/>
+                        </a:spcAft>
+                        <a:buClrTx/>
+                        <a:buSzTx/>
+                        <a:buFontTx/>
+                        <a:buNone/>
+                        <a:tabLst/>
+                        <a:defRPr/>
+                      </a:pPr>
+                      <a:r>
+                        <a:rPr lang="en-US" sz="1000" b="1" dirty="0">
+                          <a:solidFill>
+                            <a:schemeClr val="accent5">
+                              <a:lumMod val="75000"/>
+                            </a:schemeClr>
+                          </a:solidFill>
+                        </a:rPr>
+                        <a:t>1015</a:t>
+                      </a:r>
+                    </a:p>
+                  </a:txBody>
+                  <a:tcPr anchor="ctr">
+                    <a:lnL w="12700" cap="flat" cmpd="sng" algn="ctr">
+                      <a:solidFill>
+                        <a:schemeClr val="tx1"/>
+                      </a:solidFill>
+                      <a:prstDash val="solid"/>
+                      <a:round/>
+                      <a:headEnd type="none" w="med" len="med"/>
+                      <a:tailEnd type="none" w="med" len="med"/>
+                    </a:lnL>
+                    <a:lnR w="12700" cap="flat" cmpd="sng" algn="ctr">
+                      <a:solidFill>
+                        <a:schemeClr val="tx1"/>
+                      </a:solidFill>
+                      <a:prstDash val="solid"/>
+                      <a:round/>
+                      <a:headEnd type="none" w="med" len="med"/>
+                      <a:tailEnd type="none" w="med" len="med"/>
+                    </a:lnR>
+                    <a:lnT w="12700" cap="flat" cmpd="sng" algn="ctr">
+                      <a:solidFill>
+                        <a:schemeClr val="tx1"/>
+                      </a:solidFill>
+                      <a:prstDash val="solid"/>
+                      <a:round/>
+                      <a:headEnd type="none" w="med" len="med"/>
+                      <a:tailEnd type="none" w="med" len="med"/>
+                    </a:lnT>
+                    <a:lnB w="12700" cap="flat" cmpd="sng" algn="ctr">
+                      <a:solidFill>
+                        <a:schemeClr val="tx1"/>
+                      </a:solidFill>
+                      <a:prstDash val="solid"/>
+                      <a:round/>
+                      <a:headEnd type="none" w="med" len="med"/>
+                      <a:tailEnd type="none" w="med" len="med"/>
+                    </a:lnB>
+                    <a:solidFill>
+                      <a:schemeClr val="bg1">
+                        <a:lumMod val="85000"/>
+                      </a:schemeClr>
+                    </a:solidFill>
+                  </a:tcPr>
+                </a:tc>
+                <a:extLst>
+                  <a:ext uri="{0D108BD9-81ED-4DB2-BD59-A6C34878D82A}">
+                    <a16:rowId xmlns:a16="http://schemas.microsoft.com/office/drawing/2014/main" val="1960884480"/>
+                  </a:ext>
+                </a:extLst>
+              </a:tr>
+              <a:tr h="621186">
+                <a:tc>
+                  <a:txBody>
+                    <a:bodyPr/>
+                    <a:lstStyle/>
+                    <a:p>
+                      <a:pPr algn="ctr"/>
+                      <a:r>
+                        <a:rPr lang="en-US" b="1" dirty="0">
+                          <a:solidFill>
+                            <a:schemeClr val="accent5">
+                              <a:lumMod val="75000"/>
+                            </a:schemeClr>
+                          </a:solidFill>
+                        </a:rPr>
+                        <a:t>A</a:t>
+                      </a:r>
+                    </a:p>
+                    <a:p>
+                      <a:pPr algn="ctr"/>
+                      <a:r>
+                        <a:rPr lang="en-US" sz="1000" b="1" dirty="0">
+                          <a:solidFill>
+                            <a:schemeClr val="accent5">
+                              <a:lumMod val="75000"/>
+                            </a:schemeClr>
+                          </a:solidFill>
+                        </a:rPr>
+                        <a:t>1016</a:t>
+                      </a:r>
+                    </a:p>
+                  </a:txBody>
+                  <a:tcPr anchor="ctr">
+                    <a:lnL w="12700" cap="flat" cmpd="sng" algn="ctr">
+                      <a:solidFill>
+                        <a:schemeClr val="tx1"/>
+                      </a:solidFill>
+                      <a:prstDash val="solid"/>
+                      <a:round/>
+                      <a:headEnd type="none" w="med" len="med"/>
+                      <a:tailEnd type="none" w="med" len="med"/>
+                    </a:lnL>
+                    <a:lnR w="12700" cap="flat" cmpd="sng" algn="ctr">
+                      <a:solidFill>
+                        <a:schemeClr val="tx1"/>
+                      </a:solidFill>
+                      <a:prstDash val="solid"/>
+                      <a:round/>
+                      <a:headEnd type="none" w="med" len="med"/>
+                      <a:tailEnd type="none" w="med" len="med"/>
+                    </a:lnR>
+                    <a:lnT w="12700" cap="flat" cmpd="sng" algn="ctr">
+                      <a:solidFill>
+                        <a:schemeClr val="tx1"/>
+                      </a:solidFill>
+                      <a:prstDash val="solid"/>
+                      <a:round/>
+                      <a:headEnd type="none" w="med" len="med"/>
+                      <a:tailEnd type="none" w="med" len="med"/>
+                    </a:lnT>
+                    <a:lnB w="12700" cap="flat" cmpd="sng" algn="ctr">
+                      <a:solidFill>
+                        <a:schemeClr val="tx1"/>
+                      </a:solidFill>
+                      <a:prstDash val="solid"/>
+                      <a:round/>
+                      <a:headEnd type="none" w="med" len="med"/>
+                      <a:tailEnd type="none" w="med" len="med"/>
+                    </a:lnB>
+                    <a:solidFill>
+                      <a:srgbClr val="FFC000"/>
+                    </a:solidFill>
+                  </a:tcPr>
+                </a:tc>
+                <a:extLst>
+                  <a:ext uri="{0D108BD9-81ED-4DB2-BD59-A6C34878D82A}">
+                    <a16:rowId xmlns:a16="http://schemas.microsoft.com/office/drawing/2014/main" val="3111990082"/>
+                  </a:ext>
+                </a:extLst>
+              </a:tr>
+              <a:tr h="621186">
+                <a:tc>
+                  <a:txBody>
+                    <a:bodyPr/>
+                    <a:lstStyle/>
+                    <a:p>
+                      <a:pPr algn="ctr"/>
+                      <a:r>
+                        <a:rPr lang="en-US" b="1" dirty="0">
+                          <a:solidFill>
+                            <a:schemeClr val="accent5">
+                              <a:lumMod val="75000"/>
+                            </a:schemeClr>
+                          </a:solidFill>
+                        </a:rPr>
+                        <a:t>T</a:t>
+                      </a:r>
+                    </a:p>
+                    <a:p>
+                      <a:pPr marL="0" marR="0" lvl="0" indent="0" algn="ctr" defTabSz="914400" rtl="0" eaLnBrk="1" fontAlgn="auto" latinLnBrk="0" hangingPunct="1">
+                        <a:lnSpc>
+                          <a:spcPct val="100000"/>
+                        </a:lnSpc>
+                        <a:spcBef>
+                          <a:spcPts val="0"/>
+                        </a:spcBef>
+                        <a:spcAft>
+                          <a:spcPts val="0"/>
+                        </a:spcAft>
+                        <a:buClrTx/>
+                        <a:buSzTx/>
+                        <a:buFontTx/>
+                        <a:buNone/>
+                        <a:tabLst/>
+                        <a:defRPr/>
+                      </a:pPr>
+                      <a:r>
+                        <a:rPr lang="en-US" sz="1050" b="1" dirty="0">
+                          <a:solidFill>
+                            <a:schemeClr val="accent5">
+                              <a:lumMod val="75000"/>
+                            </a:schemeClr>
+                          </a:solidFill>
+                        </a:rPr>
+                        <a:t>1017</a:t>
+                      </a:r>
+                    </a:p>
+                  </a:txBody>
+                  <a:tcPr anchor="ctr">
+                    <a:lnL w="12700" cap="flat" cmpd="sng" algn="ctr">
+                      <a:solidFill>
+                        <a:schemeClr val="tx1"/>
+                      </a:solidFill>
+                      <a:prstDash val="solid"/>
+                      <a:round/>
+                      <a:headEnd type="none" w="med" len="med"/>
+                      <a:tailEnd type="none" w="med" len="med"/>
+                    </a:lnL>
+                    <a:lnR w="12700" cap="flat" cmpd="sng" algn="ctr">
+                      <a:solidFill>
+                        <a:schemeClr val="tx1"/>
+                      </a:solidFill>
+                      <a:prstDash val="solid"/>
+                      <a:round/>
+                      <a:headEnd type="none" w="med" len="med"/>
+                      <a:tailEnd type="none" w="med" len="med"/>
+                    </a:lnR>
+                    <a:lnT w="12700" cap="flat" cmpd="sng" algn="ctr">
+                      <a:solidFill>
+                        <a:schemeClr val="tx1"/>
+                      </a:solidFill>
+                      <a:prstDash val="solid"/>
+                      <a:round/>
+                      <a:headEnd type="none" w="med" len="med"/>
+                      <a:tailEnd type="none" w="med" len="med"/>
+                    </a:lnT>
+                    <a:lnB w="12700" cap="flat" cmpd="sng" algn="ctr">
+                      <a:solidFill>
+                        <a:schemeClr val="tx1"/>
+                      </a:solidFill>
+                      <a:prstDash val="solid"/>
+                      <a:round/>
+                      <a:headEnd type="none" w="med" len="med"/>
+                      <a:tailEnd type="none" w="med" len="med"/>
+                    </a:lnB>
+                    <a:solidFill>
+                      <a:schemeClr val="bg1">
+                        <a:lumMod val="85000"/>
+                      </a:schemeClr>
+                    </a:solidFill>
+                  </a:tcPr>
+                </a:tc>
+                <a:extLst>
+                  <a:ext uri="{0D108BD9-81ED-4DB2-BD59-A6C34878D82A}">
+                    <a16:rowId xmlns:a16="http://schemas.microsoft.com/office/drawing/2014/main" val="3637416621"/>
+                  </a:ext>
+                </a:extLst>
+              </a:tr>
+              <a:tr h="621186">
+                <a:tc>
+                  <a:txBody>
+                    <a:bodyPr/>
+                    <a:lstStyle/>
+                    <a:p>
+                      <a:pPr algn="ctr"/>
+                      <a:r>
+                        <a:rPr lang="en-US" b="1" dirty="0">
+                          <a:solidFill>
+                            <a:schemeClr val="accent5">
+                              <a:lumMod val="75000"/>
+                            </a:schemeClr>
+                          </a:solidFill>
+                        </a:rPr>
+                        <a:t>T</a:t>
+                      </a:r>
+                    </a:p>
+                    <a:p>
+                      <a:pPr marL="0" marR="0" lvl="0" indent="0" algn="ctr" defTabSz="914400" rtl="0" eaLnBrk="1" fontAlgn="auto" latinLnBrk="0" hangingPunct="1">
+                        <a:lnSpc>
+                          <a:spcPct val="100000"/>
+                        </a:lnSpc>
+                        <a:spcBef>
+                          <a:spcPts val="0"/>
+                        </a:spcBef>
+                        <a:spcAft>
+                          <a:spcPts val="0"/>
+                        </a:spcAft>
+                        <a:buClrTx/>
+                        <a:buSzTx/>
+                        <a:buFontTx/>
+                        <a:buNone/>
+                        <a:tabLst/>
+                        <a:defRPr/>
+                      </a:pPr>
+                      <a:r>
+                        <a:rPr lang="en-US" sz="1000" b="1" dirty="0">
+                          <a:solidFill>
+                            <a:schemeClr val="accent5">
+                              <a:lumMod val="75000"/>
+                            </a:schemeClr>
+                          </a:solidFill>
+                        </a:rPr>
+                        <a:t>1018</a:t>
+                      </a:r>
+                    </a:p>
+                  </a:txBody>
+                  <a:tcPr anchor="ctr">
+                    <a:lnL w="12700" cap="flat" cmpd="sng" algn="ctr">
+                      <a:solidFill>
+                        <a:schemeClr val="tx1"/>
+                      </a:solidFill>
+                      <a:prstDash val="solid"/>
+                      <a:round/>
+                      <a:headEnd type="none" w="med" len="med"/>
+                      <a:tailEnd type="none" w="med" len="med"/>
+                    </a:lnL>
+                    <a:lnR w="12700" cap="flat" cmpd="sng" algn="ctr">
+                      <a:solidFill>
+                        <a:schemeClr val="tx1"/>
+                      </a:solidFill>
+                      <a:prstDash val="solid"/>
+                      <a:round/>
+                      <a:headEnd type="none" w="med" len="med"/>
+                      <a:tailEnd type="none" w="med" len="med"/>
+                    </a:lnR>
+                    <a:lnT w="12700" cap="flat" cmpd="sng" algn="ctr">
+                      <a:solidFill>
+                        <a:schemeClr val="tx1"/>
+                      </a:solidFill>
+                      <a:prstDash val="solid"/>
+                      <a:round/>
+                      <a:headEnd type="none" w="med" len="med"/>
+                      <a:tailEnd type="none" w="med" len="med"/>
+                    </a:lnT>
+                    <a:lnB w="12700" cap="flat" cmpd="sng" algn="ctr">
+                      <a:solidFill>
+                        <a:schemeClr val="tx1"/>
+                      </a:solidFill>
+                      <a:prstDash val="solid"/>
+                      <a:round/>
+                      <a:headEnd type="none" w="med" len="med"/>
+                      <a:tailEnd type="none" w="med" len="med"/>
+                    </a:lnB>
+                    <a:solidFill>
+                      <a:schemeClr val="bg1">
+                        <a:lumMod val="85000"/>
+                      </a:schemeClr>
+                    </a:solidFill>
+                  </a:tcPr>
+                </a:tc>
+                <a:extLst>
+                  <a:ext uri="{0D108BD9-81ED-4DB2-BD59-A6C34878D82A}">
+                    <a16:rowId xmlns:a16="http://schemas.microsoft.com/office/drawing/2014/main" val="3500336531"/>
+                  </a:ext>
+                </a:extLst>
+              </a:tr>
+              <a:tr h="621186">
+                <a:tc>
+                  <a:txBody>
+                    <a:bodyPr/>
+                    <a:lstStyle/>
+                    <a:p>
+                      <a:pPr algn="ctr"/>
+                      <a:r>
+                        <a:rPr lang="en-US" b="1" dirty="0">
+                          <a:solidFill>
+                            <a:schemeClr val="accent5">
+                              <a:lumMod val="75000"/>
+                            </a:schemeClr>
+                          </a:solidFill>
+                        </a:rPr>
+                        <a:t>G</a:t>
+                      </a:r>
+                    </a:p>
+                    <a:p>
+                      <a:pPr marL="0" marR="0" lvl="0" indent="0" algn="ctr" defTabSz="914400" rtl="0" eaLnBrk="1" fontAlgn="auto" latinLnBrk="0" hangingPunct="1">
+                        <a:lnSpc>
+                          <a:spcPct val="100000"/>
+                        </a:lnSpc>
+                        <a:spcBef>
+                          <a:spcPts val="0"/>
+                        </a:spcBef>
+                        <a:spcAft>
+                          <a:spcPts val="0"/>
+                        </a:spcAft>
+                        <a:buClrTx/>
+                        <a:buSzTx/>
+                        <a:buFontTx/>
+                        <a:buNone/>
+                        <a:tabLst/>
+                        <a:defRPr/>
+                      </a:pPr>
+                      <a:r>
+                        <a:rPr lang="en-US" sz="1000" b="1" dirty="0">
+                          <a:solidFill>
+                            <a:schemeClr val="accent5">
+                              <a:lumMod val="75000"/>
+                            </a:schemeClr>
+                          </a:solidFill>
+                        </a:rPr>
+                        <a:t>1019</a:t>
+                      </a:r>
+                    </a:p>
+                  </a:txBody>
+                  <a:tcPr anchor="ctr">
+                    <a:lnL w="12700" cap="flat" cmpd="sng" algn="ctr">
+                      <a:solidFill>
+                        <a:schemeClr val="tx1"/>
+                      </a:solidFill>
+                      <a:prstDash val="solid"/>
+                      <a:round/>
+                      <a:headEnd type="none" w="med" len="med"/>
+                      <a:tailEnd type="none" w="med" len="med"/>
+                    </a:lnL>
+                    <a:lnR w="12700" cap="flat" cmpd="sng" algn="ctr">
+                      <a:solidFill>
+                        <a:schemeClr val="tx1"/>
+                      </a:solidFill>
+                      <a:prstDash val="solid"/>
+                      <a:round/>
+                      <a:headEnd type="none" w="med" len="med"/>
+                      <a:tailEnd type="none" w="med" len="med"/>
+                    </a:lnR>
+                    <a:lnT w="12700" cap="flat" cmpd="sng" algn="ctr">
+                      <a:solidFill>
+                        <a:schemeClr val="tx1"/>
+                      </a:solidFill>
+                      <a:prstDash val="solid"/>
+                      <a:round/>
+                      <a:headEnd type="none" w="med" len="med"/>
+                      <a:tailEnd type="none" w="med" len="med"/>
+                    </a:lnT>
+                    <a:lnB w="12700" cap="flat" cmpd="sng" algn="ctr">
+                      <a:solidFill>
+                        <a:schemeClr val="tx1"/>
+                      </a:solidFill>
+                      <a:prstDash val="solid"/>
+                      <a:round/>
+                      <a:headEnd type="none" w="med" len="med"/>
+                      <a:tailEnd type="none" w="med" len="med"/>
+                    </a:lnB>
+                    <a:solidFill>
+                      <a:schemeClr val="bg1">
+                        <a:lumMod val="85000"/>
+                      </a:schemeClr>
+                    </a:solidFill>
+                  </a:tcPr>
+                </a:tc>
+                <a:extLst>
+                  <a:ext uri="{0D108BD9-81ED-4DB2-BD59-A6C34878D82A}">
+                    <a16:rowId xmlns:a16="http://schemas.microsoft.com/office/drawing/2014/main" val="446859078"/>
+                  </a:ext>
+                </a:extLst>
+              </a:tr>
+              <a:tr h="621186">
+                <a:tc>
+                  <a:txBody>
+                    <a:bodyPr/>
+                    <a:lstStyle/>
+                    <a:p>
+                      <a:pPr algn="ctr"/>
+                      <a:r>
+                        <a:rPr lang="en-US" b="1" dirty="0">
+                          <a:solidFill>
+                            <a:schemeClr val="accent5">
+                              <a:lumMod val="75000"/>
+                            </a:schemeClr>
+                          </a:solidFill>
+                        </a:rPr>
+                        <a:t>…</a:t>
+                      </a:r>
+                    </a:p>
+                  </a:txBody>
+                  <a:tcPr anchor="ctr">
+                    <a:lnL w="12700" cap="flat" cmpd="sng" algn="ctr">
+                      <a:solidFill>
+                        <a:schemeClr val="tx1"/>
+                      </a:solidFill>
+                      <a:prstDash val="solid"/>
+                      <a:round/>
+                      <a:headEnd type="none" w="med" len="med"/>
+                      <a:tailEnd type="none" w="med" len="med"/>
+                    </a:lnL>
+                    <a:lnR w="12700" cap="flat" cmpd="sng" algn="ctr">
+                      <a:solidFill>
+                        <a:schemeClr val="tx1"/>
+                      </a:solidFill>
+                      <a:prstDash val="solid"/>
+                      <a:round/>
+                      <a:headEnd type="none" w="med" len="med"/>
+                      <a:tailEnd type="none" w="med" len="med"/>
+                    </a:lnR>
+                    <a:lnT w="12700" cap="flat" cmpd="sng" algn="ctr">
+                      <a:solidFill>
+                        <a:schemeClr val="tx1"/>
+                      </a:solidFill>
+                      <a:prstDash val="solid"/>
+                      <a:round/>
+                      <a:headEnd type="none" w="med" len="med"/>
+                      <a:tailEnd type="none" w="med" len="med"/>
+                    </a:lnT>
+                    <a:lnB w="12700" cap="flat" cmpd="sng" algn="ctr">
+                      <a:solidFill>
+                        <a:schemeClr val="tx1"/>
+                      </a:solidFill>
+                      <a:prstDash val="solid"/>
+                      <a:round/>
+                      <a:headEnd type="none" w="med" len="med"/>
+                      <a:tailEnd type="none" w="med" len="med"/>
+                    </a:lnB>
+                    <a:solidFill>
+                      <a:schemeClr val="bg1">
+                        <a:lumMod val="85000"/>
+                      </a:schemeClr>
+                    </a:solidFill>
+                  </a:tcPr>
+                </a:tc>
+                <a:extLst>
+                  <a:ext uri="{0D108BD9-81ED-4DB2-BD59-A6C34878D82A}">
+                    <a16:rowId xmlns:a16="http://schemas.microsoft.com/office/drawing/2014/main" val="1405429812"/>
+                  </a:ext>
+                </a:extLst>
+              </a:tr>
+            </a:tbl>
+          </a:graphicData>
+        </a:graphic>
+      </p:graphicFrame>
+      <p:sp>
+        <p:nvSpPr>
+          <p:cNvPr id="5" name="TextBox 4">
+            <a:extLst>
+              <a:ext uri="{FF2B5EF4-FFF2-40B4-BE49-F238E27FC236}">
+                <a16:creationId xmlns:a16="http://schemas.microsoft.com/office/drawing/2014/main" id="{5463C91D-E3AF-AAB2-61D2-D61112DD757E}"/>
+              </a:ext>
+            </a:extLst>
+          </p:cNvPr>
+          <p:cNvSpPr txBox="1"/>
+          <p:nvPr/>
+        </p:nvSpPr>
+        <p:spPr>
+          <a:xfrm>
+            <a:off x="374596" y="5877978"/>
+            <a:ext cx="5239909" cy="923330"/>
+          </a:xfrm>
+          <a:prstGeom prst="rect">
+            <a:avLst/>
+          </a:prstGeom>
+          <a:noFill/>
+          <a:ln>
+            <a:solidFill>
+              <a:schemeClr val="tx1"/>
+            </a:solidFill>
+          </a:ln>
+        </p:spPr>
+        <p:txBody>
+          <a:bodyPr wrap="square" rtlCol="0">
+            <a:spAutoFit/>
+          </a:bodyPr>
+          <a:lstStyle/>
+          <a:p>
+            <a:pPr algn="ctr"/>
+            <a:r>
+              <a:rPr lang="en-US" b="1" dirty="0"/>
+              <a:t>Allele Example of CYP2C19 Gene Showing</a:t>
+            </a:r>
+          </a:p>
+          <a:p>
+            <a:pPr algn="ctr"/>
+            <a:r>
+              <a:rPr lang="en-US" b="1" dirty="0"/>
+              <a:t> Context State “A” and Allele State “G” at Position 1016</a:t>
+            </a:r>
+          </a:p>
+        </p:txBody>
+      </p:sp>
+      <p:sp>
+        <p:nvSpPr>
+          <p:cNvPr id="6" name="Arrow: Right 5">
+            <a:extLst>
+              <a:ext uri="{FF2B5EF4-FFF2-40B4-BE49-F238E27FC236}">
+                <a16:creationId xmlns:a16="http://schemas.microsoft.com/office/drawing/2014/main" id="{AB807D34-F1F7-2D83-1837-18FA7BE2E5FD}"/>
+              </a:ext>
+            </a:extLst>
+          </p:cNvPr>
+          <p:cNvSpPr/>
+          <p:nvPr/>
+        </p:nvSpPr>
+        <p:spPr>
+          <a:xfrm>
+            <a:off x="299022" y="2756333"/>
+            <a:ext cx="905732" cy="537372"/>
+          </a:xfrm>
+          <a:prstGeom prst="rightArrow">
+            <a:avLst/>
+          </a:prstGeom>
+          <a:solidFill>
+            <a:schemeClr val="bg1">
+              <a:lumMod val="85000"/>
+            </a:schemeClr>
+          </a:solidFill>
+          <a:ln>
+            <a:solidFill>
+              <a:schemeClr val="tx1"/>
+            </a:solidFill>
+          </a:ln>
+        </p:spPr>
+        <p:style>
+          <a:lnRef idx="2">
+            <a:schemeClr val="accent1">
+              <a:shade val="15000"/>
+            </a:schemeClr>
+          </a:lnRef>
+          <a:fillRef idx="1">
+            <a:schemeClr val="accent1"/>
+          </a:fillRef>
+          <a:effectRef idx="0">
+            <a:schemeClr val="accent1"/>
+          </a:effectRef>
+          <a:fontRef idx="minor">
+            <a:schemeClr val="lt1"/>
+          </a:fontRef>
+        </p:style>
+        <p:txBody>
+          <a:bodyPr rtlCol="0" anchor="ctr"/>
+          <a:lstStyle/>
+          <a:p>
+            <a:pPr algn="ctr"/>
+            <a:r>
+              <a:rPr lang="en-US" b="1" dirty="0">
+                <a:solidFill>
+                  <a:schemeClr val="tx1"/>
+                </a:solidFill>
+              </a:rPr>
+              <a:t>1016</a:t>
+            </a:r>
+          </a:p>
+        </p:txBody>
+      </p:sp>
+      <p:sp>
+        <p:nvSpPr>
+          <p:cNvPr id="8" name="Rectangle 7">
+            <a:extLst>
+              <a:ext uri="{FF2B5EF4-FFF2-40B4-BE49-F238E27FC236}">
+                <a16:creationId xmlns:a16="http://schemas.microsoft.com/office/drawing/2014/main" id="{2A0719D9-66AC-6BED-270B-5D4B4BFE2FAB}"/>
+              </a:ext>
+            </a:extLst>
+          </p:cNvPr>
+          <p:cNvSpPr/>
+          <p:nvPr/>
+        </p:nvSpPr>
+        <p:spPr>
+          <a:xfrm>
+            <a:off x="3384204" y="2713063"/>
+            <a:ext cx="472367" cy="623912"/>
+          </a:xfrm>
+          <a:prstGeom prst="rect">
+            <a:avLst/>
+          </a:prstGeom>
+          <a:solidFill>
+            <a:schemeClr val="accent3">
+              <a:lumMod val="40000"/>
+              <a:lumOff val="60000"/>
+            </a:schemeClr>
+          </a:solidFill>
+          <a:ln w="38100">
+            <a:solidFill>
+              <a:schemeClr val="tx1"/>
+            </a:solidFill>
+          </a:ln>
+        </p:spPr>
+        <p:style>
+          <a:lnRef idx="2">
+            <a:schemeClr val="accent1">
+              <a:shade val="15000"/>
+            </a:schemeClr>
+          </a:lnRef>
+          <a:fillRef idx="1">
+            <a:schemeClr val="accent1"/>
+          </a:fillRef>
+          <a:effectRef idx="0">
+            <a:schemeClr val="accent1"/>
+          </a:effectRef>
+          <a:fontRef idx="minor">
+            <a:schemeClr val="lt1"/>
+          </a:fontRef>
+        </p:style>
+        <p:txBody>
+          <a:bodyPr rtlCol="0" anchor="ctr"/>
+          <a:lstStyle/>
+          <a:p>
+            <a:pPr algn="ctr"/>
+            <a:r>
+              <a:rPr lang="en-US" b="1" dirty="0">
+                <a:solidFill>
+                  <a:schemeClr val="accent5">
+                    <a:lumMod val="75000"/>
+                  </a:schemeClr>
+                </a:solidFill>
+              </a:rPr>
+              <a:t>G</a:t>
+            </a:r>
+          </a:p>
+          <a:p>
+            <a:pPr algn="ctr"/>
+            <a:r>
+              <a:rPr lang="en-US" sz="1000" b="1" dirty="0">
+                <a:solidFill>
+                  <a:schemeClr val="accent5">
+                    <a:lumMod val="75000"/>
+                  </a:schemeClr>
+                </a:solidFill>
+              </a:rPr>
+              <a:t>1016</a:t>
+            </a:r>
+          </a:p>
+        </p:txBody>
+      </p:sp>
+      <p:sp>
+        <p:nvSpPr>
+          <p:cNvPr id="9" name="Callout: Line 8">
+            <a:extLst>
+              <a:ext uri="{FF2B5EF4-FFF2-40B4-BE49-F238E27FC236}">
+                <a16:creationId xmlns:a16="http://schemas.microsoft.com/office/drawing/2014/main" id="{93ADF2C3-09AD-B4B0-C82C-5F1AE09AA4D9}"/>
+              </a:ext>
+            </a:extLst>
+          </p:cNvPr>
+          <p:cNvSpPr/>
+          <p:nvPr/>
+        </p:nvSpPr>
+        <p:spPr>
+          <a:xfrm>
+            <a:off x="1265426" y="2335837"/>
+            <a:ext cx="749722" cy="632713"/>
+          </a:xfrm>
+          <a:prstGeom prst="borderCallout1">
+            <a:avLst>
+              <a:gd name="adj1" fmla="val 48886"/>
+              <a:gd name="adj2" fmla="val 99759"/>
+              <a:gd name="adj3" fmla="val 105651"/>
+              <a:gd name="adj4" fmla="val 190569"/>
+            </a:avLst>
+          </a:prstGeom>
+          <a:solidFill>
+            <a:srgbClr val="FFC000"/>
+          </a:solidFill>
+        </p:spPr>
+        <p:style>
+          <a:lnRef idx="2">
+            <a:schemeClr val="accent1">
+              <a:shade val="15000"/>
+            </a:schemeClr>
+          </a:lnRef>
+          <a:fillRef idx="1">
+            <a:schemeClr val="accent1"/>
+          </a:fillRef>
+          <a:effectRef idx="0">
+            <a:schemeClr val="accent1"/>
+          </a:effectRef>
+          <a:fontRef idx="minor">
+            <a:schemeClr val="lt1"/>
+          </a:fontRef>
+        </p:style>
+        <p:txBody>
+          <a:bodyPr rtlCol="0" anchor="ctr"/>
+          <a:lstStyle/>
+          <a:p>
+            <a:pPr algn="ctr"/>
+            <a:r>
+              <a:rPr lang="en-US" sz="1200" b="1" dirty="0">
+                <a:solidFill>
+                  <a:schemeClr val="accent5">
+                    <a:lumMod val="75000"/>
+                  </a:schemeClr>
+                </a:solidFill>
+              </a:rPr>
+              <a:t>Context State</a:t>
+            </a:r>
+          </a:p>
+        </p:txBody>
+      </p:sp>
+      <p:sp>
+        <p:nvSpPr>
+          <p:cNvPr id="10" name="Callout: Line 9">
+            <a:extLst>
+              <a:ext uri="{FF2B5EF4-FFF2-40B4-BE49-F238E27FC236}">
+                <a16:creationId xmlns:a16="http://schemas.microsoft.com/office/drawing/2014/main" id="{97A2C298-33D7-29B0-E023-FD729AADBE2B}"/>
+              </a:ext>
+            </a:extLst>
+          </p:cNvPr>
+          <p:cNvSpPr/>
+          <p:nvPr/>
+        </p:nvSpPr>
+        <p:spPr>
+          <a:xfrm>
+            <a:off x="4416710" y="2335837"/>
+            <a:ext cx="749722" cy="632713"/>
+          </a:xfrm>
+          <a:prstGeom prst="borderCallout1">
+            <a:avLst>
+              <a:gd name="adj1" fmla="val 48886"/>
+              <a:gd name="adj2" fmla="val 915"/>
+              <a:gd name="adj3" fmla="val 106336"/>
+              <a:gd name="adj4" fmla="val -73592"/>
+            </a:avLst>
+          </a:prstGeom>
+          <a:solidFill>
+            <a:schemeClr val="accent3">
+              <a:lumMod val="40000"/>
+              <a:lumOff val="60000"/>
+            </a:schemeClr>
+          </a:solidFill>
+        </p:spPr>
+        <p:style>
+          <a:lnRef idx="2">
+            <a:schemeClr val="accent1">
+              <a:shade val="15000"/>
+            </a:schemeClr>
+          </a:lnRef>
+          <a:fillRef idx="1">
+            <a:schemeClr val="accent1"/>
+          </a:fillRef>
+          <a:effectRef idx="0">
+            <a:schemeClr val="accent1"/>
+          </a:effectRef>
+          <a:fontRef idx="minor">
+            <a:schemeClr val="lt1"/>
+          </a:fontRef>
+        </p:style>
+        <p:txBody>
+          <a:bodyPr rtlCol="0" anchor="ctr"/>
+          <a:lstStyle/>
+          <a:p>
+            <a:pPr algn="ctr"/>
+            <a:r>
+              <a:rPr lang="en-US" sz="1200" b="1" dirty="0">
+                <a:solidFill>
+                  <a:schemeClr val="accent5">
+                    <a:lumMod val="75000"/>
+                  </a:schemeClr>
+                </a:solidFill>
+              </a:rPr>
+              <a:t>Allele State</a:t>
+            </a:r>
+          </a:p>
+        </p:txBody>
+      </p:sp>
+    </p:spTree>
+    <p:extLst>
+      <p:ext uri="{BB962C8B-B14F-4D97-AF65-F5344CB8AC3E}">
+        <p14:creationId xmlns:p14="http://schemas.microsoft.com/office/powerpoint/2010/main" val="3265066682"/>
       </p:ext>
     </p:extLst>
   </p:cSld>

--- a/input/pagecontent/MolDef-IG-Figures-Source.pptx
+++ b/input/pagecontent/MolDef-IG-Figures-Source.pptx
@@ -8,6 +8,7 @@
     <p:sldId id="258" r:id="rId2"/>
     <p:sldId id="259" r:id="rId3"/>
     <p:sldId id="260" r:id="rId4"/>
+    <p:sldId id="261" r:id="rId5"/>
   </p:sldIdLst>
   <p:sldSz cx="12192000" cy="6858000"/>
   <p:notesSz cx="6858000" cy="9144000"/>
@@ -117,7 +118,7 @@
 <file path=ppt/revisionInfo.xml><?xml version="1.0" encoding="utf-8"?>
 <p1510:revInfo xmlns:a="http://schemas.openxmlformats.org/drawingml/2006/main" xmlns:r="http://schemas.openxmlformats.org/officeDocument/2006/relationships" xmlns:p1510="http://schemas.microsoft.com/office/powerpoint/2015/10/main">
   <p1510:revLst>
-    <p1510:client id="{3C7F73AE-7988-468F-A40C-F52509D850D3}" v="16" dt="2025-10-01T20:42:40.497"/>
+    <p1510:client id="{3C7F73AE-7988-468F-A40C-F52509D850D3}" v="33" dt="2025-10-01T21:04:37.041"/>
   </p1510:revLst>
 </p1510:revInfo>
 </file>
@@ -126,8 +127,8 @@
 <pc:chgInfo xmlns:a="http://schemas.openxmlformats.org/drawingml/2006/main" xmlns:r="http://schemas.openxmlformats.org/officeDocument/2006/relationships" xmlns:ac="http://schemas.microsoft.com/office/drawing/2013/main/command" xmlns:pc="http://schemas.microsoft.com/office/powerpoint/2013/main/command">
   <pc:docChgLst>
     <pc:chgData name="Khalifa, Aly M., Ph.D." userId="634bbc94-9ae6-464c-b016-6dfea7a3309a" providerId="ADAL" clId="{3C7F73AE-7988-468F-A40C-F52509D850D3}"/>
-    <pc:docChg chg="custSel addSld delSld modSld">
-      <pc:chgData name="Khalifa, Aly M., Ph.D." userId="634bbc94-9ae6-464c-b016-6dfea7a3309a" providerId="ADAL" clId="{3C7F73AE-7988-468F-A40C-F52509D850D3}" dt="2025-10-01T20:43:07.836" v="344" actId="1582"/>
+    <pc:docChg chg="undo custSel addSld delSld modSld">
+      <pc:chgData name="Khalifa, Aly M., Ph.D." userId="634bbc94-9ae6-464c-b016-6dfea7a3309a" providerId="ADAL" clId="{3C7F73AE-7988-468F-A40C-F52509D850D3}" dt="2025-10-01T21:05:47.855" v="690" actId="1076"/>
       <pc:docMkLst>
         <pc:docMk/>
       </pc:docMkLst>
@@ -221,6 +222,109 @@
             <pc:docMk/>
             <pc:sldMk cId="3265066682" sldId="260"/>
             <ac:graphicFrameMk id="7" creationId="{8476E982-D329-793F-CA87-528313931E2D}"/>
+          </ac:graphicFrameMkLst>
+        </pc:graphicFrameChg>
+      </pc:sldChg>
+      <pc:sldChg chg="addSp delSp modSp add mod">
+        <pc:chgData name="Khalifa, Aly M., Ph.D." userId="634bbc94-9ae6-464c-b016-6dfea7a3309a" providerId="ADAL" clId="{3C7F73AE-7988-468F-A40C-F52509D850D3}" dt="2025-10-01T21:05:47.855" v="690" actId="1076"/>
+        <pc:sldMkLst>
+          <pc:docMk/>
+          <pc:sldMk cId="877581998" sldId="261"/>
+        </pc:sldMkLst>
+        <pc:spChg chg="add mod">
+          <ac:chgData name="Khalifa, Aly M., Ph.D." userId="634bbc94-9ae6-464c-b016-6dfea7a3309a" providerId="ADAL" clId="{3C7F73AE-7988-468F-A40C-F52509D850D3}" dt="2025-10-01T21:04:17.943" v="672" actId="1036"/>
+          <ac:spMkLst>
+            <pc:docMk/>
+            <pc:sldMk cId="877581998" sldId="261"/>
+            <ac:spMk id="3" creationId="{406E7432-AB46-6225-739F-FB75AFB7EBB9}"/>
+          </ac:spMkLst>
+        </pc:spChg>
+        <pc:spChg chg="mod">
+          <ac:chgData name="Khalifa, Aly M., Ph.D." userId="634bbc94-9ae6-464c-b016-6dfea7a3309a" providerId="ADAL" clId="{3C7F73AE-7988-468F-A40C-F52509D850D3}" dt="2025-10-01T21:03:10.128" v="586" actId="1076"/>
+          <ac:spMkLst>
+            <pc:docMk/>
+            <pc:sldMk cId="877581998" sldId="261"/>
+            <ac:spMk id="5" creationId="{C42D56F2-4618-D2D2-D8E7-16D9F66EE7D8}"/>
+          </ac:spMkLst>
+        </pc:spChg>
+        <pc:spChg chg="del mod">
+          <ac:chgData name="Khalifa, Aly M., Ph.D." userId="634bbc94-9ae6-464c-b016-6dfea7a3309a" providerId="ADAL" clId="{3C7F73AE-7988-468F-A40C-F52509D850D3}" dt="2025-10-01T21:03:23.789" v="626" actId="478"/>
+          <ac:spMkLst>
+            <pc:docMk/>
+            <pc:sldMk cId="877581998" sldId="261"/>
+            <ac:spMk id="6" creationId="{842E21FE-976F-7F76-4D1F-9BE5D57447EF}"/>
+          </ac:spMkLst>
+        </pc:spChg>
+        <pc:spChg chg="add mod ord">
+          <ac:chgData name="Khalifa, Aly M., Ph.D." userId="634bbc94-9ae6-464c-b016-6dfea7a3309a" providerId="ADAL" clId="{3C7F73AE-7988-468F-A40C-F52509D850D3}" dt="2025-10-01T21:04:17.943" v="672" actId="1036"/>
+          <ac:spMkLst>
+            <pc:docMk/>
+            <pc:sldMk cId="877581998" sldId="261"/>
+            <ac:spMk id="7" creationId="{7828C8D8-FE1B-D505-709C-83A434D6BC89}"/>
+          </ac:spMkLst>
+        </pc:spChg>
+        <pc:spChg chg="mod">
+          <ac:chgData name="Khalifa, Aly M., Ph.D." userId="634bbc94-9ae6-464c-b016-6dfea7a3309a" providerId="ADAL" clId="{3C7F73AE-7988-468F-A40C-F52509D850D3}" dt="2025-10-01T21:04:17.943" v="672" actId="1036"/>
+          <ac:spMkLst>
+            <pc:docMk/>
+            <pc:sldMk cId="877581998" sldId="261"/>
+            <ac:spMk id="8" creationId="{BDC24BD2-EC4B-CEA2-577C-5BE0790B5557}"/>
+          </ac:spMkLst>
+        </pc:spChg>
+        <pc:spChg chg="mod">
+          <ac:chgData name="Khalifa, Aly M., Ph.D." userId="634bbc94-9ae6-464c-b016-6dfea7a3309a" providerId="ADAL" clId="{3C7F73AE-7988-468F-A40C-F52509D850D3}" dt="2025-10-01T21:04:17.943" v="672" actId="1036"/>
+          <ac:spMkLst>
+            <pc:docMk/>
+            <pc:sldMk cId="877581998" sldId="261"/>
+            <ac:spMk id="9" creationId="{F1706C57-A92E-208D-0BAF-3C817177450E}"/>
+          </ac:spMkLst>
+        </pc:spChg>
+        <pc:spChg chg="mod">
+          <ac:chgData name="Khalifa, Aly M., Ph.D." userId="634bbc94-9ae6-464c-b016-6dfea7a3309a" providerId="ADAL" clId="{3C7F73AE-7988-468F-A40C-F52509D850D3}" dt="2025-10-01T21:04:17.943" v="672" actId="1036"/>
+          <ac:spMkLst>
+            <pc:docMk/>
+            <pc:sldMk cId="877581998" sldId="261"/>
+            <ac:spMk id="10" creationId="{E04F21E0-0E71-2799-F81C-18E0E8CEFA8A}"/>
+          </ac:spMkLst>
+        </pc:spChg>
+        <pc:spChg chg="add mod">
+          <ac:chgData name="Khalifa, Aly M., Ph.D." userId="634bbc94-9ae6-464c-b016-6dfea7a3309a" providerId="ADAL" clId="{3C7F73AE-7988-468F-A40C-F52509D850D3}" dt="2025-10-01T21:01:59.105" v="577"/>
+          <ac:spMkLst>
+            <pc:docMk/>
+            <pc:sldMk cId="877581998" sldId="261"/>
+            <ac:spMk id="11" creationId="{4201CAA8-1CD0-940A-8AA2-5EEDBFF26919}"/>
+          </ac:spMkLst>
+        </pc:spChg>
+        <pc:spChg chg="add mod">
+          <ac:chgData name="Khalifa, Aly M., Ph.D." userId="634bbc94-9ae6-464c-b016-6dfea7a3309a" providerId="ADAL" clId="{3C7F73AE-7988-468F-A40C-F52509D850D3}" dt="2025-10-01T21:05:47.855" v="690" actId="1076"/>
+          <ac:spMkLst>
+            <pc:docMk/>
+            <pc:sldMk cId="877581998" sldId="261"/>
+            <ac:spMk id="12" creationId="{CEA56B77-0A70-63AE-2CD6-ED24DB668904}"/>
+          </ac:spMkLst>
+        </pc:spChg>
+        <pc:spChg chg="add mod">
+          <ac:chgData name="Khalifa, Aly M., Ph.D." userId="634bbc94-9ae6-464c-b016-6dfea7a3309a" providerId="ADAL" clId="{3C7F73AE-7988-468F-A40C-F52509D850D3}" dt="2025-10-01T21:05:43.129" v="689" actId="1076"/>
+          <ac:spMkLst>
+            <pc:docMk/>
+            <pc:sldMk cId="877581998" sldId="261"/>
+            <ac:spMk id="13" creationId="{26822DD8-FB3A-0381-2FE2-72DFDCA7D188}"/>
+          </ac:spMkLst>
+        </pc:spChg>
+        <pc:graphicFrameChg chg="add mod modGraphic">
+          <ac:chgData name="Khalifa, Aly M., Ph.D." userId="634bbc94-9ae6-464c-b016-6dfea7a3309a" providerId="ADAL" clId="{3C7F73AE-7988-468F-A40C-F52509D850D3}" dt="2025-10-01T21:04:17.943" v="672" actId="1036"/>
+          <ac:graphicFrameMkLst>
+            <pc:docMk/>
+            <pc:sldMk cId="877581998" sldId="261"/>
+            <ac:graphicFrameMk id="2" creationId="{FFEC425A-8E74-45CA-58B4-AB1540DB498F}"/>
+          </ac:graphicFrameMkLst>
+        </pc:graphicFrameChg>
+        <pc:graphicFrameChg chg="mod modGraphic">
+          <ac:chgData name="Khalifa, Aly M., Ph.D." userId="634bbc94-9ae6-464c-b016-6dfea7a3309a" providerId="ADAL" clId="{3C7F73AE-7988-468F-A40C-F52509D850D3}" dt="2025-10-01T21:04:17.943" v="672" actId="1036"/>
+          <ac:graphicFrameMkLst>
+            <pc:docMk/>
+            <pc:sldMk cId="877581998" sldId="261"/>
+            <ac:graphicFrameMk id="4" creationId="{F2965550-D782-627A-872A-9CFBED121C09}"/>
           </ac:graphicFrameMkLst>
         </pc:graphicFrameChg>
       </pc:sldChg>
@@ -7249,6 +7353,1867 @@
     <p:extLst>
       <p:ext uri="{BB962C8B-B14F-4D97-AF65-F5344CB8AC3E}">
         <p14:creationId xmlns:p14="http://schemas.microsoft.com/office/powerpoint/2010/main" val="3265066682"/>
+      </p:ext>
+    </p:extLst>
+  </p:cSld>
+  <p:clrMapOvr>
+    <a:masterClrMapping/>
+  </p:clrMapOvr>
+</p:sld>
+</file>
+
+<file path=ppt/slides/slide4.xml><?xml version="1.0" encoding="utf-8"?>
+<p:sld xmlns:a="http://schemas.openxmlformats.org/drawingml/2006/main" xmlns:r="http://schemas.openxmlformats.org/officeDocument/2006/relationships" xmlns:p="http://schemas.openxmlformats.org/presentationml/2006/main">
+  <p:cSld>
+    <p:spTree>
+      <p:nvGrpSpPr>
+        <p:cNvPr id="1" name="">
+          <a:extLst>
+            <a:ext uri="{FF2B5EF4-FFF2-40B4-BE49-F238E27FC236}">
+              <a16:creationId xmlns:a16="http://schemas.microsoft.com/office/drawing/2014/main" id="{6747D12E-2F47-DA02-78B2-1F181808C82B}"/>
+            </a:ext>
+          </a:extLst>
+        </p:cNvPr>
+        <p:cNvGrpSpPr/>
+        <p:nvPr/>
+      </p:nvGrpSpPr>
+      <p:grpSpPr>
+        <a:xfrm>
+          <a:off x="0" y="0"/>
+          <a:ext cx="0" cy="0"/>
+          <a:chOff x="0" y="0"/>
+          <a:chExt cx="0" cy="0"/>
+        </a:xfrm>
+      </p:grpSpPr>
+      <p:sp>
+        <p:nvSpPr>
+          <p:cNvPr id="7" name="Rectangle 6">
+            <a:extLst>
+              <a:ext uri="{FF2B5EF4-FFF2-40B4-BE49-F238E27FC236}">
+                <a16:creationId xmlns:a16="http://schemas.microsoft.com/office/drawing/2014/main" id="{7828C8D8-FE1B-D505-709C-83A434D6BC89}"/>
+              </a:ext>
+            </a:extLst>
+          </p:cNvPr>
+          <p:cNvSpPr/>
+          <p:nvPr/>
+        </p:nvSpPr>
+        <p:spPr>
+          <a:xfrm>
+            <a:off x="462594" y="3685875"/>
+            <a:ext cx="5752578" cy="411762"/>
+          </a:xfrm>
+          <a:prstGeom prst="rect">
+            <a:avLst/>
+          </a:prstGeom>
+          <a:noFill/>
+          <a:ln w="28575">
+            <a:solidFill>
+              <a:schemeClr val="accent5">
+                <a:lumMod val="40000"/>
+                <a:lumOff val="60000"/>
+              </a:schemeClr>
+            </a:solidFill>
+            <a:prstDash val="sysDash"/>
+          </a:ln>
+        </p:spPr>
+        <p:style>
+          <a:lnRef idx="2">
+            <a:schemeClr val="accent1">
+              <a:shade val="15000"/>
+            </a:schemeClr>
+          </a:lnRef>
+          <a:fillRef idx="1">
+            <a:schemeClr val="accent1"/>
+          </a:fillRef>
+          <a:effectRef idx="0">
+            <a:schemeClr val="accent1"/>
+          </a:effectRef>
+          <a:fontRef idx="minor">
+            <a:schemeClr val="lt1"/>
+          </a:fontRef>
+        </p:style>
+        <p:txBody>
+          <a:bodyPr rtlCol="0" anchor="ctr"/>
+          <a:lstStyle/>
+          <a:p>
+            <a:r>
+              <a:rPr lang="en-US" sz="1200" b="1" dirty="0">
+                <a:solidFill>
+                  <a:schemeClr val="tx1"/>
+                </a:solidFill>
+              </a:rPr>
+              <a:t>Position: 87531302</a:t>
+            </a:r>
+            <a:endParaRPr lang="en-US" sz="1200" dirty="0">
+              <a:solidFill>
+                <a:schemeClr val="tx1"/>
+              </a:solidFill>
+            </a:endParaRPr>
+          </a:p>
+        </p:txBody>
+      </p:sp>
+      <p:graphicFrame>
+        <p:nvGraphicFramePr>
+          <p:cNvPr id="4" name="Table 3">
+            <a:extLst>
+              <a:ext uri="{FF2B5EF4-FFF2-40B4-BE49-F238E27FC236}">
+                <a16:creationId xmlns:a16="http://schemas.microsoft.com/office/drawing/2014/main" id="{F2965550-D782-627A-872A-9CFBED121C09}"/>
+              </a:ext>
+            </a:extLst>
+          </p:cNvPr>
+          <p:cNvGraphicFramePr>
+            <a:graphicFrameLocks noGrp="1"/>
+          </p:cNvGraphicFramePr>
+          <p:nvPr>
+            <p:extLst>
+              <p:ext uri="{D42A27DB-BD31-4B8C-83A1-F6EECF244321}">
+                <p14:modId xmlns:p14="http://schemas.microsoft.com/office/powerpoint/2010/main" val="2855786651"/>
+              </p:ext>
+            </p:extLst>
+          </p:nvPr>
+        </p:nvGraphicFramePr>
+        <p:xfrm>
+          <a:off x="4528661" y="1096420"/>
+          <a:ext cx="472367" cy="5590674"/>
+        </p:xfrm>
+        <a:graphic>
+          <a:graphicData uri="http://schemas.openxmlformats.org/drawingml/2006/table">
+            <a:tbl>
+              <a:tblPr firstRow="1" bandRow="1">
+                <a:tableStyleId>{5C22544A-7EE6-4342-B048-85BDC9FD1C3A}</a:tableStyleId>
+              </a:tblPr>
+              <a:tblGrid>
+                <a:gridCol w="472367">
+                  <a:extLst>
+                    <a:ext uri="{9D8B030D-6E8A-4147-A177-3AD203B41FA5}">
+                      <a16:colId xmlns:a16="http://schemas.microsoft.com/office/drawing/2014/main" val="3329278872"/>
+                    </a:ext>
+                  </a:extLst>
+                </a:gridCol>
+              </a:tblGrid>
+              <a:tr h="621186">
+                <a:tc>
+                  <a:txBody>
+                    <a:bodyPr/>
+                    <a:lstStyle/>
+                    <a:p>
+                      <a:pPr algn="ctr"/>
+                      <a:r>
+                        <a:rPr lang="en-US" b="1" dirty="0">
+                          <a:solidFill>
+                            <a:schemeClr val="accent5">
+                              <a:lumMod val="75000"/>
+                            </a:schemeClr>
+                          </a:solidFill>
+                        </a:rPr>
+                        <a:t>…</a:t>
+                      </a:r>
+                    </a:p>
+                  </a:txBody>
+                  <a:tcPr anchor="ctr">
+                    <a:lnL w="12700" cap="flat" cmpd="sng" algn="ctr">
+                      <a:solidFill>
+                        <a:schemeClr val="tx1"/>
+                      </a:solidFill>
+                      <a:prstDash val="solid"/>
+                      <a:round/>
+                      <a:headEnd type="none" w="med" len="med"/>
+                      <a:tailEnd type="none" w="med" len="med"/>
+                    </a:lnL>
+                    <a:lnR w="12700" cap="flat" cmpd="sng" algn="ctr">
+                      <a:solidFill>
+                        <a:schemeClr val="tx1"/>
+                      </a:solidFill>
+                      <a:prstDash val="solid"/>
+                      <a:round/>
+                      <a:headEnd type="none" w="med" len="med"/>
+                      <a:tailEnd type="none" w="med" len="med"/>
+                    </a:lnR>
+                    <a:lnT w="12700" cap="flat" cmpd="sng" algn="ctr">
+                      <a:solidFill>
+                        <a:schemeClr val="tx1"/>
+                      </a:solidFill>
+                      <a:prstDash val="solid"/>
+                      <a:round/>
+                      <a:headEnd type="none" w="med" len="med"/>
+                      <a:tailEnd type="none" w="med" len="med"/>
+                    </a:lnT>
+                    <a:lnB w="12700" cap="flat" cmpd="sng" algn="ctr">
+                      <a:solidFill>
+                        <a:schemeClr val="tx1"/>
+                      </a:solidFill>
+                      <a:prstDash val="solid"/>
+                      <a:round/>
+                      <a:headEnd type="none" w="med" len="med"/>
+                      <a:tailEnd type="none" w="med" len="med"/>
+                    </a:lnB>
+                    <a:solidFill>
+                      <a:schemeClr val="bg1">
+                        <a:lumMod val="85000"/>
+                      </a:schemeClr>
+                    </a:solidFill>
+                  </a:tcPr>
+                </a:tc>
+                <a:extLst>
+                  <a:ext uri="{0D108BD9-81ED-4DB2-BD59-A6C34878D82A}">
+                    <a16:rowId xmlns:a16="http://schemas.microsoft.com/office/drawing/2014/main" val="3286782715"/>
+                  </a:ext>
+                </a:extLst>
+              </a:tr>
+              <a:tr h="621186">
+                <a:tc>
+                  <a:txBody>
+                    <a:bodyPr/>
+                    <a:lstStyle/>
+                    <a:p>
+                      <a:pPr algn="ctr"/>
+                      <a:r>
+                        <a:rPr lang="en-US" b="1" dirty="0">
+                          <a:solidFill>
+                            <a:schemeClr val="accent5">
+                              <a:lumMod val="75000"/>
+                            </a:schemeClr>
+                          </a:solidFill>
+                        </a:rPr>
+                        <a:t>…</a:t>
+                      </a:r>
+                    </a:p>
+                  </a:txBody>
+                  <a:tcPr anchor="ctr">
+                    <a:lnL w="12700" cap="flat" cmpd="sng" algn="ctr">
+                      <a:solidFill>
+                        <a:schemeClr val="tx1"/>
+                      </a:solidFill>
+                      <a:prstDash val="solid"/>
+                      <a:round/>
+                      <a:headEnd type="none" w="med" len="med"/>
+                      <a:tailEnd type="none" w="med" len="med"/>
+                    </a:lnL>
+                    <a:lnR w="12700" cap="flat" cmpd="sng" algn="ctr">
+                      <a:solidFill>
+                        <a:schemeClr val="tx1"/>
+                      </a:solidFill>
+                      <a:prstDash val="solid"/>
+                      <a:round/>
+                      <a:headEnd type="none" w="med" len="med"/>
+                      <a:tailEnd type="none" w="med" len="med"/>
+                    </a:lnR>
+                    <a:lnT w="12700" cap="flat" cmpd="sng" algn="ctr">
+                      <a:solidFill>
+                        <a:schemeClr val="tx1"/>
+                      </a:solidFill>
+                      <a:prstDash val="solid"/>
+                      <a:round/>
+                      <a:headEnd type="none" w="med" len="med"/>
+                      <a:tailEnd type="none" w="med" len="med"/>
+                    </a:lnT>
+                    <a:lnB w="12700" cap="flat" cmpd="sng" algn="ctr">
+                      <a:solidFill>
+                        <a:schemeClr val="tx1"/>
+                      </a:solidFill>
+                      <a:prstDash val="solid"/>
+                      <a:round/>
+                      <a:headEnd type="none" w="med" len="med"/>
+                      <a:tailEnd type="none" w="med" len="med"/>
+                    </a:lnB>
+                    <a:solidFill>
+                      <a:schemeClr val="bg1">
+                        <a:lumMod val="85000"/>
+                      </a:schemeClr>
+                    </a:solidFill>
+                  </a:tcPr>
+                </a:tc>
+                <a:extLst>
+                  <a:ext uri="{0D108BD9-81ED-4DB2-BD59-A6C34878D82A}">
+                    <a16:rowId xmlns:a16="http://schemas.microsoft.com/office/drawing/2014/main" val="970618482"/>
+                  </a:ext>
+                </a:extLst>
+              </a:tr>
+              <a:tr h="621186">
+                <a:tc>
+                  <a:txBody>
+                    <a:bodyPr/>
+                    <a:lstStyle/>
+                    <a:p>
+                      <a:pPr algn="ctr"/>
+                      <a:r>
+                        <a:rPr lang="en-US" b="1" dirty="0">
+                          <a:solidFill>
+                            <a:schemeClr val="accent5">
+                              <a:lumMod val="75000"/>
+                            </a:schemeClr>
+                          </a:solidFill>
+                        </a:rPr>
+                        <a:t>…</a:t>
+                      </a:r>
+                    </a:p>
+                  </a:txBody>
+                  <a:tcPr anchor="ctr">
+                    <a:lnL w="12700" cap="flat" cmpd="sng" algn="ctr">
+                      <a:solidFill>
+                        <a:schemeClr val="tx1"/>
+                      </a:solidFill>
+                      <a:prstDash val="solid"/>
+                      <a:round/>
+                      <a:headEnd type="none" w="med" len="med"/>
+                      <a:tailEnd type="none" w="med" len="med"/>
+                    </a:lnL>
+                    <a:lnR w="12700" cap="flat" cmpd="sng" algn="ctr">
+                      <a:solidFill>
+                        <a:schemeClr val="tx1"/>
+                      </a:solidFill>
+                      <a:prstDash val="solid"/>
+                      <a:round/>
+                      <a:headEnd type="none" w="med" len="med"/>
+                      <a:tailEnd type="none" w="med" len="med"/>
+                    </a:lnR>
+                    <a:lnT w="12700" cap="flat" cmpd="sng" algn="ctr">
+                      <a:solidFill>
+                        <a:schemeClr val="tx1"/>
+                      </a:solidFill>
+                      <a:prstDash val="solid"/>
+                      <a:round/>
+                      <a:headEnd type="none" w="med" len="med"/>
+                      <a:tailEnd type="none" w="med" len="med"/>
+                    </a:lnT>
+                    <a:lnB w="12700" cap="flat" cmpd="sng" algn="ctr">
+                      <a:solidFill>
+                        <a:schemeClr val="tx1"/>
+                      </a:solidFill>
+                      <a:prstDash val="solid"/>
+                      <a:round/>
+                      <a:headEnd type="none" w="med" len="med"/>
+                      <a:tailEnd type="none" w="med" len="med"/>
+                    </a:lnB>
+                    <a:solidFill>
+                      <a:schemeClr val="bg1">
+                        <a:lumMod val="85000"/>
+                      </a:schemeClr>
+                    </a:solidFill>
+                  </a:tcPr>
+                </a:tc>
+                <a:extLst>
+                  <a:ext uri="{0D108BD9-81ED-4DB2-BD59-A6C34878D82A}">
+                    <a16:rowId xmlns:a16="http://schemas.microsoft.com/office/drawing/2014/main" val="4001026716"/>
+                  </a:ext>
+                </a:extLst>
+              </a:tr>
+              <a:tr h="621186">
+                <a:tc>
+                  <a:txBody>
+                    <a:bodyPr/>
+                    <a:lstStyle/>
+                    <a:p>
+                      <a:pPr algn="ctr"/>
+                      <a:r>
+                        <a:rPr lang="en-US" b="1" dirty="0">
+                          <a:solidFill>
+                            <a:schemeClr val="accent5">
+                              <a:lumMod val="75000"/>
+                            </a:schemeClr>
+                          </a:solidFill>
+                        </a:rPr>
+                        <a:t>…</a:t>
+                      </a:r>
+                    </a:p>
+                  </a:txBody>
+                  <a:tcPr anchor="ctr">
+                    <a:lnL w="12700" cap="flat" cmpd="sng" algn="ctr">
+                      <a:solidFill>
+                        <a:schemeClr val="tx1"/>
+                      </a:solidFill>
+                      <a:prstDash val="solid"/>
+                      <a:round/>
+                      <a:headEnd type="none" w="med" len="med"/>
+                      <a:tailEnd type="none" w="med" len="med"/>
+                    </a:lnL>
+                    <a:lnR w="12700" cap="flat" cmpd="sng" algn="ctr">
+                      <a:solidFill>
+                        <a:schemeClr val="tx1"/>
+                      </a:solidFill>
+                      <a:prstDash val="solid"/>
+                      <a:round/>
+                      <a:headEnd type="none" w="med" len="med"/>
+                      <a:tailEnd type="none" w="med" len="med"/>
+                    </a:lnR>
+                    <a:lnT w="12700" cap="flat" cmpd="sng" algn="ctr">
+                      <a:solidFill>
+                        <a:schemeClr val="tx1"/>
+                      </a:solidFill>
+                      <a:prstDash val="solid"/>
+                      <a:round/>
+                      <a:headEnd type="none" w="med" len="med"/>
+                      <a:tailEnd type="none" w="med" len="med"/>
+                    </a:lnT>
+                    <a:lnB w="12700" cap="flat" cmpd="sng" algn="ctr">
+                      <a:solidFill>
+                        <a:schemeClr val="tx1"/>
+                      </a:solidFill>
+                      <a:prstDash val="solid"/>
+                      <a:round/>
+                      <a:headEnd type="none" w="med" len="med"/>
+                      <a:tailEnd type="none" w="med" len="med"/>
+                    </a:lnB>
+                    <a:solidFill>
+                      <a:schemeClr val="bg1">
+                        <a:lumMod val="85000"/>
+                      </a:schemeClr>
+                    </a:solidFill>
+                  </a:tcPr>
+                </a:tc>
+                <a:extLst>
+                  <a:ext uri="{0D108BD9-81ED-4DB2-BD59-A6C34878D82A}">
+                    <a16:rowId xmlns:a16="http://schemas.microsoft.com/office/drawing/2014/main" val="1960884480"/>
+                  </a:ext>
+                </a:extLst>
+              </a:tr>
+              <a:tr h="621186">
+                <a:tc>
+                  <a:txBody>
+                    <a:bodyPr/>
+                    <a:lstStyle/>
+                    <a:p>
+                      <a:pPr algn="ctr"/>
+                      <a:r>
+                        <a:rPr lang="en-US" b="1" dirty="0">
+                          <a:solidFill>
+                            <a:schemeClr val="accent5">
+                              <a:lumMod val="75000"/>
+                            </a:schemeClr>
+                          </a:solidFill>
+                        </a:rPr>
+                        <a:t>T</a:t>
+                      </a:r>
+                    </a:p>
+                  </a:txBody>
+                  <a:tcPr anchor="ctr">
+                    <a:lnL w="12700" cap="flat" cmpd="sng" algn="ctr">
+                      <a:solidFill>
+                        <a:schemeClr val="tx1"/>
+                      </a:solidFill>
+                      <a:prstDash val="solid"/>
+                      <a:round/>
+                      <a:headEnd type="none" w="med" len="med"/>
+                      <a:tailEnd type="none" w="med" len="med"/>
+                    </a:lnL>
+                    <a:lnR w="12700" cap="flat" cmpd="sng" algn="ctr">
+                      <a:solidFill>
+                        <a:schemeClr val="tx1"/>
+                      </a:solidFill>
+                      <a:prstDash val="solid"/>
+                      <a:round/>
+                      <a:headEnd type="none" w="med" len="med"/>
+                      <a:tailEnd type="none" w="med" len="med"/>
+                    </a:lnR>
+                    <a:lnT w="12700" cap="flat" cmpd="sng" algn="ctr">
+                      <a:solidFill>
+                        <a:schemeClr val="tx1"/>
+                      </a:solidFill>
+                      <a:prstDash val="solid"/>
+                      <a:round/>
+                      <a:headEnd type="none" w="med" len="med"/>
+                      <a:tailEnd type="none" w="med" len="med"/>
+                    </a:lnT>
+                    <a:lnB w="12700" cap="flat" cmpd="sng" algn="ctr">
+                      <a:solidFill>
+                        <a:schemeClr val="tx1"/>
+                      </a:solidFill>
+                      <a:prstDash val="solid"/>
+                      <a:round/>
+                      <a:headEnd type="none" w="med" len="med"/>
+                      <a:tailEnd type="none" w="med" len="med"/>
+                    </a:lnB>
+                    <a:solidFill>
+                      <a:srgbClr val="FFC000"/>
+                    </a:solidFill>
+                  </a:tcPr>
+                </a:tc>
+                <a:extLst>
+                  <a:ext uri="{0D108BD9-81ED-4DB2-BD59-A6C34878D82A}">
+                    <a16:rowId xmlns:a16="http://schemas.microsoft.com/office/drawing/2014/main" val="3111990082"/>
+                  </a:ext>
+                </a:extLst>
+              </a:tr>
+              <a:tr h="621186">
+                <a:tc>
+                  <a:txBody>
+                    <a:bodyPr/>
+                    <a:lstStyle/>
+                    <a:p>
+                      <a:pPr algn="ctr"/>
+                      <a:r>
+                        <a:rPr lang="en-US" b="1" dirty="0">
+                          <a:solidFill>
+                            <a:schemeClr val="accent5">
+                              <a:lumMod val="75000"/>
+                            </a:schemeClr>
+                          </a:solidFill>
+                        </a:rPr>
+                        <a:t>…</a:t>
+                      </a:r>
+                    </a:p>
+                  </a:txBody>
+                  <a:tcPr anchor="ctr">
+                    <a:lnL w="12700" cap="flat" cmpd="sng" algn="ctr">
+                      <a:solidFill>
+                        <a:schemeClr val="tx1"/>
+                      </a:solidFill>
+                      <a:prstDash val="solid"/>
+                      <a:round/>
+                      <a:headEnd type="none" w="med" len="med"/>
+                      <a:tailEnd type="none" w="med" len="med"/>
+                    </a:lnL>
+                    <a:lnR w="12700" cap="flat" cmpd="sng" algn="ctr">
+                      <a:solidFill>
+                        <a:schemeClr val="tx1"/>
+                      </a:solidFill>
+                      <a:prstDash val="solid"/>
+                      <a:round/>
+                      <a:headEnd type="none" w="med" len="med"/>
+                      <a:tailEnd type="none" w="med" len="med"/>
+                    </a:lnR>
+                    <a:lnT w="12700" cap="flat" cmpd="sng" algn="ctr">
+                      <a:solidFill>
+                        <a:schemeClr val="tx1"/>
+                      </a:solidFill>
+                      <a:prstDash val="solid"/>
+                      <a:round/>
+                      <a:headEnd type="none" w="med" len="med"/>
+                      <a:tailEnd type="none" w="med" len="med"/>
+                    </a:lnT>
+                    <a:lnB w="12700" cap="flat" cmpd="sng" algn="ctr">
+                      <a:solidFill>
+                        <a:schemeClr val="tx1"/>
+                      </a:solidFill>
+                      <a:prstDash val="solid"/>
+                      <a:round/>
+                      <a:headEnd type="none" w="med" len="med"/>
+                      <a:tailEnd type="none" w="med" len="med"/>
+                    </a:lnB>
+                    <a:solidFill>
+                      <a:schemeClr val="bg1">
+                        <a:lumMod val="85000"/>
+                      </a:schemeClr>
+                    </a:solidFill>
+                  </a:tcPr>
+                </a:tc>
+                <a:extLst>
+                  <a:ext uri="{0D108BD9-81ED-4DB2-BD59-A6C34878D82A}">
+                    <a16:rowId xmlns:a16="http://schemas.microsoft.com/office/drawing/2014/main" val="3637416621"/>
+                  </a:ext>
+                </a:extLst>
+              </a:tr>
+              <a:tr h="621186">
+                <a:tc>
+                  <a:txBody>
+                    <a:bodyPr/>
+                    <a:lstStyle/>
+                    <a:p>
+                      <a:pPr algn="ctr"/>
+                      <a:r>
+                        <a:rPr lang="en-US" b="1" dirty="0">
+                          <a:solidFill>
+                            <a:schemeClr val="accent5">
+                              <a:lumMod val="75000"/>
+                            </a:schemeClr>
+                          </a:solidFill>
+                        </a:rPr>
+                        <a:t>…</a:t>
+                      </a:r>
+                    </a:p>
+                  </a:txBody>
+                  <a:tcPr anchor="ctr">
+                    <a:lnL w="12700" cap="flat" cmpd="sng" algn="ctr">
+                      <a:solidFill>
+                        <a:schemeClr val="tx1"/>
+                      </a:solidFill>
+                      <a:prstDash val="solid"/>
+                      <a:round/>
+                      <a:headEnd type="none" w="med" len="med"/>
+                      <a:tailEnd type="none" w="med" len="med"/>
+                    </a:lnL>
+                    <a:lnR w="12700" cap="flat" cmpd="sng" algn="ctr">
+                      <a:solidFill>
+                        <a:schemeClr val="tx1"/>
+                      </a:solidFill>
+                      <a:prstDash val="solid"/>
+                      <a:round/>
+                      <a:headEnd type="none" w="med" len="med"/>
+                      <a:tailEnd type="none" w="med" len="med"/>
+                    </a:lnR>
+                    <a:lnT w="12700" cap="flat" cmpd="sng" algn="ctr">
+                      <a:solidFill>
+                        <a:schemeClr val="tx1"/>
+                      </a:solidFill>
+                      <a:prstDash val="solid"/>
+                      <a:round/>
+                      <a:headEnd type="none" w="med" len="med"/>
+                      <a:tailEnd type="none" w="med" len="med"/>
+                    </a:lnT>
+                    <a:lnB w="12700" cap="flat" cmpd="sng" algn="ctr">
+                      <a:solidFill>
+                        <a:schemeClr val="tx1"/>
+                      </a:solidFill>
+                      <a:prstDash val="solid"/>
+                      <a:round/>
+                      <a:headEnd type="none" w="med" len="med"/>
+                      <a:tailEnd type="none" w="med" len="med"/>
+                    </a:lnB>
+                    <a:solidFill>
+                      <a:schemeClr val="bg1">
+                        <a:lumMod val="85000"/>
+                      </a:schemeClr>
+                    </a:solidFill>
+                  </a:tcPr>
+                </a:tc>
+                <a:extLst>
+                  <a:ext uri="{0D108BD9-81ED-4DB2-BD59-A6C34878D82A}">
+                    <a16:rowId xmlns:a16="http://schemas.microsoft.com/office/drawing/2014/main" val="3500336531"/>
+                  </a:ext>
+                </a:extLst>
+              </a:tr>
+              <a:tr h="621186">
+                <a:tc>
+                  <a:txBody>
+                    <a:bodyPr/>
+                    <a:lstStyle/>
+                    <a:p>
+                      <a:pPr algn="ctr"/>
+                      <a:r>
+                        <a:rPr lang="en-US" b="1" dirty="0">
+                          <a:solidFill>
+                            <a:schemeClr val="accent5">
+                              <a:lumMod val="75000"/>
+                            </a:schemeClr>
+                          </a:solidFill>
+                        </a:rPr>
+                        <a:t>…</a:t>
+                      </a:r>
+                    </a:p>
+                  </a:txBody>
+                  <a:tcPr anchor="ctr">
+                    <a:lnL w="12700" cap="flat" cmpd="sng" algn="ctr">
+                      <a:solidFill>
+                        <a:schemeClr val="tx1"/>
+                      </a:solidFill>
+                      <a:prstDash val="solid"/>
+                      <a:round/>
+                      <a:headEnd type="none" w="med" len="med"/>
+                      <a:tailEnd type="none" w="med" len="med"/>
+                    </a:lnL>
+                    <a:lnR w="12700" cap="flat" cmpd="sng" algn="ctr">
+                      <a:solidFill>
+                        <a:schemeClr val="tx1"/>
+                      </a:solidFill>
+                      <a:prstDash val="solid"/>
+                      <a:round/>
+                      <a:headEnd type="none" w="med" len="med"/>
+                      <a:tailEnd type="none" w="med" len="med"/>
+                    </a:lnR>
+                    <a:lnT w="12700" cap="flat" cmpd="sng" algn="ctr">
+                      <a:solidFill>
+                        <a:schemeClr val="tx1"/>
+                      </a:solidFill>
+                      <a:prstDash val="solid"/>
+                      <a:round/>
+                      <a:headEnd type="none" w="med" len="med"/>
+                      <a:tailEnd type="none" w="med" len="med"/>
+                    </a:lnT>
+                    <a:lnB w="12700" cap="flat" cmpd="sng" algn="ctr">
+                      <a:solidFill>
+                        <a:schemeClr val="tx1"/>
+                      </a:solidFill>
+                      <a:prstDash val="solid"/>
+                      <a:round/>
+                      <a:headEnd type="none" w="med" len="med"/>
+                      <a:tailEnd type="none" w="med" len="med"/>
+                    </a:lnB>
+                    <a:solidFill>
+                      <a:schemeClr val="bg1">
+                        <a:lumMod val="85000"/>
+                      </a:schemeClr>
+                    </a:solidFill>
+                  </a:tcPr>
+                </a:tc>
+                <a:extLst>
+                  <a:ext uri="{0D108BD9-81ED-4DB2-BD59-A6C34878D82A}">
+                    <a16:rowId xmlns:a16="http://schemas.microsoft.com/office/drawing/2014/main" val="446859078"/>
+                  </a:ext>
+                </a:extLst>
+              </a:tr>
+              <a:tr h="621186">
+                <a:tc>
+                  <a:txBody>
+                    <a:bodyPr/>
+                    <a:lstStyle/>
+                    <a:p>
+                      <a:pPr algn="ctr"/>
+                      <a:r>
+                        <a:rPr lang="en-US" b="1" dirty="0">
+                          <a:solidFill>
+                            <a:schemeClr val="accent5">
+                              <a:lumMod val="75000"/>
+                            </a:schemeClr>
+                          </a:solidFill>
+                        </a:rPr>
+                        <a:t>…</a:t>
+                      </a:r>
+                    </a:p>
+                  </a:txBody>
+                  <a:tcPr anchor="ctr">
+                    <a:lnL w="12700" cap="flat" cmpd="sng" algn="ctr">
+                      <a:solidFill>
+                        <a:schemeClr val="tx1"/>
+                      </a:solidFill>
+                      <a:prstDash val="solid"/>
+                      <a:round/>
+                      <a:headEnd type="none" w="med" len="med"/>
+                      <a:tailEnd type="none" w="med" len="med"/>
+                    </a:lnL>
+                    <a:lnR w="12700" cap="flat" cmpd="sng" algn="ctr">
+                      <a:solidFill>
+                        <a:schemeClr val="tx1"/>
+                      </a:solidFill>
+                      <a:prstDash val="solid"/>
+                      <a:round/>
+                      <a:headEnd type="none" w="med" len="med"/>
+                      <a:tailEnd type="none" w="med" len="med"/>
+                    </a:lnR>
+                    <a:lnT w="12700" cap="flat" cmpd="sng" algn="ctr">
+                      <a:solidFill>
+                        <a:schemeClr val="tx1"/>
+                      </a:solidFill>
+                      <a:prstDash val="solid"/>
+                      <a:round/>
+                      <a:headEnd type="none" w="med" len="med"/>
+                      <a:tailEnd type="none" w="med" len="med"/>
+                    </a:lnT>
+                    <a:lnB w="12700" cap="flat" cmpd="sng" algn="ctr">
+                      <a:solidFill>
+                        <a:schemeClr val="tx1"/>
+                      </a:solidFill>
+                      <a:prstDash val="solid"/>
+                      <a:round/>
+                      <a:headEnd type="none" w="med" len="med"/>
+                      <a:tailEnd type="none" w="med" len="med"/>
+                    </a:lnB>
+                    <a:solidFill>
+                      <a:schemeClr val="bg1">
+                        <a:lumMod val="85000"/>
+                      </a:schemeClr>
+                    </a:solidFill>
+                  </a:tcPr>
+                </a:tc>
+                <a:extLst>
+                  <a:ext uri="{0D108BD9-81ED-4DB2-BD59-A6C34878D82A}">
+                    <a16:rowId xmlns:a16="http://schemas.microsoft.com/office/drawing/2014/main" val="1405429812"/>
+                  </a:ext>
+                </a:extLst>
+              </a:tr>
+            </a:tbl>
+          </a:graphicData>
+        </a:graphic>
+      </p:graphicFrame>
+      <p:sp>
+        <p:nvSpPr>
+          <p:cNvPr id="5" name="TextBox 4">
+            <a:extLst>
+              <a:ext uri="{FF2B5EF4-FFF2-40B4-BE49-F238E27FC236}">
+                <a16:creationId xmlns:a16="http://schemas.microsoft.com/office/drawing/2014/main" id="{C42D56F2-4618-D2D2-D8E7-16D9F66EE7D8}"/>
+              </a:ext>
+            </a:extLst>
+          </p:cNvPr>
+          <p:cNvSpPr txBox="1"/>
+          <p:nvPr/>
+        </p:nvSpPr>
+        <p:spPr>
+          <a:xfrm>
+            <a:off x="6355032" y="5401277"/>
+            <a:ext cx="5239909" cy="923330"/>
+          </a:xfrm>
+          <a:prstGeom prst="rect">
+            <a:avLst/>
+          </a:prstGeom>
+          <a:noFill/>
+          <a:ln>
+            <a:solidFill>
+              <a:schemeClr val="tx1"/>
+            </a:solidFill>
+          </a:ln>
+        </p:spPr>
+        <p:txBody>
+          <a:bodyPr wrap="square" rtlCol="0">
+            <a:spAutoFit/>
+          </a:bodyPr>
+          <a:lstStyle/>
+          <a:p>
+            <a:pPr algn="ctr"/>
+            <a:r>
+              <a:rPr lang="en-US" b="1" dirty="0"/>
+              <a:t>Variation Example of Tri-allelic ABCB1 Showing</a:t>
+            </a:r>
+          </a:p>
+          <a:p>
+            <a:pPr algn="ctr"/>
+            <a:r>
+              <a:rPr lang="en-US" b="1" dirty="0"/>
+              <a:t> Context State “T”, Alternative State “C”, and Reference State “A” at Position 87531302</a:t>
+            </a:r>
+          </a:p>
+        </p:txBody>
+      </p:sp>
+      <p:sp>
+        <p:nvSpPr>
+          <p:cNvPr id="8" name="Rectangle 7">
+            <a:extLst>
+              <a:ext uri="{FF2B5EF4-FFF2-40B4-BE49-F238E27FC236}">
+                <a16:creationId xmlns:a16="http://schemas.microsoft.com/office/drawing/2014/main" id="{BDC24BD2-EC4B-CEA2-577C-5BE0790B5557}"/>
+              </a:ext>
+            </a:extLst>
+          </p:cNvPr>
+          <p:cNvSpPr/>
+          <p:nvPr/>
+        </p:nvSpPr>
+        <p:spPr>
+          <a:xfrm>
+            <a:off x="5213002" y="3579800"/>
+            <a:ext cx="472367" cy="623912"/>
+          </a:xfrm>
+          <a:prstGeom prst="rect">
+            <a:avLst/>
+          </a:prstGeom>
+          <a:solidFill>
+            <a:schemeClr val="accent3">
+              <a:lumMod val="40000"/>
+              <a:lumOff val="60000"/>
+            </a:schemeClr>
+          </a:solidFill>
+          <a:ln w="38100">
+            <a:solidFill>
+              <a:schemeClr val="tx1"/>
+            </a:solidFill>
+          </a:ln>
+        </p:spPr>
+        <p:style>
+          <a:lnRef idx="2">
+            <a:schemeClr val="accent1">
+              <a:shade val="15000"/>
+            </a:schemeClr>
+          </a:lnRef>
+          <a:fillRef idx="1">
+            <a:schemeClr val="accent1"/>
+          </a:fillRef>
+          <a:effectRef idx="0">
+            <a:schemeClr val="accent1"/>
+          </a:effectRef>
+          <a:fontRef idx="minor">
+            <a:schemeClr val="lt1"/>
+          </a:fontRef>
+        </p:style>
+        <p:txBody>
+          <a:bodyPr rtlCol="0" anchor="ctr"/>
+          <a:lstStyle/>
+          <a:p>
+            <a:pPr algn="ctr"/>
+            <a:r>
+              <a:rPr lang="en-US" b="1" dirty="0">
+                <a:solidFill>
+                  <a:schemeClr val="accent5">
+                    <a:lumMod val="75000"/>
+                  </a:schemeClr>
+                </a:solidFill>
+              </a:rPr>
+              <a:t>C</a:t>
+            </a:r>
+          </a:p>
+          <a:p>
+            <a:pPr algn="ctr"/>
+            <a:r>
+              <a:rPr lang="en-US" sz="1000" b="1" dirty="0">
+                <a:solidFill>
+                  <a:schemeClr val="accent5">
+                    <a:lumMod val="75000"/>
+                  </a:schemeClr>
+                </a:solidFill>
+              </a:rPr>
+              <a:t>1016</a:t>
+            </a:r>
+          </a:p>
+        </p:txBody>
+      </p:sp>
+      <p:sp>
+        <p:nvSpPr>
+          <p:cNvPr id="9" name="Callout: Line 8">
+            <a:extLst>
+              <a:ext uri="{FF2B5EF4-FFF2-40B4-BE49-F238E27FC236}">
+                <a16:creationId xmlns:a16="http://schemas.microsoft.com/office/drawing/2014/main" id="{F1706C57-A92E-208D-0BAF-3C817177450E}"/>
+              </a:ext>
+            </a:extLst>
+          </p:cNvPr>
+          <p:cNvSpPr/>
+          <p:nvPr/>
+        </p:nvSpPr>
+        <p:spPr>
+          <a:xfrm>
+            <a:off x="3116614" y="2990356"/>
+            <a:ext cx="749722" cy="632713"/>
+          </a:xfrm>
+          <a:prstGeom prst="borderCallout1">
+            <a:avLst>
+              <a:gd name="adj1" fmla="val 48886"/>
+              <a:gd name="adj2" fmla="val 99759"/>
+              <a:gd name="adj3" fmla="val 111815"/>
+              <a:gd name="adj4" fmla="val 188257"/>
+            </a:avLst>
+          </a:prstGeom>
+          <a:solidFill>
+            <a:srgbClr val="FFC000"/>
+          </a:solidFill>
+        </p:spPr>
+        <p:style>
+          <a:lnRef idx="2">
+            <a:schemeClr val="accent1">
+              <a:shade val="15000"/>
+            </a:schemeClr>
+          </a:lnRef>
+          <a:fillRef idx="1">
+            <a:schemeClr val="accent1"/>
+          </a:fillRef>
+          <a:effectRef idx="0">
+            <a:schemeClr val="accent1"/>
+          </a:effectRef>
+          <a:fontRef idx="minor">
+            <a:schemeClr val="lt1"/>
+          </a:fontRef>
+        </p:style>
+        <p:txBody>
+          <a:bodyPr rtlCol="0" anchor="ctr"/>
+          <a:lstStyle/>
+          <a:p>
+            <a:pPr algn="ctr"/>
+            <a:r>
+              <a:rPr lang="en-US" sz="1200" b="1" dirty="0">
+                <a:solidFill>
+                  <a:schemeClr val="accent5">
+                    <a:lumMod val="75000"/>
+                  </a:schemeClr>
+                </a:solidFill>
+              </a:rPr>
+              <a:t>Context State</a:t>
+            </a:r>
+          </a:p>
+        </p:txBody>
+      </p:sp>
+      <p:sp>
+        <p:nvSpPr>
+          <p:cNvPr id="10" name="Callout: Line 9">
+            <a:extLst>
+              <a:ext uri="{FF2B5EF4-FFF2-40B4-BE49-F238E27FC236}">
+                <a16:creationId xmlns:a16="http://schemas.microsoft.com/office/drawing/2014/main" id="{E04F21E0-0E71-2799-F81C-18E0E8CEFA8A}"/>
+              </a:ext>
+            </a:extLst>
+          </p:cNvPr>
+          <p:cNvSpPr/>
+          <p:nvPr/>
+        </p:nvSpPr>
+        <p:spPr>
+          <a:xfrm>
+            <a:off x="6215172" y="2947087"/>
+            <a:ext cx="1197795" cy="632713"/>
+          </a:xfrm>
+          <a:prstGeom prst="borderCallout1">
+            <a:avLst>
+              <a:gd name="adj1" fmla="val 48886"/>
+              <a:gd name="adj2" fmla="val 915"/>
+              <a:gd name="adj3" fmla="val 103596"/>
+              <a:gd name="adj4" fmla="val -46095"/>
+            </a:avLst>
+          </a:prstGeom>
+          <a:solidFill>
+            <a:schemeClr val="accent3">
+              <a:lumMod val="40000"/>
+              <a:lumOff val="60000"/>
+            </a:schemeClr>
+          </a:solidFill>
+        </p:spPr>
+        <p:style>
+          <a:lnRef idx="2">
+            <a:schemeClr val="accent1">
+              <a:shade val="15000"/>
+            </a:schemeClr>
+          </a:lnRef>
+          <a:fillRef idx="1">
+            <a:schemeClr val="accent1"/>
+          </a:fillRef>
+          <a:effectRef idx="0">
+            <a:schemeClr val="accent1"/>
+          </a:effectRef>
+          <a:fontRef idx="minor">
+            <a:schemeClr val="lt1"/>
+          </a:fontRef>
+        </p:style>
+        <p:txBody>
+          <a:bodyPr rtlCol="0" anchor="ctr"/>
+          <a:lstStyle/>
+          <a:p>
+            <a:pPr algn="ctr"/>
+            <a:r>
+              <a:rPr lang="en-US" sz="1200" b="1" dirty="0">
+                <a:solidFill>
+                  <a:schemeClr val="accent5">
+                    <a:lumMod val="75000"/>
+                  </a:schemeClr>
+                </a:solidFill>
+              </a:rPr>
+              <a:t>Alternative State</a:t>
+            </a:r>
+          </a:p>
+        </p:txBody>
+      </p:sp>
+      <p:graphicFrame>
+        <p:nvGraphicFramePr>
+          <p:cNvPr id="2" name="Table 1">
+            <a:extLst>
+              <a:ext uri="{FF2B5EF4-FFF2-40B4-BE49-F238E27FC236}">
+                <a16:creationId xmlns:a16="http://schemas.microsoft.com/office/drawing/2014/main" id="{FFEC425A-8E74-45CA-58B4-AB1540DB498F}"/>
+              </a:ext>
+            </a:extLst>
+          </p:cNvPr>
+          <p:cNvGraphicFramePr>
+            <a:graphicFrameLocks noGrp="1"/>
+          </p:cNvGraphicFramePr>
+          <p:nvPr>
+            <p:extLst>
+              <p:ext uri="{D42A27DB-BD31-4B8C-83A1-F6EECF244321}">
+                <p14:modId xmlns:p14="http://schemas.microsoft.com/office/powerpoint/2010/main" val="1843507864"/>
+              </p:ext>
+            </p:extLst>
+          </p:nvPr>
+        </p:nvGraphicFramePr>
+        <p:xfrm>
+          <a:off x="2396869" y="1096419"/>
+          <a:ext cx="472367" cy="5590674"/>
+        </p:xfrm>
+        <a:graphic>
+          <a:graphicData uri="http://schemas.openxmlformats.org/drawingml/2006/table">
+            <a:tbl>
+              <a:tblPr firstRow="1" bandRow="1">
+                <a:tableStyleId>{5C22544A-7EE6-4342-B048-85BDC9FD1C3A}</a:tableStyleId>
+              </a:tblPr>
+              <a:tblGrid>
+                <a:gridCol w="472367">
+                  <a:extLst>
+                    <a:ext uri="{9D8B030D-6E8A-4147-A177-3AD203B41FA5}">
+                      <a16:colId xmlns:a16="http://schemas.microsoft.com/office/drawing/2014/main" val="3329278872"/>
+                    </a:ext>
+                  </a:extLst>
+                </a:gridCol>
+              </a:tblGrid>
+              <a:tr h="621186">
+                <a:tc>
+                  <a:txBody>
+                    <a:bodyPr/>
+                    <a:lstStyle/>
+                    <a:p>
+                      <a:pPr algn="ctr"/>
+                      <a:r>
+                        <a:rPr lang="en-US" b="1" dirty="0">
+                          <a:solidFill>
+                            <a:schemeClr val="accent5">
+                              <a:lumMod val="75000"/>
+                            </a:schemeClr>
+                          </a:solidFill>
+                        </a:rPr>
+                        <a:t>…</a:t>
+                      </a:r>
+                    </a:p>
+                  </a:txBody>
+                  <a:tcPr anchor="ctr">
+                    <a:lnL w="12700" cap="flat" cmpd="sng" algn="ctr">
+                      <a:solidFill>
+                        <a:schemeClr val="tx1"/>
+                      </a:solidFill>
+                      <a:prstDash val="solid"/>
+                      <a:round/>
+                      <a:headEnd type="none" w="med" len="med"/>
+                      <a:tailEnd type="none" w="med" len="med"/>
+                    </a:lnL>
+                    <a:lnR w="12700" cap="flat" cmpd="sng" algn="ctr">
+                      <a:solidFill>
+                        <a:schemeClr val="tx1"/>
+                      </a:solidFill>
+                      <a:prstDash val="solid"/>
+                      <a:round/>
+                      <a:headEnd type="none" w="med" len="med"/>
+                      <a:tailEnd type="none" w="med" len="med"/>
+                    </a:lnR>
+                    <a:lnT w="12700" cap="flat" cmpd="sng" algn="ctr">
+                      <a:solidFill>
+                        <a:schemeClr val="tx1"/>
+                      </a:solidFill>
+                      <a:prstDash val="solid"/>
+                      <a:round/>
+                      <a:headEnd type="none" w="med" len="med"/>
+                      <a:tailEnd type="none" w="med" len="med"/>
+                    </a:lnT>
+                    <a:lnB w="12700" cap="flat" cmpd="sng" algn="ctr">
+                      <a:solidFill>
+                        <a:schemeClr val="tx1"/>
+                      </a:solidFill>
+                      <a:prstDash val="solid"/>
+                      <a:round/>
+                      <a:headEnd type="none" w="med" len="med"/>
+                      <a:tailEnd type="none" w="med" len="med"/>
+                    </a:lnB>
+                    <a:solidFill>
+                      <a:schemeClr val="bg1">
+                        <a:lumMod val="85000"/>
+                      </a:schemeClr>
+                    </a:solidFill>
+                  </a:tcPr>
+                </a:tc>
+                <a:extLst>
+                  <a:ext uri="{0D108BD9-81ED-4DB2-BD59-A6C34878D82A}">
+                    <a16:rowId xmlns:a16="http://schemas.microsoft.com/office/drawing/2014/main" val="3286782715"/>
+                  </a:ext>
+                </a:extLst>
+              </a:tr>
+              <a:tr h="621186">
+                <a:tc>
+                  <a:txBody>
+                    <a:bodyPr/>
+                    <a:lstStyle/>
+                    <a:p>
+                      <a:pPr algn="ctr"/>
+                      <a:r>
+                        <a:rPr lang="en-US" b="1" dirty="0">
+                          <a:solidFill>
+                            <a:schemeClr val="accent5">
+                              <a:lumMod val="75000"/>
+                            </a:schemeClr>
+                          </a:solidFill>
+                        </a:rPr>
+                        <a:t>…</a:t>
+                      </a:r>
+                    </a:p>
+                  </a:txBody>
+                  <a:tcPr anchor="ctr">
+                    <a:lnL w="12700" cap="flat" cmpd="sng" algn="ctr">
+                      <a:solidFill>
+                        <a:schemeClr val="tx1"/>
+                      </a:solidFill>
+                      <a:prstDash val="solid"/>
+                      <a:round/>
+                      <a:headEnd type="none" w="med" len="med"/>
+                      <a:tailEnd type="none" w="med" len="med"/>
+                    </a:lnL>
+                    <a:lnR w="12700" cap="flat" cmpd="sng" algn="ctr">
+                      <a:solidFill>
+                        <a:schemeClr val="tx1"/>
+                      </a:solidFill>
+                      <a:prstDash val="solid"/>
+                      <a:round/>
+                      <a:headEnd type="none" w="med" len="med"/>
+                      <a:tailEnd type="none" w="med" len="med"/>
+                    </a:lnR>
+                    <a:lnT w="12700" cap="flat" cmpd="sng" algn="ctr">
+                      <a:solidFill>
+                        <a:schemeClr val="tx1"/>
+                      </a:solidFill>
+                      <a:prstDash val="solid"/>
+                      <a:round/>
+                      <a:headEnd type="none" w="med" len="med"/>
+                      <a:tailEnd type="none" w="med" len="med"/>
+                    </a:lnT>
+                    <a:lnB w="12700" cap="flat" cmpd="sng" algn="ctr">
+                      <a:solidFill>
+                        <a:schemeClr val="tx1"/>
+                      </a:solidFill>
+                      <a:prstDash val="solid"/>
+                      <a:round/>
+                      <a:headEnd type="none" w="med" len="med"/>
+                      <a:tailEnd type="none" w="med" len="med"/>
+                    </a:lnB>
+                    <a:solidFill>
+                      <a:schemeClr val="bg1">
+                        <a:lumMod val="85000"/>
+                      </a:schemeClr>
+                    </a:solidFill>
+                  </a:tcPr>
+                </a:tc>
+                <a:extLst>
+                  <a:ext uri="{0D108BD9-81ED-4DB2-BD59-A6C34878D82A}">
+                    <a16:rowId xmlns:a16="http://schemas.microsoft.com/office/drawing/2014/main" val="970618482"/>
+                  </a:ext>
+                </a:extLst>
+              </a:tr>
+              <a:tr h="621186">
+                <a:tc>
+                  <a:txBody>
+                    <a:bodyPr/>
+                    <a:lstStyle/>
+                    <a:p>
+                      <a:pPr algn="ctr"/>
+                      <a:r>
+                        <a:rPr lang="en-US" b="1" dirty="0">
+                          <a:solidFill>
+                            <a:schemeClr val="accent5">
+                              <a:lumMod val="75000"/>
+                            </a:schemeClr>
+                          </a:solidFill>
+                        </a:rPr>
+                        <a:t>…</a:t>
+                      </a:r>
+                    </a:p>
+                  </a:txBody>
+                  <a:tcPr anchor="ctr">
+                    <a:lnL w="12700" cap="flat" cmpd="sng" algn="ctr">
+                      <a:solidFill>
+                        <a:schemeClr val="tx1"/>
+                      </a:solidFill>
+                      <a:prstDash val="solid"/>
+                      <a:round/>
+                      <a:headEnd type="none" w="med" len="med"/>
+                      <a:tailEnd type="none" w="med" len="med"/>
+                    </a:lnL>
+                    <a:lnR w="12700" cap="flat" cmpd="sng" algn="ctr">
+                      <a:solidFill>
+                        <a:schemeClr val="tx1"/>
+                      </a:solidFill>
+                      <a:prstDash val="solid"/>
+                      <a:round/>
+                      <a:headEnd type="none" w="med" len="med"/>
+                      <a:tailEnd type="none" w="med" len="med"/>
+                    </a:lnR>
+                    <a:lnT w="12700" cap="flat" cmpd="sng" algn="ctr">
+                      <a:solidFill>
+                        <a:schemeClr val="tx1"/>
+                      </a:solidFill>
+                      <a:prstDash val="solid"/>
+                      <a:round/>
+                      <a:headEnd type="none" w="med" len="med"/>
+                      <a:tailEnd type="none" w="med" len="med"/>
+                    </a:lnT>
+                    <a:lnB w="12700" cap="flat" cmpd="sng" algn="ctr">
+                      <a:solidFill>
+                        <a:schemeClr val="tx1"/>
+                      </a:solidFill>
+                      <a:prstDash val="solid"/>
+                      <a:round/>
+                      <a:headEnd type="none" w="med" len="med"/>
+                      <a:tailEnd type="none" w="med" len="med"/>
+                    </a:lnB>
+                    <a:solidFill>
+                      <a:schemeClr val="bg1">
+                        <a:lumMod val="85000"/>
+                      </a:schemeClr>
+                    </a:solidFill>
+                  </a:tcPr>
+                </a:tc>
+                <a:extLst>
+                  <a:ext uri="{0D108BD9-81ED-4DB2-BD59-A6C34878D82A}">
+                    <a16:rowId xmlns:a16="http://schemas.microsoft.com/office/drawing/2014/main" val="4001026716"/>
+                  </a:ext>
+                </a:extLst>
+              </a:tr>
+              <a:tr h="621186">
+                <a:tc>
+                  <a:txBody>
+                    <a:bodyPr/>
+                    <a:lstStyle/>
+                    <a:p>
+                      <a:pPr algn="ctr"/>
+                      <a:r>
+                        <a:rPr lang="en-US" b="1" dirty="0">
+                          <a:solidFill>
+                            <a:schemeClr val="accent5">
+                              <a:lumMod val="75000"/>
+                            </a:schemeClr>
+                          </a:solidFill>
+                        </a:rPr>
+                        <a:t>…</a:t>
+                      </a:r>
+                    </a:p>
+                  </a:txBody>
+                  <a:tcPr anchor="ctr">
+                    <a:lnL w="12700" cap="flat" cmpd="sng" algn="ctr">
+                      <a:solidFill>
+                        <a:schemeClr val="tx1"/>
+                      </a:solidFill>
+                      <a:prstDash val="solid"/>
+                      <a:round/>
+                      <a:headEnd type="none" w="med" len="med"/>
+                      <a:tailEnd type="none" w="med" len="med"/>
+                    </a:lnL>
+                    <a:lnR w="12700" cap="flat" cmpd="sng" algn="ctr">
+                      <a:solidFill>
+                        <a:schemeClr val="tx1"/>
+                      </a:solidFill>
+                      <a:prstDash val="solid"/>
+                      <a:round/>
+                      <a:headEnd type="none" w="med" len="med"/>
+                      <a:tailEnd type="none" w="med" len="med"/>
+                    </a:lnR>
+                    <a:lnT w="12700" cap="flat" cmpd="sng" algn="ctr">
+                      <a:solidFill>
+                        <a:schemeClr val="tx1"/>
+                      </a:solidFill>
+                      <a:prstDash val="solid"/>
+                      <a:round/>
+                      <a:headEnd type="none" w="med" len="med"/>
+                      <a:tailEnd type="none" w="med" len="med"/>
+                    </a:lnT>
+                    <a:lnB w="12700" cap="flat" cmpd="sng" algn="ctr">
+                      <a:solidFill>
+                        <a:schemeClr val="tx1"/>
+                      </a:solidFill>
+                      <a:prstDash val="solid"/>
+                      <a:round/>
+                      <a:headEnd type="none" w="med" len="med"/>
+                      <a:tailEnd type="none" w="med" len="med"/>
+                    </a:lnB>
+                    <a:solidFill>
+                      <a:schemeClr val="bg1">
+                        <a:lumMod val="85000"/>
+                      </a:schemeClr>
+                    </a:solidFill>
+                  </a:tcPr>
+                </a:tc>
+                <a:extLst>
+                  <a:ext uri="{0D108BD9-81ED-4DB2-BD59-A6C34878D82A}">
+                    <a16:rowId xmlns:a16="http://schemas.microsoft.com/office/drawing/2014/main" val="1960884480"/>
+                  </a:ext>
+                </a:extLst>
+              </a:tr>
+              <a:tr h="621186">
+                <a:tc>
+                  <a:txBody>
+                    <a:bodyPr/>
+                    <a:lstStyle/>
+                    <a:p>
+                      <a:pPr algn="ctr"/>
+                      <a:r>
+                        <a:rPr lang="en-US" b="1" dirty="0">
+                          <a:solidFill>
+                            <a:schemeClr val="accent5">
+                              <a:lumMod val="75000"/>
+                            </a:schemeClr>
+                          </a:solidFill>
+                        </a:rPr>
+                        <a:t>A</a:t>
+                      </a:r>
+                    </a:p>
+                  </a:txBody>
+                  <a:tcPr anchor="ctr">
+                    <a:lnL w="12700" cap="flat" cmpd="sng" algn="ctr">
+                      <a:solidFill>
+                        <a:schemeClr val="tx1"/>
+                      </a:solidFill>
+                      <a:prstDash val="solid"/>
+                      <a:round/>
+                      <a:headEnd type="none" w="med" len="med"/>
+                      <a:tailEnd type="none" w="med" len="med"/>
+                    </a:lnL>
+                    <a:lnR w="12700" cap="flat" cmpd="sng" algn="ctr">
+                      <a:solidFill>
+                        <a:schemeClr val="tx1"/>
+                      </a:solidFill>
+                      <a:prstDash val="solid"/>
+                      <a:round/>
+                      <a:headEnd type="none" w="med" len="med"/>
+                      <a:tailEnd type="none" w="med" len="med"/>
+                    </a:lnR>
+                    <a:lnT w="12700" cap="flat" cmpd="sng" algn="ctr">
+                      <a:solidFill>
+                        <a:schemeClr val="tx1"/>
+                      </a:solidFill>
+                      <a:prstDash val="solid"/>
+                      <a:round/>
+                      <a:headEnd type="none" w="med" len="med"/>
+                      <a:tailEnd type="none" w="med" len="med"/>
+                    </a:lnT>
+                    <a:lnB w="12700" cap="flat" cmpd="sng" algn="ctr">
+                      <a:solidFill>
+                        <a:schemeClr val="tx1"/>
+                      </a:solidFill>
+                      <a:prstDash val="solid"/>
+                      <a:round/>
+                      <a:headEnd type="none" w="med" len="med"/>
+                      <a:tailEnd type="none" w="med" len="med"/>
+                    </a:lnB>
+                    <a:solidFill>
+                      <a:srgbClr val="FFC000"/>
+                    </a:solidFill>
+                  </a:tcPr>
+                </a:tc>
+                <a:extLst>
+                  <a:ext uri="{0D108BD9-81ED-4DB2-BD59-A6C34878D82A}">
+                    <a16:rowId xmlns:a16="http://schemas.microsoft.com/office/drawing/2014/main" val="3111990082"/>
+                  </a:ext>
+                </a:extLst>
+              </a:tr>
+              <a:tr h="621186">
+                <a:tc>
+                  <a:txBody>
+                    <a:bodyPr/>
+                    <a:lstStyle/>
+                    <a:p>
+                      <a:pPr algn="ctr"/>
+                      <a:r>
+                        <a:rPr lang="en-US" b="1" dirty="0">
+                          <a:solidFill>
+                            <a:schemeClr val="accent5">
+                              <a:lumMod val="75000"/>
+                            </a:schemeClr>
+                          </a:solidFill>
+                        </a:rPr>
+                        <a:t>…</a:t>
+                      </a:r>
+                    </a:p>
+                  </a:txBody>
+                  <a:tcPr anchor="ctr">
+                    <a:lnL w="12700" cap="flat" cmpd="sng" algn="ctr">
+                      <a:solidFill>
+                        <a:schemeClr val="tx1"/>
+                      </a:solidFill>
+                      <a:prstDash val="solid"/>
+                      <a:round/>
+                      <a:headEnd type="none" w="med" len="med"/>
+                      <a:tailEnd type="none" w="med" len="med"/>
+                    </a:lnL>
+                    <a:lnR w="12700" cap="flat" cmpd="sng" algn="ctr">
+                      <a:solidFill>
+                        <a:schemeClr val="tx1"/>
+                      </a:solidFill>
+                      <a:prstDash val="solid"/>
+                      <a:round/>
+                      <a:headEnd type="none" w="med" len="med"/>
+                      <a:tailEnd type="none" w="med" len="med"/>
+                    </a:lnR>
+                    <a:lnT w="12700" cap="flat" cmpd="sng" algn="ctr">
+                      <a:solidFill>
+                        <a:schemeClr val="tx1"/>
+                      </a:solidFill>
+                      <a:prstDash val="solid"/>
+                      <a:round/>
+                      <a:headEnd type="none" w="med" len="med"/>
+                      <a:tailEnd type="none" w="med" len="med"/>
+                    </a:lnT>
+                    <a:lnB w="12700" cap="flat" cmpd="sng" algn="ctr">
+                      <a:solidFill>
+                        <a:schemeClr val="tx1"/>
+                      </a:solidFill>
+                      <a:prstDash val="solid"/>
+                      <a:round/>
+                      <a:headEnd type="none" w="med" len="med"/>
+                      <a:tailEnd type="none" w="med" len="med"/>
+                    </a:lnB>
+                    <a:solidFill>
+                      <a:schemeClr val="bg1">
+                        <a:lumMod val="85000"/>
+                      </a:schemeClr>
+                    </a:solidFill>
+                  </a:tcPr>
+                </a:tc>
+                <a:extLst>
+                  <a:ext uri="{0D108BD9-81ED-4DB2-BD59-A6C34878D82A}">
+                    <a16:rowId xmlns:a16="http://schemas.microsoft.com/office/drawing/2014/main" val="3637416621"/>
+                  </a:ext>
+                </a:extLst>
+              </a:tr>
+              <a:tr h="621186">
+                <a:tc>
+                  <a:txBody>
+                    <a:bodyPr/>
+                    <a:lstStyle/>
+                    <a:p>
+                      <a:pPr algn="ctr"/>
+                      <a:r>
+                        <a:rPr lang="en-US" b="1" dirty="0">
+                          <a:solidFill>
+                            <a:schemeClr val="accent5">
+                              <a:lumMod val="75000"/>
+                            </a:schemeClr>
+                          </a:solidFill>
+                        </a:rPr>
+                        <a:t>…</a:t>
+                      </a:r>
+                    </a:p>
+                  </a:txBody>
+                  <a:tcPr anchor="ctr">
+                    <a:lnL w="12700" cap="flat" cmpd="sng" algn="ctr">
+                      <a:solidFill>
+                        <a:schemeClr val="tx1"/>
+                      </a:solidFill>
+                      <a:prstDash val="solid"/>
+                      <a:round/>
+                      <a:headEnd type="none" w="med" len="med"/>
+                      <a:tailEnd type="none" w="med" len="med"/>
+                    </a:lnL>
+                    <a:lnR w="12700" cap="flat" cmpd="sng" algn="ctr">
+                      <a:solidFill>
+                        <a:schemeClr val="tx1"/>
+                      </a:solidFill>
+                      <a:prstDash val="solid"/>
+                      <a:round/>
+                      <a:headEnd type="none" w="med" len="med"/>
+                      <a:tailEnd type="none" w="med" len="med"/>
+                    </a:lnR>
+                    <a:lnT w="12700" cap="flat" cmpd="sng" algn="ctr">
+                      <a:solidFill>
+                        <a:schemeClr val="tx1"/>
+                      </a:solidFill>
+                      <a:prstDash val="solid"/>
+                      <a:round/>
+                      <a:headEnd type="none" w="med" len="med"/>
+                      <a:tailEnd type="none" w="med" len="med"/>
+                    </a:lnT>
+                    <a:lnB w="12700" cap="flat" cmpd="sng" algn="ctr">
+                      <a:solidFill>
+                        <a:schemeClr val="tx1"/>
+                      </a:solidFill>
+                      <a:prstDash val="solid"/>
+                      <a:round/>
+                      <a:headEnd type="none" w="med" len="med"/>
+                      <a:tailEnd type="none" w="med" len="med"/>
+                    </a:lnB>
+                    <a:solidFill>
+                      <a:schemeClr val="bg1">
+                        <a:lumMod val="85000"/>
+                      </a:schemeClr>
+                    </a:solidFill>
+                  </a:tcPr>
+                </a:tc>
+                <a:extLst>
+                  <a:ext uri="{0D108BD9-81ED-4DB2-BD59-A6C34878D82A}">
+                    <a16:rowId xmlns:a16="http://schemas.microsoft.com/office/drawing/2014/main" val="3500336531"/>
+                  </a:ext>
+                </a:extLst>
+              </a:tr>
+              <a:tr h="621186">
+                <a:tc>
+                  <a:txBody>
+                    <a:bodyPr/>
+                    <a:lstStyle/>
+                    <a:p>
+                      <a:pPr algn="ctr"/>
+                      <a:r>
+                        <a:rPr lang="en-US" b="1" dirty="0">
+                          <a:solidFill>
+                            <a:schemeClr val="accent5">
+                              <a:lumMod val="75000"/>
+                            </a:schemeClr>
+                          </a:solidFill>
+                        </a:rPr>
+                        <a:t>…</a:t>
+                      </a:r>
+                    </a:p>
+                  </a:txBody>
+                  <a:tcPr anchor="ctr">
+                    <a:lnL w="12700" cap="flat" cmpd="sng" algn="ctr">
+                      <a:solidFill>
+                        <a:schemeClr val="tx1"/>
+                      </a:solidFill>
+                      <a:prstDash val="solid"/>
+                      <a:round/>
+                      <a:headEnd type="none" w="med" len="med"/>
+                      <a:tailEnd type="none" w="med" len="med"/>
+                    </a:lnL>
+                    <a:lnR w="12700" cap="flat" cmpd="sng" algn="ctr">
+                      <a:solidFill>
+                        <a:schemeClr val="tx1"/>
+                      </a:solidFill>
+                      <a:prstDash val="solid"/>
+                      <a:round/>
+                      <a:headEnd type="none" w="med" len="med"/>
+                      <a:tailEnd type="none" w="med" len="med"/>
+                    </a:lnR>
+                    <a:lnT w="12700" cap="flat" cmpd="sng" algn="ctr">
+                      <a:solidFill>
+                        <a:schemeClr val="tx1"/>
+                      </a:solidFill>
+                      <a:prstDash val="solid"/>
+                      <a:round/>
+                      <a:headEnd type="none" w="med" len="med"/>
+                      <a:tailEnd type="none" w="med" len="med"/>
+                    </a:lnT>
+                    <a:lnB w="12700" cap="flat" cmpd="sng" algn="ctr">
+                      <a:solidFill>
+                        <a:schemeClr val="tx1"/>
+                      </a:solidFill>
+                      <a:prstDash val="solid"/>
+                      <a:round/>
+                      <a:headEnd type="none" w="med" len="med"/>
+                      <a:tailEnd type="none" w="med" len="med"/>
+                    </a:lnB>
+                    <a:solidFill>
+                      <a:schemeClr val="bg1">
+                        <a:lumMod val="85000"/>
+                      </a:schemeClr>
+                    </a:solidFill>
+                  </a:tcPr>
+                </a:tc>
+                <a:extLst>
+                  <a:ext uri="{0D108BD9-81ED-4DB2-BD59-A6C34878D82A}">
+                    <a16:rowId xmlns:a16="http://schemas.microsoft.com/office/drawing/2014/main" val="446859078"/>
+                  </a:ext>
+                </a:extLst>
+              </a:tr>
+              <a:tr h="621186">
+                <a:tc>
+                  <a:txBody>
+                    <a:bodyPr/>
+                    <a:lstStyle/>
+                    <a:p>
+                      <a:pPr algn="ctr"/>
+                      <a:r>
+                        <a:rPr lang="en-US" b="1" dirty="0">
+                          <a:solidFill>
+                            <a:schemeClr val="accent5">
+                              <a:lumMod val="75000"/>
+                            </a:schemeClr>
+                          </a:solidFill>
+                        </a:rPr>
+                        <a:t>…</a:t>
+                      </a:r>
+                    </a:p>
+                  </a:txBody>
+                  <a:tcPr anchor="ctr">
+                    <a:lnL w="12700" cap="flat" cmpd="sng" algn="ctr">
+                      <a:solidFill>
+                        <a:schemeClr val="tx1"/>
+                      </a:solidFill>
+                      <a:prstDash val="solid"/>
+                      <a:round/>
+                      <a:headEnd type="none" w="med" len="med"/>
+                      <a:tailEnd type="none" w="med" len="med"/>
+                    </a:lnL>
+                    <a:lnR w="12700" cap="flat" cmpd="sng" algn="ctr">
+                      <a:solidFill>
+                        <a:schemeClr val="tx1"/>
+                      </a:solidFill>
+                      <a:prstDash val="solid"/>
+                      <a:round/>
+                      <a:headEnd type="none" w="med" len="med"/>
+                      <a:tailEnd type="none" w="med" len="med"/>
+                    </a:lnR>
+                    <a:lnT w="12700" cap="flat" cmpd="sng" algn="ctr">
+                      <a:solidFill>
+                        <a:schemeClr val="tx1"/>
+                      </a:solidFill>
+                      <a:prstDash val="solid"/>
+                      <a:round/>
+                      <a:headEnd type="none" w="med" len="med"/>
+                      <a:tailEnd type="none" w="med" len="med"/>
+                    </a:lnT>
+                    <a:lnB w="12700" cap="flat" cmpd="sng" algn="ctr">
+                      <a:solidFill>
+                        <a:schemeClr val="tx1"/>
+                      </a:solidFill>
+                      <a:prstDash val="solid"/>
+                      <a:round/>
+                      <a:headEnd type="none" w="med" len="med"/>
+                      <a:tailEnd type="none" w="med" len="med"/>
+                    </a:lnB>
+                    <a:solidFill>
+                      <a:schemeClr val="bg1">
+                        <a:lumMod val="85000"/>
+                      </a:schemeClr>
+                    </a:solidFill>
+                  </a:tcPr>
+                </a:tc>
+                <a:extLst>
+                  <a:ext uri="{0D108BD9-81ED-4DB2-BD59-A6C34878D82A}">
+                    <a16:rowId xmlns:a16="http://schemas.microsoft.com/office/drawing/2014/main" val="1405429812"/>
+                  </a:ext>
+                </a:extLst>
+              </a:tr>
+            </a:tbl>
+          </a:graphicData>
+        </a:graphic>
+      </p:graphicFrame>
+      <p:sp>
+        <p:nvSpPr>
+          <p:cNvPr id="3" name="Callout: Line 2">
+            <a:extLst>
+              <a:ext uri="{FF2B5EF4-FFF2-40B4-BE49-F238E27FC236}">
+                <a16:creationId xmlns:a16="http://schemas.microsoft.com/office/drawing/2014/main" id="{406E7432-AB46-6225-739F-FB75AFB7EBB9}"/>
+              </a:ext>
+            </a:extLst>
+          </p:cNvPr>
+          <p:cNvSpPr/>
+          <p:nvPr/>
+        </p:nvSpPr>
+        <p:spPr>
+          <a:xfrm>
+            <a:off x="806059" y="2990357"/>
+            <a:ext cx="906095" cy="632713"/>
+          </a:xfrm>
+          <a:prstGeom prst="borderCallout1">
+            <a:avLst>
+              <a:gd name="adj1" fmla="val 48886"/>
+              <a:gd name="adj2" fmla="val 99759"/>
+              <a:gd name="adj3" fmla="val 102226"/>
+              <a:gd name="adj4" fmla="val 175264"/>
+            </a:avLst>
+          </a:prstGeom>
+          <a:solidFill>
+            <a:srgbClr val="FFC000"/>
+          </a:solidFill>
+        </p:spPr>
+        <p:style>
+          <a:lnRef idx="2">
+            <a:schemeClr val="accent1">
+              <a:shade val="15000"/>
+            </a:schemeClr>
+          </a:lnRef>
+          <a:fillRef idx="1">
+            <a:schemeClr val="accent1"/>
+          </a:fillRef>
+          <a:effectRef idx="0">
+            <a:schemeClr val="accent1"/>
+          </a:effectRef>
+          <a:fontRef idx="minor">
+            <a:schemeClr val="lt1"/>
+          </a:fontRef>
+        </p:style>
+        <p:txBody>
+          <a:bodyPr rtlCol="0" anchor="ctr"/>
+          <a:lstStyle/>
+          <a:p>
+            <a:pPr algn="ctr"/>
+            <a:r>
+              <a:rPr lang="en-US" sz="1200" b="1" dirty="0">
+                <a:solidFill>
+                  <a:schemeClr val="accent5">
+                    <a:lumMod val="75000"/>
+                  </a:schemeClr>
+                </a:solidFill>
+              </a:rPr>
+              <a:t>Reference State</a:t>
+            </a:r>
+          </a:p>
+        </p:txBody>
+      </p:sp>
+      <p:sp>
+        <p:nvSpPr>
+          <p:cNvPr id="12" name="Callout: Down Arrow 11">
+            <a:extLst>
+              <a:ext uri="{FF2B5EF4-FFF2-40B4-BE49-F238E27FC236}">
+                <a16:creationId xmlns:a16="http://schemas.microsoft.com/office/drawing/2014/main" id="{CEA56B77-0A70-63AE-2CD6-ED24DB668904}"/>
+              </a:ext>
+            </a:extLst>
+          </p:cNvPr>
+          <p:cNvSpPr/>
+          <p:nvPr/>
+        </p:nvSpPr>
+        <p:spPr>
+          <a:xfrm>
+            <a:off x="2022007" y="186486"/>
+            <a:ext cx="1222089" cy="773591"/>
+          </a:xfrm>
+          <a:prstGeom prst="downArrowCallout">
+            <a:avLst/>
+          </a:prstGeom>
+          <a:solidFill>
+            <a:schemeClr val="accent3">
+              <a:lumMod val="60000"/>
+              <a:lumOff val="40000"/>
+            </a:schemeClr>
+          </a:solidFill>
+        </p:spPr>
+        <p:style>
+          <a:lnRef idx="2">
+            <a:schemeClr val="accent1">
+              <a:shade val="15000"/>
+            </a:schemeClr>
+          </a:lnRef>
+          <a:fillRef idx="1">
+            <a:schemeClr val="accent1"/>
+          </a:fillRef>
+          <a:effectRef idx="0">
+            <a:schemeClr val="accent1"/>
+          </a:effectRef>
+          <a:fontRef idx="minor">
+            <a:schemeClr val="lt1"/>
+          </a:fontRef>
+        </p:style>
+        <p:txBody>
+          <a:bodyPr rtlCol="0" anchor="ctr"/>
+          <a:lstStyle/>
+          <a:p>
+            <a:pPr algn="ctr"/>
+            <a:r>
+              <a:rPr lang="en-US" sz="1200" b="1" dirty="0">
+                <a:solidFill>
+                  <a:schemeClr val="tx1"/>
+                </a:solidFill>
+              </a:rPr>
+              <a:t>Reference Sequence</a:t>
+            </a:r>
+          </a:p>
+        </p:txBody>
+      </p:sp>
+      <p:sp>
+        <p:nvSpPr>
+          <p:cNvPr id="13" name="Callout: Down Arrow 12">
+            <a:extLst>
+              <a:ext uri="{FF2B5EF4-FFF2-40B4-BE49-F238E27FC236}">
+                <a16:creationId xmlns:a16="http://schemas.microsoft.com/office/drawing/2014/main" id="{26822DD8-FB3A-0381-2FE2-72DFDCA7D188}"/>
+              </a:ext>
+            </a:extLst>
+          </p:cNvPr>
+          <p:cNvSpPr/>
+          <p:nvPr/>
+        </p:nvSpPr>
+        <p:spPr>
+          <a:xfrm>
+            <a:off x="4153799" y="186487"/>
+            <a:ext cx="1222089" cy="773591"/>
+          </a:xfrm>
+          <a:prstGeom prst="downArrowCallout">
+            <a:avLst/>
+          </a:prstGeom>
+          <a:solidFill>
+            <a:srgbClr val="FFC000"/>
+          </a:solidFill>
+        </p:spPr>
+        <p:style>
+          <a:lnRef idx="2">
+            <a:schemeClr val="accent1">
+              <a:shade val="15000"/>
+            </a:schemeClr>
+          </a:lnRef>
+          <a:fillRef idx="1">
+            <a:schemeClr val="accent1"/>
+          </a:fillRef>
+          <a:effectRef idx="0">
+            <a:schemeClr val="accent1"/>
+          </a:effectRef>
+          <a:fontRef idx="minor">
+            <a:schemeClr val="lt1"/>
+          </a:fontRef>
+        </p:style>
+        <p:txBody>
+          <a:bodyPr rtlCol="0" anchor="ctr"/>
+          <a:lstStyle/>
+          <a:p>
+            <a:pPr algn="ctr"/>
+            <a:r>
+              <a:rPr lang="en-US" sz="1200" b="1" dirty="0">
+                <a:solidFill>
+                  <a:schemeClr val="tx1"/>
+                </a:solidFill>
+              </a:rPr>
+              <a:t>Context Sequence</a:t>
+            </a:r>
+          </a:p>
+        </p:txBody>
+      </p:sp>
+    </p:spTree>
+    <p:extLst>
+      <p:ext uri="{BB962C8B-B14F-4D97-AF65-F5344CB8AC3E}">
+        <p14:creationId xmlns:p14="http://schemas.microsoft.com/office/powerpoint/2010/main" val="877581998"/>
       </p:ext>
     </p:extLst>
   </p:cSld>

--- a/input/pagecontent/MolDef-IG-Figures-Source.pptx
+++ b/input/pagecontent/MolDef-IG-Figures-Source.pptx
@@ -118,7 +118,7 @@
 <file path=ppt/revisionInfo.xml><?xml version="1.0" encoding="utf-8"?>
 <p1510:revInfo xmlns:a="http://schemas.openxmlformats.org/drawingml/2006/main" xmlns:r="http://schemas.openxmlformats.org/officeDocument/2006/relationships" xmlns:p1510="http://schemas.microsoft.com/office/powerpoint/2015/10/main">
   <p1510:revLst>
-    <p1510:client id="{3C7F73AE-7988-468F-A40C-F52509D850D3}" v="33" dt="2025-10-01T21:04:37.041"/>
+    <p1510:client id="{3C7F73AE-7988-468F-A40C-F52509D850D3}" v="38" dt="2025-10-01T21:09:31.747"/>
   </p1510:revLst>
 </p1510:revInfo>
 </file>
@@ -128,7 +128,7 @@
   <pc:docChgLst>
     <pc:chgData name="Khalifa, Aly M., Ph.D." userId="634bbc94-9ae6-464c-b016-6dfea7a3309a" providerId="ADAL" clId="{3C7F73AE-7988-468F-A40C-F52509D850D3}"/>
     <pc:docChg chg="undo custSel addSld delSld modSld">
-      <pc:chgData name="Khalifa, Aly M., Ph.D." userId="634bbc94-9ae6-464c-b016-6dfea7a3309a" providerId="ADAL" clId="{3C7F73AE-7988-468F-A40C-F52509D850D3}" dt="2025-10-01T21:05:47.855" v="690" actId="1076"/>
+      <pc:chgData name="Khalifa, Aly M., Ph.D." userId="634bbc94-9ae6-464c-b016-6dfea7a3309a" providerId="ADAL" clId="{3C7F73AE-7988-468F-A40C-F52509D850D3}" dt="2025-10-01T21:10:02.659" v="727" actId="1076"/>
       <pc:docMkLst>
         <pc:docMk/>
       </pc:docMkLst>
@@ -147,11 +147,19 @@
         </pc:sldMkLst>
       </pc:sldChg>
       <pc:sldChg chg="addSp delSp modSp new mod">
-        <pc:chgData name="Khalifa, Aly M., Ph.D." userId="634bbc94-9ae6-464c-b016-6dfea7a3309a" providerId="ADAL" clId="{3C7F73AE-7988-468F-A40C-F52509D850D3}" dt="2025-10-01T20:43:07.836" v="344" actId="1582"/>
+        <pc:chgData name="Khalifa, Aly M., Ph.D." userId="634bbc94-9ae6-464c-b016-6dfea7a3309a" providerId="ADAL" clId="{3C7F73AE-7988-468F-A40C-F52509D850D3}" dt="2025-10-01T21:10:02.659" v="727" actId="1076"/>
         <pc:sldMkLst>
           <pc:docMk/>
           <pc:sldMk cId="3265066682" sldId="260"/>
         </pc:sldMkLst>
+        <pc:spChg chg="add mod ord">
+          <ac:chgData name="Khalifa, Aly M., Ph.D." userId="634bbc94-9ae6-464c-b016-6dfea7a3309a" providerId="ADAL" clId="{3C7F73AE-7988-468F-A40C-F52509D850D3}" dt="2025-10-01T21:09:45.922" v="724" actId="167"/>
+          <ac:spMkLst>
+            <pc:docMk/>
+            <pc:sldMk cId="3265066682" sldId="260"/>
+            <ac:spMk id="2" creationId="{1142C344-FCE8-B3AB-29B8-2DE9BCBFFF3A}"/>
+          </ac:spMkLst>
+        </pc:spChg>
         <pc:spChg chg="del">
           <ac:chgData name="Khalifa, Aly M., Ph.D." userId="634bbc94-9ae6-464c-b016-6dfea7a3309a" providerId="ADAL" clId="{3C7F73AE-7988-468F-A40C-F52509D850D3}" dt="2025-10-01T19:56:10.197" v="3" actId="478"/>
           <ac:spMkLst>
@@ -169,15 +177,15 @@
           </ac:spMkLst>
         </pc:spChg>
         <pc:spChg chg="add mod">
-          <ac:chgData name="Khalifa, Aly M., Ph.D." userId="634bbc94-9ae6-464c-b016-6dfea7a3309a" providerId="ADAL" clId="{3C7F73AE-7988-468F-A40C-F52509D850D3}" dt="2025-10-01T20:37:10.503" v="216" actId="1076"/>
+          <ac:chgData name="Khalifa, Aly M., Ph.D." userId="634bbc94-9ae6-464c-b016-6dfea7a3309a" providerId="ADAL" clId="{3C7F73AE-7988-468F-A40C-F52509D850D3}" dt="2025-10-01T21:08:40.162" v="710" actId="20577"/>
           <ac:spMkLst>
             <pc:docMk/>
             <pc:sldMk cId="3265066682" sldId="260"/>
             <ac:spMk id="5" creationId="{5463C91D-E3AF-AAB2-61D2-D61112DD757E}"/>
           </ac:spMkLst>
         </pc:spChg>
-        <pc:spChg chg="add mod">
-          <ac:chgData name="Khalifa, Aly M., Ph.D." userId="634bbc94-9ae6-464c-b016-6dfea7a3309a" providerId="ADAL" clId="{3C7F73AE-7988-468F-A40C-F52509D850D3}" dt="2025-10-01T20:39:48.142" v="294" actId="1076"/>
+        <pc:spChg chg="add del mod">
+          <ac:chgData name="Khalifa, Aly M., Ph.D." userId="634bbc94-9ae6-464c-b016-6dfea7a3309a" providerId="ADAL" clId="{3C7F73AE-7988-468F-A40C-F52509D850D3}" dt="2025-10-01T21:09:34.517" v="721" actId="478"/>
           <ac:spMkLst>
             <pc:docMk/>
             <pc:sldMk cId="3265066682" sldId="260"/>
@@ -193,7 +201,7 @@
           </ac:spMkLst>
         </pc:spChg>
         <pc:spChg chg="add mod">
-          <ac:chgData name="Khalifa, Aly M., Ph.D." userId="634bbc94-9ae6-464c-b016-6dfea7a3309a" providerId="ADAL" clId="{3C7F73AE-7988-468F-A40C-F52509D850D3}" dt="2025-10-01T20:42:02.709" v="333" actId="1038"/>
+          <ac:chgData name="Khalifa, Aly M., Ph.D." userId="634bbc94-9ae6-464c-b016-6dfea7a3309a" providerId="ADAL" clId="{3C7F73AE-7988-468F-A40C-F52509D850D3}" dt="2025-10-01T21:09:56.137" v="726" actId="14100"/>
           <ac:spMkLst>
             <pc:docMk/>
             <pc:sldMk cId="3265066682" sldId="260"/>
@@ -201,7 +209,7 @@
           </ac:spMkLst>
         </pc:spChg>
         <pc:spChg chg="add mod">
-          <ac:chgData name="Khalifa, Aly M., Ph.D." userId="634bbc94-9ae6-464c-b016-6dfea7a3309a" providerId="ADAL" clId="{3C7F73AE-7988-468F-A40C-F52509D850D3}" dt="2025-10-01T20:41:53.501" v="331" actId="1076"/>
+          <ac:chgData name="Khalifa, Aly M., Ph.D." userId="634bbc94-9ae6-464c-b016-6dfea7a3309a" providerId="ADAL" clId="{3C7F73AE-7988-468F-A40C-F52509D850D3}" dt="2025-10-01T21:10:02.659" v="727" actId="1076"/>
           <ac:spMkLst>
             <pc:docMk/>
             <pc:sldMk cId="3265066682" sldId="260"/>
@@ -226,7 +234,7 @@
         </pc:graphicFrameChg>
       </pc:sldChg>
       <pc:sldChg chg="addSp delSp modSp add mod">
-        <pc:chgData name="Khalifa, Aly M., Ph.D." userId="634bbc94-9ae6-464c-b016-6dfea7a3309a" providerId="ADAL" clId="{3C7F73AE-7988-468F-A40C-F52509D850D3}" dt="2025-10-01T21:05:47.855" v="690" actId="1076"/>
+        <pc:chgData name="Khalifa, Aly M., Ph.D." userId="634bbc94-9ae6-464c-b016-6dfea7a3309a" providerId="ADAL" clId="{3C7F73AE-7988-468F-A40C-F52509D850D3}" dt="2025-10-01T21:09:11.600" v="718" actId="20577"/>
         <pc:sldMkLst>
           <pc:docMk/>
           <pc:sldMk cId="877581998" sldId="261"/>
@@ -240,7 +248,7 @@
           </ac:spMkLst>
         </pc:spChg>
         <pc:spChg chg="mod">
-          <ac:chgData name="Khalifa, Aly M., Ph.D." userId="634bbc94-9ae6-464c-b016-6dfea7a3309a" providerId="ADAL" clId="{3C7F73AE-7988-468F-A40C-F52509D850D3}" dt="2025-10-01T21:03:10.128" v="586" actId="1076"/>
+          <ac:chgData name="Khalifa, Aly M., Ph.D." userId="634bbc94-9ae6-464c-b016-6dfea7a3309a" providerId="ADAL" clId="{3C7F73AE-7988-468F-A40C-F52509D850D3}" dt="2025-10-01T21:09:11.600" v="718" actId="20577"/>
           <ac:spMkLst>
             <pc:docMk/>
             <pc:sldMk cId="877581998" sldId="261"/>
@@ -6181,6 +6189,73 @@
           <a:chExt cx="0" cy="0"/>
         </a:xfrm>
       </p:grpSpPr>
+      <p:sp>
+        <p:nvSpPr>
+          <p:cNvPr id="2" name="Rectangle 1">
+            <a:extLst>
+              <a:ext uri="{FF2B5EF4-FFF2-40B4-BE49-F238E27FC236}">
+                <a16:creationId xmlns:a16="http://schemas.microsoft.com/office/drawing/2014/main" id="{1142C344-FCE8-B3AB-29B8-2DE9BCBFFF3A}"/>
+              </a:ext>
+            </a:extLst>
+          </p:cNvPr>
+          <p:cNvSpPr/>
+          <p:nvPr/>
+        </p:nvSpPr>
+        <p:spPr>
+          <a:xfrm>
+            <a:off x="59757" y="2819138"/>
+            <a:ext cx="4126548" cy="411762"/>
+          </a:xfrm>
+          <a:prstGeom prst="rect">
+            <a:avLst/>
+          </a:prstGeom>
+          <a:noFill/>
+          <a:ln w="28575">
+            <a:solidFill>
+              <a:schemeClr val="accent5">
+                <a:lumMod val="40000"/>
+                <a:lumOff val="60000"/>
+              </a:schemeClr>
+            </a:solidFill>
+            <a:prstDash val="sysDash"/>
+          </a:ln>
+        </p:spPr>
+        <p:style>
+          <a:lnRef idx="2">
+            <a:schemeClr val="accent1">
+              <a:shade val="15000"/>
+            </a:schemeClr>
+          </a:lnRef>
+          <a:fillRef idx="1">
+            <a:schemeClr val="accent1"/>
+          </a:fillRef>
+          <a:effectRef idx="0">
+            <a:schemeClr val="accent1"/>
+          </a:effectRef>
+          <a:fontRef idx="minor">
+            <a:schemeClr val="lt1"/>
+          </a:fontRef>
+        </p:style>
+        <p:txBody>
+          <a:bodyPr rtlCol="0" anchor="ctr"/>
+          <a:lstStyle/>
+          <a:p>
+            <a:r>
+              <a:rPr lang="en-US" sz="1200" b="1" dirty="0">
+                <a:solidFill>
+                  <a:schemeClr val="tx1"/>
+                </a:solidFill>
+              </a:rPr>
+              <a:t>Position: 1016</a:t>
+            </a:r>
+            <a:endParaRPr lang="en-US" sz="1200" dirty="0">
+              <a:solidFill>
+                <a:schemeClr val="tx1"/>
+              </a:solidFill>
+            </a:endParaRPr>
+          </a:p>
+        </p:txBody>
+      </p:sp>
       <p:graphicFrame>
         <p:nvGraphicFramePr>
           <p:cNvPr id="4" name="Table 3">
@@ -7044,8 +7119,8 @@
         </p:nvSpPr>
         <p:spPr>
           <a:xfrm>
-            <a:off x="374596" y="5877978"/>
-            <a:ext cx="5239909" cy="923330"/>
+            <a:off x="5633745" y="4889909"/>
+            <a:ext cx="5930862" cy="1200329"/>
           </a:xfrm>
           <a:prstGeom prst="rect">
             <a:avLst/>
@@ -7076,67 +7151,15 @@
               <a:t> Context State “A” and Allele State “G” at Position 1016</a:t>
             </a:r>
           </a:p>
-        </p:txBody>
-      </p:sp>
-      <p:sp>
-        <p:nvSpPr>
-          <p:cNvPr id="6" name="Arrow: Right 5">
-            <a:extLst>
-              <a:ext uri="{FF2B5EF4-FFF2-40B4-BE49-F238E27FC236}">
-                <a16:creationId xmlns:a16="http://schemas.microsoft.com/office/drawing/2014/main" id="{AB807D34-F1F7-2D83-1837-18FA7BE2E5FD}"/>
-              </a:ext>
-            </a:extLst>
-          </p:cNvPr>
-          <p:cNvSpPr/>
-          <p:nvPr/>
-        </p:nvSpPr>
-        <p:spPr>
-          <a:xfrm>
-            <a:off x="299022" y="2756333"/>
-            <a:ext cx="905732" cy="537372"/>
-          </a:xfrm>
-          <a:prstGeom prst="rightArrow">
-            <a:avLst/>
-          </a:prstGeom>
-          <a:solidFill>
-            <a:schemeClr val="bg1">
-              <a:lumMod val="85000"/>
-            </a:schemeClr>
-          </a:solidFill>
-          <a:ln>
-            <a:solidFill>
-              <a:schemeClr val="tx1"/>
-            </a:solidFill>
-          </a:ln>
-        </p:spPr>
-        <p:style>
-          <a:lnRef idx="2">
-            <a:schemeClr val="accent1">
-              <a:shade val="15000"/>
-            </a:schemeClr>
-          </a:lnRef>
-          <a:fillRef idx="1">
-            <a:schemeClr val="accent1"/>
-          </a:fillRef>
-          <a:effectRef idx="0">
-            <a:schemeClr val="accent1"/>
-          </a:effectRef>
-          <a:fontRef idx="minor">
-            <a:schemeClr val="lt1"/>
-          </a:fontRef>
-        </p:style>
-        <p:txBody>
-          <a:bodyPr rtlCol="0" anchor="ctr"/>
-          <a:lstStyle/>
           <a:p>
             <a:pPr algn="ctr"/>
-            <a:r>
-              <a:rPr lang="en-US" b="1" dirty="0">
-                <a:solidFill>
-                  <a:schemeClr val="tx1"/>
-                </a:solidFill>
-              </a:rPr>
-              <a:t>1016</a:t>
+            <a:endParaRPr lang="en-US" b="1" dirty="0"/>
+          </a:p>
+          <a:p>
+            <a:pPr algn="ctr"/>
+            <a:r>
+              <a:rPr lang="en-US" b="1" dirty="0"/>
+              <a:t>Example Name: example-allelesliced-cyp2c19-1016g</a:t>
             </a:r>
           </a:p>
         </p:txBody>
@@ -7234,15 +7257,15 @@
         </p:nvSpPr>
         <p:spPr>
           <a:xfrm>
-            <a:off x="1265426" y="2335837"/>
+            <a:off x="1209088" y="2019480"/>
             <a:ext cx="749722" cy="632713"/>
           </a:xfrm>
           <a:prstGeom prst="borderCallout1">
             <a:avLst>
               <a:gd name="adj1" fmla="val 48886"/>
               <a:gd name="adj2" fmla="val 99759"/>
-              <a:gd name="adj3" fmla="val 105651"/>
-              <a:gd name="adj4" fmla="val 190569"/>
+              <a:gd name="adj3" fmla="val 120720"/>
+              <a:gd name="adj4" fmla="val 198084"/>
             </a:avLst>
           </a:prstGeom>
           <a:solidFill>
@@ -7297,7 +7320,7 @@
         </p:nvSpPr>
         <p:spPr>
           <a:xfrm>
-            <a:off x="4416710" y="2335837"/>
+            <a:off x="4421043" y="2080350"/>
             <a:ext cx="749722" cy="632713"/>
           </a:xfrm>
           <a:prstGeom prst="borderCallout1">
@@ -8128,8 +8151,8 @@
         </p:nvSpPr>
         <p:spPr>
           <a:xfrm>
-            <a:off x="6355032" y="5401277"/>
-            <a:ext cx="5239909" cy="923330"/>
+            <a:off x="6028107" y="4746896"/>
+            <a:ext cx="6043536" cy="1477328"/>
           </a:xfrm>
           <a:prstGeom prst="rect">
             <a:avLst/>
@@ -8158,6 +8181,17 @@
             <a:r>
               <a:rPr lang="en-US" b="1" dirty="0"/>
               <a:t> Context State “T”, Alternative State “C”, and Reference State “A” at Position 87531302</a:t>
+            </a:r>
+          </a:p>
+          <a:p>
+            <a:pPr algn="ctr"/>
+            <a:endParaRPr lang="en-US" b="1" dirty="0"/>
+          </a:p>
+          <a:p>
+            <a:pPr algn="ctr"/>
+            <a:r>
+              <a:rPr lang="en-US" b="1" dirty="0"/>
+              <a:t>Example Name: example-variation-tri-allelic-ABCB1</a:t>
             </a:r>
           </a:p>
         </p:txBody>

--- a/input/pagecontent/MolDef-IG-Figures-Source.pptx
+++ b/input/pagecontent/MolDef-IG-Figures-Source.pptx
@@ -128,7 +128,7 @@
   <pc:docChgLst>
     <pc:chgData name="Khalifa, Aly M., Ph.D." userId="634bbc94-9ae6-464c-b016-6dfea7a3309a" providerId="ADAL" clId="{3C7F73AE-7988-468F-A40C-F52509D850D3}"/>
     <pc:docChg chg="undo custSel addSld delSld modSld">
-      <pc:chgData name="Khalifa, Aly M., Ph.D." userId="634bbc94-9ae6-464c-b016-6dfea7a3309a" providerId="ADAL" clId="{3C7F73AE-7988-468F-A40C-F52509D850D3}" dt="2025-10-01T21:10:02.659" v="727" actId="1076"/>
+      <pc:chgData name="Khalifa, Aly M., Ph.D." userId="634bbc94-9ae6-464c-b016-6dfea7a3309a" providerId="ADAL" clId="{3C7F73AE-7988-468F-A40C-F52509D850D3}" dt="2025-10-03T21:23:58.732" v="730" actId="1076"/>
       <pc:docMkLst>
         <pc:docMk/>
       </pc:docMkLst>
@@ -147,7 +147,7 @@
         </pc:sldMkLst>
       </pc:sldChg>
       <pc:sldChg chg="addSp delSp modSp new mod">
-        <pc:chgData name="Khalifa, Aly M., Ph.D." userId="634bbc94-9ae6-464c-b016-6dfea7a3309a" providerId="ADAL" clId="{3C7F73AE-7988-468F-A40C-F52509D850D3}" dt="2025-10-01T21:10:02.659" v="727" actId="1076"/>
+        <pc:chgData name="Khalifa, Aly M., Ph.D." userId="634bbc94-9ae6-464c-b016-6dfea7a3309a" providerId="ADAL" clId="{3C7F73AE-7988-468F-A40C-F52509D850D3}" dt="2025-10-03T21:22:38.312" v="728" actId="1076"/>
         <pc:sldMkLst>
           <pc:docMk/>
           <pc:sldMk cId="3265066682" sldId="260"/>
@@ -160,36 +160,12 @@
             <ac:spMk id="2" creationId="{1142C344-FCE8-B3AB-29B8-2DE9BCBFFF3A}"/>
           </ac:spMkLst>
         </pc:spChg>
-        <pc:spChg chg="del">
-          <ac:chgData name="Khalifa, Aly M., Ph.D." userId="634bbc94-9ae6-464c-b016-6dfea7a3309a" providerId="ADAL" clId="{3C7F73AE-7988-468F-A40C-F52509D850D3}" dt="2025-10-01T19:56:10.197" v="3" actId="478"/>
-          <ac:spMkLst>
-            <pc:docMk/>
-            <pc:sldMk cId="3265066682" sldId="260"/>
-            <ac:spMk id="2" creationId="{60CD998E-2A75-A1B7-D3AC-8261D29F8C7A}"/>
-          </ac:spMkLst>
-        </pc:spChg>
-        <pc:spChg chg="del">
-          <ac:chgData name="Khalifa, Aly M., Ph.D." userId="634bbc94-9ae6-464c-b016-6dfea7a3309a" providerId="ADAL" clId="{3C7F73AE-7988-468F-A40C-F52509D850D3}" dt="2025-10-01T19:56:12.798" v="4" actId="478"/>
-          <ac:spMkLst>
-            <pc:docMk/>
-            <pc:sldMk cId="3265066682" sldId="260"/>
-            <ac:spMk id="3" creationId="{F05EC1FC-723D-67AC-ED76-CA33DA9D2C53}"/>
-          </ac:spMkLst>
-        </pc:spChg>
         <pc:spChg chg="add mod">
-          <ac:chgData name="Khalifa, Aly M., Ph.D." userId="634bbc94-9ae6-464c-b016-6dfea7a3309a" providerId="ADAL" clId="{3C7F73AE-7988-468F-A40C-F52509D850D3}" dt="2025-10-01T21:08:40.162" v="710" actId="20577"/>
+          <ac:chgData name="Khalifa, Aly M., Ph.D." userId="634bbc94-9ae6-464c-b016-6dfea7a3309a" providerId="ADAL" clId="{3C7F73AE-7988-468F-A40C-F52509D850D3}" dt="2025-10-03T21:22:38.312" v="728" actId="1076"/>
           <ac:spMkLst>
             <pc:docMk/>
             <pc:sldMk cId="3265066682" sldId="260"/>
             <ac:spMk id="5" creationId="{5463C91D-E3AF-AAB2-61D2-D61112DD757E}"/>
-          </ac:spMkLst>
-        </pc:spChg>
-        <pc:spChg chg="add del mod">
-          <ac:chgData name="Khalifa, Aly M., Ph.D." userId="634bbc94-9ae6-464c-b016-6dfea7a3309a" providerId="ADAL" clId="{3C7F73AE-7988-468F-A40C-F52509D850D3}" dt="2025-10-01T21:09:34.517" v="721" actId="478"/>
-          <ac:spMkLst>
-            <pc:docMk/>
-            <pc:sldMk cId="3265066682" sldId="260"/>
-            <ac:spMk id="6" creationId="{AB807D34-F1F7-2D83-1837-18FA7BE2E5FD}"/>
           </ac:spMkLst>
         </pc:spChg>
         <pc:spChg chg="add mod">
@@ -224,17 +200,9 @@
             <ac:graphicFrameMk id="4" creationId="{FDC671FC-A05E-5601-4AD5-0F286CB21D63}"/>
           </ac:graphicFrameMkLst>
         </pc:graphicFrameChg>
-        <pc:graphicFrameChg chg="add del">
-          <ac:chgData name="Khalifa, Aly M., Ph.D." userId="634bbc94-9ae6-464c-b016-6dfea7a3309a" providerId="ADAL" clId="{3C7F73AE-7988-468F-A40C-F52509D850D3}" dt="2025-10-01T20:35:20.102" v="176" actId="478"/>
-          <ac:graphicFrameMkLst>
-            <pc:docMk/>
-            <pc:sldMk cId="3265066682" sldId="260"/>
-            <ac:graphicFrameMk id="7" creationId="{8476E982-D329-793F-CA87-528313931E2D}"/>
-          </ac:graphicFrameMkLst>
-        </pc:graphicFrameChg>
       </pc:sldChg>
       <pc:sldChg chg="addSp delSp modSp add mod">
-        <pc:chgData name="Khalifa, Aly M., Ph.D." userId="634bbc94-9ae6-464c-b016-6dfea7a3309a" providerId="ADAL" clId="{3C7F73AE-7988-468F-A40C-F52509D850D3}" dt="2025-10-01T21:09:11.600" v="718" actId="20577"/>
+        <pc:chgData name="Khalifa, Aly M., Ph.D." userId="634bbc94-9ae6-464c-b016-6dfea7a3309a" providerId="ADAL" clId="{3C7F73AE-7988-468F-A40C-F52509D850D3}" dt="2025-10-03T21:23:58.732" v="730" actId="1076"/>
         <pc:sldMkLst>
           <pc:docMk/>
           <pc:sldMk cId="877581998" sldId="261"/>
@@ -248,19 +216,11 @@
           </ac:spMkLst>
         </pc:spChg>
         <pc:spChg chg="mod">
-          <ac:chgData name="Khalifa, Aly M., Ph.D." userId="634bbc94-9ae6-464c-b016-6dfea7a3309a" providerId="ADAL" clId="{3C7F73AE-7988-468F-A40C-F52509D850D3}" dt="2025-10-01T21:09:11.600" v="718" actId="20577"/>
+          <ac:chgData name="Khalifa, Aly M., Ph.D." userId="634bbc94-9ae6-464c-b016-6dfea7a3309a" providerId="ADAL" clId="{3C7F73AE-7988-468F-A40C-F52509D850D3}" dt="2025-10-03T21:23:58.732" v="730" actId="1076"/>
           <ac:spMkLst>
             <pc:docMk/>
             <pc:sldMk cId="877581998" sldId="261"/>
             <ac:spMk id="5" creationId="{C42D56F2-4618-D2D2-D8E7-16D9F66EE7D8}"/>
-          </ac:spMkLst>
-        </pc:spChg>
-        <pc:spChg chg="del mod">
-          <ac:chgData name="Khalifa, Aly M., Ph.D." userId="634bbc94-9ae6-464c-b016-6dfea7a3309a" providerId="ADAL" clId="{3C7F73AE-7988-468F-A40C-F52509D850D3}" dt="2025-10-01T21:03:23.789" v="626" actId="478"/>
-          <ac:spMkLst>
-            <pc:docMk/>
-            <pc:sldMk cId="877581998" sldId="261"/>
-            <ac:spMk id="6" creationId="{842E21FE-976F-7F76-4D1F-9BE5D57447EF}"/>
           </ac:spMkLst>
         </pc:spChg>
         <pc:spChg chg="add mod ord">
@@ -293,14 +253,6 @@
             <pc:docMk/>
             <pc:sldMk cId="877581998" sldId="261"/>
             <ac:spMk id="10" creationId="{E04F21E0-0E71-2799-F81C-18E0E8CEFA8A}"/>
-          </ac:spMkLst>
-        </pc:spChg>
-        <pc:spChg chg="add mod">
-          <ac:chgData name="Khalifa, Aly M., Ph.D." userId="634bbc94-9ae6-464c-b016-6dfea7a3309a" providerId="ADAL" clId="{3C7F73AE-7988-468F-A40C-F52509D850D3}" dt="2025-10-01T21:01:59.105" v="577"/>
-          <ac:spMkLst>
-            <pc:docMk/>
-            <pc:sldMk cId="877581998" sldId="261"/>
-            <ac:spMk id="11" creationId="{4201CAA8-1CD0-940A-8AA2-5EEDBFF26919}"/>
           </ac:spMkLst>
         </pc:spChg>
         <pc:spChg chg="add mod">
@@ -511,7 +463,7 @@
           <a:p>
             <a:fld id="{4C5BA447-C523-4466-858C-DFB480D33D92}" type="datetimeFigureOut">
               <a:rPr lang="en-US" smtClean="0"/>
-              <a:t>10/1/2025</a:t>
+              <a:t>10/3/2025</a:t>
             </a:fld>
             <a:endParaRPr lang="en-US"/>
           </a:p>
@@ -709,7 +661,7 @@
           <a:p>
             <a:fld id="{4C5BA447-C523-4466-858C-DFB480D33D92}" type="datetimeFigureOut">
               <a:rPr lang="en-US" smtClean="0"/>
-              <a:t>10/1/2025</a:t>
+              <a:t>10/3/2025</a:t>
             </a:fld>
             <a:endParaRPr lang="en-US"/>
           </a:p>
@@ -917,7 +869,7 @@
           <a:p>
             <a:fld id="{4C5BA447-C523-4466-858C-DFB480D33D92}" type="datetimeFigureOut">
               <a:rPr lang="en-US" smtClean="0"/>
-              <a:t>10/1/2025</a:t>
+              <a:t>10/3/2025</a:t>
             </a:fld>
             <a:endParaRPr lang="en-US"/>
           </a:p>
@@ -1115,7 +1067,7 @@
           <a:p>
             <a:fld id="{4C5BA447-C523-4466-858C-DFB480D33D92}" type="datetimeFigureOut">
               <a:rPr lang="en-US" smtClean="0"/>
-              <a:t>10/1/2025</a:t>
+              <a:t>10/3/2025</a:t>
             </a:fld>
             <a:endParaRPr lang="en-US"/>
           </a:p>
@@ -1390,7 +1342,7 @@
           <a:p>
             <a:fld id="{4C5BA447-C523-4466-858C-DFB480D33D92}" type="datetimeFigureOut">
               <a:rPr lang="en-US" smtClean="0"/>
-              <a:t>10/1/2025</a:t>
+              <a:t>10/3/2025</a:t>
             </a:fld>
             <a:endParaRPr lang="en-US"/>
           </a:p>
@@ -1655,7 +1607,7 @@
           <a:p>
             <a:fld id="{4C5BA447-C523-4466-858C-DFB480D33D92}" type="datetimeFigureOut">
               <a:rPr lang="en-US" smtClean="0"/>
-              <a:t>10/1/2025</a:t>
+              <a:t>10/3/2025</a:t>
             </a:fld>
             <a:endParaRPr lang="en-US"/>
           </a:p>
@@ -2067,7 +2019,7 @@
           <a:p>
             <a:fld id="{4C5BA447-C523-4466-858C-DFB480D33D92}" type="datetimeFigureOut">
               <a:rPr lang="en-US" smtClean="0"/>
-              <a:t>10/1/2025</a:t>
+              <a:t>10/3/2025</a:t>
             </a:fld>
             <a:endParaRPr lang="en-US"/>
           </a:p>
@@ -2208,7 +2160,7 @@
           <a:p>
             <a:fld id="{4C5BA447-C523-4466-858C-DFB480D33D92}" type="datetimeFigureOut">
               <a:rPr lang="en-US" smtClean="0"/>
-              <a:t>10/1/2025</a:t>
+              <a:t>10/3/2025</a:t>
             </a:fld>
             <a:endParaRPr lang="en-US"/>
           </a:p>
@@ -2321,7 +2273,7 @@
           <a:p>
             <a:fld id="{4C5BA447-C523-4466-858C-DFB480D33D92}" type="datetimeFigureOut">
               <a:rPr lang="en-US" smtClean="0"/>
-              <a:t>10/1/2025</a:t>
+              <a:t>10/3/2025</a:t>
             </a:fld>
             <a:endParaRPr lang="en-US"/>
           </a:p>
@@ -2632,7 +2584,7 @@
           <a:p>
             <a:fld id="{4C5BA447-C523-4466-858C-DFB480D33D92}" type="datetimeFigureOut">
               <a:rPr lang="en-US" smtClean="0"/>
-              <a:t>10/1/2025</a:t>
+              <a:t>10/3/2025</a:t>
             </a:fld>
             <a:endParaRPr lang="en-US"/>
           </a:p>
@@ -2920,7 +2872,7 @@
           <a:p>
             <a:fld id="{4C5BA447-C523-4466-858C-DFB480D33D92}" type="datetimeFigureOut">
               <a:rPr lang="en-US" smtClean="0"/>
-              <a:t>10/1/2025</a:t>
+              <a:t>10/3/2025</a:t>
             </a:fld>
             <a:endParaRPr lang="en-US"/>
           </a:p>
@@ -3161,7 +3113,7 @@
           <a:p>
             <a:fld id="{4C5BA447-C523-4466-858C-DFB480D33D92}" type="datetimeFigureOut">
               <a:rPr lang="en-US" smtClean="0"/>
-              <a:t>10/1/2025</a:t>
+              <a:t>10/3/2025</a:t>
             </a:fld>
             <a:endParaRPr lang="en-US"/>
           </a:p>
@@ -7119,7 +7071,7 @@
         </p:nvSpPr>
         <p:spPr>
           <a:xfrm>
-            <a:off x="5633745" y="4889909"/>
+            <a:off x="6223122" y="4460878"/>
             <a:ext cx="5930862" cy="1200329"/>
           </a:xfrm>
           <a:prstGeom prst="rect">
@@ -8151,8 +8103,8 @@
         </p:nvSpPr>
         <p:spPr>
           <a:xfrm>
-            <a:off x="6028107" y="4746896"/>
-            <a:ext cx="6043536" cy="1477328"/>
+            <a:off x="9157000" y="2947087"/>
+            <a:ext cx="2767298" cy="2862322"/>
           </a:xfrm>
           <a:prstGeom prst="rect">
             <a:avLst/>

--- a/input/pagecontent/MolDef-IG-Figures-Source.pptx
+++ b/input/pagecontent/MolDef-IG-Figures-Source.pptx
@@ -128,7 +128,7 @@
   <pc:docChgLst>
     <pc:chgData name="Khalifa, Aly M., Ph.D." userId="634bbc94-9ae6-464c-b016-6dfea7a3309a" providerId="ADAL" clId="{3C7F73AE-7988-468F-A40C-F52509D850D3}"/>
     <pc:docChg chg="undo custSel addSld delSld modSld">
-      <pc:chgData name="Khalifa, Aly M., Ph.D." userId="634bbc94-9ae6-464c-b016-6dfea7a3309a" providerId="ADAL" clId="{3C7F73AE-7988-468F-A40C-F52509D850D3}" dt="2025-10-03T21:23:58.732" v="730" actId="1076"/>
+      <pc:chgData name="Khalifa, Aly M., Ph.D." userId="634bbc94-9ae6-464c-b016-6dfea7a3309a" providerId="ADAL" clId="{3C7F73AE-7988-468F-A40C-F52509D850D3}" dt="2025-10-06T14:57:20.295" v="731" actId="20577"/>
       <pc:docMkLst>
         <pc:docMk/>
       </pc:docMkLst>
@@ -202,7 +202,7 @@
         </pc:graphicFrameChg>
       </pc:sldChg>
       <pc:sldChg chg="addSp delSp modSp add mod">
-        <pc:chgData name="Khalifa, Aly M., Ph.D." userId="634bbc94-9ae6-464c-b016-6dfea7a3309a" providerId="ADAL" clId="{3C7F73AE-7988-468F-A40C-F52509D850D3}" dt="2025-10-03T21:23:58.732" v="730" actId="1076"/>
+        <pc:chgData name="Khalifa, Aly M., Ph.D." userId="634bbc94-9ae6-464c-b016-6dfea7a3309a" providerId="ADAL" clId="{3C7F73AE-7988-468F-A40C-F52509D850D3}" dt="2025-10-06T14:57:20.295" v="731" actId="20577"/>
         <pc:sldMkLst>
           <pc:docMk/>
           <pc:sldMk cId="877581998" sldId="261"/>
@@ -232,7 +232,7 @@
           </ac:spMkLst>
         </pc:spChg>
         <pc:spChg chg="mod">
-          <ac:chgData name="Khalifa, Aly M., Ph.D." userId="634bbc94-9ae6-464c-b016-6dfea7a3309a" providerId="ADAL" clId="{3C7F73AE-7988-468F-A40C-F52509D850D3}" dt="2025-10-01T21:04:17.943" v="672" actId="1036"/>
+          <ac:chgData name="Khalifa, Aly M., Ph.D." userId="634bbc94-9ae6-464c-b016-6dfea7a3309a" providerId="ADAL" clId="{3C7F73AE-7988-468F-A40C-F52509D850D3}" dt="2025-10-06T14:57:20.295" v="731" actId="20577"/>
           <ac:spMkLst>
             <pc:docMk/>
             <pc:sldMk cId="877581998" sldId="261"/>
@@ -463,7 +463,7 @@
           <a:p>
             <a:fld id="{4C5BA447-C523-4466-858C-DFB480D33D92}" type="datetimeFigureOut">
               <a:rPr lang="en-US" smtClean="0"/>
-              <a:t>10/3/2025</a:t>
+              <a:t>10/6/2025</a:t>
             </a:fld>
             <a:endParaRPr lang="en-US"/>
           </a:p>
@@ -661,7 +661,7 @@
           <a:p>
             <a:fld id="{4C5BA447-C523-4466-858C-DFB480D33D92}" type="datetimeFigureOut">
               <a:rPr lang="en-US" smtClean="0"/>
-              <a:t>10/3/2025</a:t>
+              <a:t>10/6/2025</a:t>
             </a:fld>
             <a:endParaRPr lang="en-US"/>
           </a:p>
@@ -869,7 +869,7 @@
           <a:p>
             <a:fld id="{4C5BA447-C523-4466-858C-DFB480D33D92}" type="datetimeFigureOut">
               <a:rPr lang="en-US" smtClean="0"/>
-              <a:t>10/3/2025</a:t>
+              <a:t>10/6/2025</a:t>
             </a:fld>
             <a:endParaRPr lang="en-US"/>
           </a:p>
@@ -1067,7 +1067,7 @@
           <a:p>
             <a:fld id="{4C5BA447-C523-4466-858C-DFB480D33D92}" type="datetimeFigureOut">
               <a:rPr lang="en-US" smtClean="0"/>
-              <a:t>10/3/2025</a:t>
+              <a:t>10/6/2025</a:t>
             </a:fld>
             <a:endParaRPr lang="en-US"/>
           </a:p>
@@ -1342,7 +1342,7 @@
           <a:p>
             <a:fld id="{4C5BA447-C523-4466-858C-DFB480D33D92}" type="datetimeFigureOut">
               <a:rPr lang="en-US" smtClean="0"/>
-              <a:t>10/3/2025</a:t>
+              <a:t>10/6/2025</a:t>
             </a:fld>
             <a:endParaRPr lang="en-US"/>
           </a:p>
@@ -1607,7 +1607,7 @@
           <a:p>
             <a:fld id="{4C5BA447-C523-4466-858C-DFB480D33D92}" type="datetimeFigureOut">
               <a:rPr lang="en-US" smtClean="0"/>
-              <a:t>10/3/2025</a:t>
+              <a:t>10/6/2025</a:t>
             </a:fld>
             <a:endParaRPr lang="en-US"/>
           </a:p>
@@ -2019,7 +2019,7 @@
           <a:p>
             <a:fld id="{4C5BA447-C523-4466-858C-DFB480D33D92}" type="datetimeFigureOut">
               <a:rPr lang="en-US" smtClean="0"/>
-              <a:t>10/3/2025</a:t>
+              <a:t>10/6/2025</a:t>
             </a:fld>
             <a:endParaRPr lang="en-US"/>
           </a:p>
@@ -2160,7 +2160,7 @@
           <a:p>
             <a:fld id="{4C5BA447-C523-4466-858C-DFB480D33D92}" type="datetimeFigureOut">
               <a:rPr lang="en-US" smtClean="0"/>
-              <a:t>10/3/2025</a:t>
+              <a:t>10/6/2025</a:t>
             </a:fld>
             <a:endParaRPr lang="en-US"/>
           </a:p>
@@ -2273,7 +2273,7 @@
           <a:p>
             <a:fld id="{4C5BA447-C523-4466-858C-DFB480D33D92}" type="datetimeFigureOut">
               <a:rPr lang="en-US" smtClean="0"/>
-              <a:t>10/3/2025</a:t>
+              <a:t>10/6/2025</a:t>
             </a:fld>
             <a:endParaRPr lang="en-US"/>
           </a:p>
@@ -2584,7 +2584,7 @@
           <a:p>
             <a:fld id="{4C5BA447-C523-4466-858C-DFB480D33D92}" type="datetimeFigureOut">
               <a:rPr lang="en-US" smtClean="0"/>
-              <a:t>10/3/2025</a:t>
+              <a:t>10/6/2025</a:t>
             </a:fld>
             <a:endParaRPr lang="en-US"/>
           </a:p>
@@ -2872,7 +2872,7 @@
           <a:p>
             <a:fld id="{4C5BA447-C523-4466-858C-DFB480D33D92}" type="datetimeFigureOut">
               <a:rPr lang="en-US" smtClean="0"/>
-              <a:t>10/3/2025</a:t>
+              <a:t>10/6/2025</a:t>
             </a:fld>
             <a:endParaRPr lang="en-US"/>
           </a:p>
@@ -3113,7 +3113,7 @@
           <a:p>
             <a:fld id="{4C5BA447-C523-4466-858C-DFB480D33D92}" type="datetimeFigureOut">
               <a:rPr lang="en-US" smtClean="0"/>
-              <a:t>10/3/2025</a:t>
+              <a:t>10/6/2025</a:t>
             </a:fld>
             <a:endParaRPr lang="en-US"/>
           </a:p>
@@ -8202,7 +8202,7 @@
           <a:p>
             <a:pPr algn="ctr"/>
             <a:r>
-              <a:rPr lang="en-US" b="1" dirty="0">
+              <a:rPr lang="en-US" b="1">
                 <a:solidFill>
                   <a:schemeClr val="accent5">
                     <a:lumMod val="75000"/>
@@ -8211,19 +8211,13 @@
               </a:rPr>
               <a:t>C</a:t>
             </a:r>
-          </a:p>
-          <a:p>
-            <a:pPr algn="ctr"/>
-            <a:r>
-              <a:rPr lang="en-US" sz="1000" b="1" dirty="0">
-                <a:solidFill>
-                  <a:schemeClr val="accent5">
-                    <a:lumMod val="75000"/>
-                  </a:schemeClr>
-                </a:solidFill>
-              </a:rPr>
-              <a:t>1016</a:t>
-            </a:r>
+            <a:endParaRPr lang="en-US" b="1" dirty="0">
+              <a:solidFill>
+                <a:schemeClr val="accent5">
+                  <a:lumMod val="75000"/>
+                </a:schemeClr>
+              </a:solidFill>
+            </a:endParaRPr>
           </a:p>
         </p:txBody>
       </p:sp>

--- a/input/pagecontent/MolDef-IG-Figures-Source.pptx
+++ b/input/pagecontent/MolDef-IG-Figures-Source.pptx
@@ -6,9 +6,10 @@
   </p:sldMasterIdLst>
   <p:sldIdLst>
     <p:sldId id="258" r:id="rId2"/>
-    <p:sldId id="259" r:id="rId3"/>
-    <p:sldId id="260" r:id="rId4"/>
-    <p:sldId id="261" r:id="rId5"/>
+    <p:sldId id="262" r:id="rId3"/>
+    <p:sldId id="259" r:id="rId4"/>
+    <p:sldId id="260" r:id="rId5"/>
+    <p:sldId id="261" r:id="rId6"/>
   </p:sldIdLst>
   <p:sldSz cx="12192000" cy="6858000"/>
   <p:notesSz cx="6858000" cy="9144000"/>
@@ -463,7 +464,7 @@
           <a:p>
             <a:fld id="{4C5BA447-C523-4466-858C-DFB480D33D92}" type="datetimeFigureOut">
               <a:rPr lang="en-US" smtClean="0"/>
-              <a:t>10/6/2025</a:t>
+              <a:t>12/5/2025</a:t>
             </a:fld>
             <a:endParaRPr lang="en-US"/>
           </a:p>
@@ -661,7 +662,7 @@
           <a:p>
             <a:fld id="{4C5BA447-C523-4466-858C-DFB480D33D92}" type="datetimeFigureOut">
               <a:rPr lang="en-US" smtClean="0"/>
-              <a:t>10/6/2025</a:t>
+              <a:t>12/5/2025</a:t>
             </a:fld>
             <a:endParaRPr lang="en-US"/>
           </a:p>
@@ -869,7 +870,7 @@
           <a:p>
             <a:fld id="{4C5BA447-C523-4466-858C-DFB480D33D92}" type="datetimeFigureOut">
               <a:rPr lang="en-US" smtClean="0"/>
-              <a:t>10/6/2025</a:t>
+              <a:t>12/5/2025</a:t>
             </a:fld>
             <a:endParaRPr lang="en-US"/>
           </a:p>
@@ -1067,7 +1068,7 @@
           <a:p>
             <a:fld id="{4C5BA447-C523-4466-858C-DFB480D33D92}" type="datetimeFigureOut">
               <a:rPr lang="en-US" smtClean="0"/>
-              <a:t>10/6/2025</a:t>
+              <a:t>12/5/2025</a:t>
             </a:fld>
             <a:endParaRPr lang="en-US"/>
           </a:p>
@@ -1342,7 +1343,7 @@
           <a:p>
             <a:fld id="{4C5BA447-C523-4466-858C-DFB480D33D92}" type="datetimeFigureOut">
               <a:rPr lang="en-US" smtClean="0"/>
-              <a:t>10/6/2025</a:t>
+              <a:t>12/5/2025</a:t>
             </a:fld>
             <a:endParaRPr lang="en-US"/>
           </a:p>
@@ -1607,7 +1608,7 @@
           <a:p>
             <a:fld id="{4C5BA447-C523-4466-858C-DFB480D33D92}" type="datetimeFigureOut">
               <a:rPr lang="en-US" smtClean="0"/>
-              <a:t>10/6/2025</a:t>
+              <a:t>12/5/2025</a:t>
             </a:fld>
             <a:endParaRPr lang="en-US"/>
           </a:p>
@@ -2019,7 +2020,7 @@
           <a:p>
             <a:fld id="{4C5BA447-C523-4466-858C-DFB480D33D92}" type="datetimeFigureOut">
               <a:rPr lang="en-US" smtClean="0"/>
-              <a:t>10/6/2025</a:t>
+              <a:t>12/5/2025</a:t>
             </a:fld>
             <a:endParaRPr lang="en-US"/>
           </a:p>
@@ -2160,7 +2161,7 @@
           <a:p>
             <a:fld id="{4C5BA447-C523-4466-858C-DFB480D33D92}" type="datetimeFigureOut">
               <a:rPr lang="en-US" smtClean="0"/>
-              <a:t>10/6/2025</a:t>
+              <a:t>12/5/2025</a:t>
             </a:fld>
             <a:endParaRPr lang="en-US"/>
           </a:p>
@@ -2273,7 +2274,7 @@
           <a:p>
             <a:fld id="{4C5BA447-C523-4466-858C-DFB480D33D92}" type="datetimeFigureOut">
               <a:rPr lang="en-US" smtClean="0"/>
-              <a:t>10/6/2025</a:t>
+              <a:t>12/5/2025</a:t>
             </a:fld>
             <a:endParaRPr lang="en-US"/>
           </a:p>
@@ -2584,7 +2585,7 @@
           <a:p>
             <a:fld id="{4C5BA447-C523-4466-858C-DFB480D33D92}" type="datetimeFigureOut">
               <a:rPr lang="en-US" smtClean="0"/>
-              <a:t>10/6/2025</a:t>
+              <a:t>12/5/2025</a:t>
             </a:fld>
             <a:endParaRPr lang="en-US"/>
           </a:p>
@@ -2872,7 +2873,7 @@
           <a:p>
             <a:fld id="{4C5BA447-C523-4466-858C-DFB480D33D92}" type="datetimeFigureOut">
               <a:rPr lang="en-US" smtClean="0"/>
-              <a:t>10/6/2025</a:t>
+              <a:t>12/5/2025</a:t>
             </a:fld>
             <a:endParaRPr lang="en-US"/>
           </a:p>
@@ -3113,7 +3114,7 @@
           <a:p>
             <a:fld id="{4C5BA447-C523-4466-858C-DFB480D33D92}" type="datetimeFigureOut">
               <a:rPr lang="en-US" smtClean="0"/>
-              <a:t>10/6/2025</a:t>
+              <a:t>12/5/2025</a:t>
             </a:fld>
             <a:endParaRPr lang="en-US"/>
           </a:p>
@@ -4518,6 +4519,859 @@
   <p:cSld>
     <p:spTree>
       <p:nvGrpSpPr>
+        <p:cNvPr id="1" name="">
+          <a:extLst>
+            <a:ext uri="{FF2B5EF4-FFF2-40B4-BE49-F238E27FC236}">
+              <a16:creationId xmlns:a16="http://schemas.microsoft.com/office/drawing/2014/main" id="{46A301EC-1F65-630B-7F3C-52796C314B5B}"/>
+            </a:ext>
+          </a:extLst>
+        </p:cNvPr>
+        <p:cNvGrpSpPr/>
+        <p:nvPr/>
+      </p:nvGrpSpPr>
+      <p:grpSpPr>
+        <a:xfrm>
+          <a:off x="0" y="0"/>
+          <a:ext cx="0" cy="0"/>
+          <a:chOff x="0" y="0"/>
+          <a:chExt cx="0" cy="0"/>
+        </a:xfrm>
+      </p:grpSpPr>
+      <p:sp>
+        <p:nvSpPr>
+          <p:cNvPr id="4" name="Rectangle: Rounded Corners 3">
+            <a:extLst>
+              <a:ext uri="{FF2B5EF4-FFF2-40B4-BE49-F238E27FC236}">
+                <a16:creationId xmlns:a16="http://schemas.microsoft.com/office/drawing/2014/main" id="{71E4DB98-9376-12A4-7C39-277858A01DCA}"/>
+              </a:ext>
+            </a:extLst>
+          </p:cNvPr>
+          <p:cNvSpPr/>
+          <p:nvPr/>
+        </p:nvSpPr>
+        <p:spPr>
+          <a:xfrm>
+            <a:off x="1047481" y="1592687"/>
+            <a:ext cx="1755819" cy="785612"/>
+          </a:xfrm>
+          <a:prstGeom prst="roundRect">
+            <a:avLst/>
+          </a:prstGeom>
+          <a:solidFill>
+            <a:schemeClr val="accent2"/>
+          </a:solidFill>
+          <a:ln>
+            <a:solidFill>
+              <a:schemeClr val="tx1"/>
+            </a:solidFill>
+          </a:ln>
+        </p:spPr>
+        <p:style>
+          <a:lnRef idx="2">
+            <a:schemeClr val="accent1">
+              <a:shade val="15000"/>
+            </a:schemeClr>
+          </a:lnRef>
+          <a:fillRef idx="1">
+            <a:schemeClr val="accent1"/>
+          </a:fillRef>
+          <a:effectRef idx="0">
+            <a:schemeClr val="accent1"/>
+          </a:effectRef>
+          <a:fontRef idx="minor">
+            <a:schemeClr val="lt1"/>
+          </a:fontRef>
+        </p:style>
+        <p:txBody>
+          <a:bodyPr rtlCol="0" anchor="ctr"/>
+          <a:lstStyle/>
+          <a:p>
+            <a:pPr algn="ctr"/>
+            <a:r>
+              <a:rPr lang="en-US" dirty="0">
+                <a:solidFill>
+                  <a:schemeClr val="tx1"/>
+                </a:solidFill>
+              </a:rPr>
+              <a:t>Diagnostic Report</a:t>
+            </a:r>
+          </a:p>
+        </p:txBody>
+      </p:sp>
+      <p:sp>
+        <p:nvSpPr>
+          <p:cNvPr id="5" name="Rectangle: Rounded Corners 4">
+            <a:extLst>
+              <a:ext uri="{FF2B5EF4-FFF2-40B4-BE49-F238E27FC236}">
+                <a16:creationId xmlns:a16="http://schemas.microsoft.com/office/drawing/2014/main" id="{713568E1-7C17-AE9F-3F71-ADD1870EE4EE}"/>
+              </a:ext>
+            </a:extLst>
+          </p:cNvPr>
+          <p:cNvSpPr/>
+          <p:nvPr/>
+        </p:nvSpPr>
+        <p:spPr>
+          <a:xfrm>
+            <a:off x="3818585" y="1592687"/>
+            <a:ext cx="1755819" cy="785612"/>
+          </a:xfrm>
+          <a:prstGeom prst="roundRect">
+            <a:avLst/>
+          </a:prstGeom>
+          <a:solidFill>
+            <a:srgbClr val="FFC000"/>
+          </a:solidFill>
+          <a:ln>
+            <a:solidFill>
+              <a:schemeClr val="tx1"/>
+            </a:solidFill>
+          </a:ln>
+        </p:spPr>
+        <p:style>
+          <a:lnRef idx="2">
+            <a:schemeClr val="accent1">
+              <a:shade val="15000"/>
+            </a:schemeClr>
+          </a:lnRef>
+          <a:fillRef idx="1">
+            <a:schemeClr val="accent1"/>
+          </a:fillRef>
+          <a:effectRef idx="0">
+            <a:schemeClr val="accent1"/>
+          </a:effectRef>
+          <a:fontRef idx="minor">
+            <a:schemeClr val="lt1"/>
+          </a:fontRef>
+        </p:style>
+        <p:txBody>
+          <a:bodyPr rtlCol="0" anchor="ctr"/>
+          <a:lstStyle/>
+          <a:p>
+            <a:pPr algn="ctr"/>
+            <a:r>
+              <a:rPr lang="en-US" dirty="0">
+                <a:solidFill>
+                  <a:schemeClr val="tx1"/>
+                </a:solidFill>
+              </a:rPr>
+              <a:t>Observation</a:t>
+            </a:r>
+          </a:p>
+        </p:txBody>
+      </p:sp>
+      <p:sp>
+        <p:nvSpPr>
+          <p:cNvPr id="6" name="Rectangle: Rounded Corners 5">
+            <a:extLst>
+              <a:ext uri="{FF2B5EF4-FFF2-40B4-BE49-F238E27FC236}">
+                <a16:creationId xmlns:a16="http://schemas.microsoft.com/office/drawing/2014/main" id="{0C81A2C7-2F42-16AC-4FF0-469A2D2F5481}"/>
+              </a:ext>
+            </a:extLst>
+          </p:cNvPr>
+          <p:cNvSpPr/>
+          <p:nvPr/>
+        </p:nvSpPr>
+        <p:spPr>
+          <a:xfrm>
+            <a:off x="2279559" y="3861514"/>
+            <a:ext cx="2288147" cy="1272863"/>
+          </a:xfrm>
+          <a:prstGeom prst="roundRect">
+            <a:avLst/>
+          </a:prstGeom>
+          <a:solidFill>
+            <a:schemeClr val="accent1">
+              <a:lumMod val="60000"/>
+              <a:lumOff val="40000"/>
+            </a:schemeClr>
+          </a:solidFill>
+          <a:ln>
+            <a:solidFill>
+              <a:schemeClr val="tx1"/>
+            </a:solidFill>
+          </a:ln>
+        </p:spPr>
+        <p:style>
+          <a:lnRef idx="2">
+            <a:schemeClr val="accent1">
+              <a:shade val="15000"/>
+            </a:schemeClr>
+          </a:lnRef>
+          <a:fillRef idx="1">
+            <a:schemeClr val="accent1"/>
+          </a:fillRef>
+          <a:effectRef idx="0">
+            <a:schemeClr val="accent1"/>
+          </a:effectRef>
+          <a:fontRef idx="minor">
+            <a:schemeClr val="lt1"/>
+          </a:fontRef>
+        </p:style>
+        <p:txBody>
+          <a:bodyPr rtlCol="0" anchor="ctr"/>
+          <a:lstStyle/>
+          <a:p>
+            <a:pPr algn="ctr"/>
+            <a:r>
+              <a:rPr lang="en-US" dirty="0">
+                <a:solidFill>
+                  <a:schemeClr val="tx1"/>
+                </a:solidFill>
+              </a:rPr>
+              <a:t>Genomic Study</a:t>
+            </a:r>
+          </a:p>
+        </p:txBody>
+      </p:sp>
+      <p:sp>
+        <p:nvSpPr>
+          <p:cNvPr id="7" name="Rectangle: Rounded Corners 6">
+            <a:extLst>
+              <a:ext uri="{FF2B5EF4-FFF2-40B4-BE49-F238E27FC236}">
+                <a16:creationId xmlns:a16="http://schemas.microsoft.com/office/drawing/2014/main" id="{E6F5F8B9-8EFD-E5B5-89D0-381ABFD81D57}"/>
+              </a:ext>
+            </a:extLst>
+          </p:cNvPr>
+          <p:cNvSpPr/>
+          <p:nvPr/>
+        </p:nvSpPr>
+        <p:spPr>
+          <a:xfrm>
+            <a:off x="7319493" y="1592687"/>
+            <a:ext cx="2442693" cy="2470597"/>
+          </a:xfrm>
+          <a:prstGeom prst="roundRect">
+            <a:avLst/>
+          </a:prstGeom>
+          <a:solidFill>
+            <a:schemeClr val="accent3">
+              <a:lumMod val="40000"/>
+              <a:lumOff val="60000"/>
+            </a:schemeClr>
+          </a:solidFill>
+          <a:ln>
+            <a:solidFill>
+              <a:schemeClr val="tx1"/>
+            </a:solidFill>
+          </a:ln>
+        </p:spPr>
+        <p:style>
+          <a:lnRef idx="2">
+            <a:schemeClr val="accent1">
+              <a:shade val="15000"/>
+            </a:schemeClr>
+          </a:lnRef>
+          <a:fillRef idx="1">
+            <a:schemeClr val="accent1"/>
+          </a:fillRef>
+          <a:effectRef idx="0">
+            <a:schemeClr val="accent1"/>
+          </a:effectRef>
+          <a:fontRef idx="minor">
+            <a:schemeClr val="lt1"/>
+          </a:fontRef>
+        </p:style>
+        <p:txBody>
+          <a:bodyPr rtlCol="0" anchor="t"/>
+          <a:lstStyle/>
+          <a:p>
+            <a:pPr algn="ctr"/>
+            <a:r>
+              <a:rPr lang="en-US">
+                <a:solidFill>
+                  <a:schemeClr val="tx1"/>
+                </a:solidFill>
+              </a:rPr>
+              <a:t>Molecular Definition</a:t>
+            </a:r>
+          </a:p>
+        </p:txBody>
+      </p:sp>
+      <p:sp>
+        <p:nvSpPr>
+          <p:cNvPr id="8" name="Rectangle: Rounded Corners 7">
+            <a:extLst>
+              <a:ext uri="{FF2B5EF4-FFF2-40B4-BE49-F238E27FC236}">
+                <a16:creationId xmlns:a16="http://schemas.microsoft.com/office/drawing/2014/main" id="{5E6E7C7E-4DEE-5ED2-1943-D05EE67E3BBF}"/>
+              </a:ext>
+            </a:extLst>
+          </p:cNvPr>
+          <p:cNvSpPr/>
+          <p:nvPr/>
+        </p:nvSpPr>
+        <p:spPr>
+          <a:xfrm>
+            <a:off x="7635027" y="2243071"/>
+            <a:ext cx="794196" cy="482958"/>
+          </a:xfrm>
+          <a:prstGeom prst="roundRect">
+            <a:avLst/>
+          </a:prstGeom>
+          <a:solidFill>
+            <a:schemeClr val="accent3">
+              <a:lumMod val="40000"/>
+              <a:lumOff val="60000"/>
+            </a:schemeClr>
+          </a:solidFill>
+          <a:ln>
+            <a:solidFill>
+              <a:schemeClr val="tx1"/>
+            </a:solidFill>
+          </a:ln>
+        </p:spPr>
+        <p:style>
+          <a:lnRef idx="2">
+            <a:schemeClr val="accent1">
+              <a:shade val="15000"/>
+            </a:schemeClr>
+          </a:lnRef>
+          <a:fillRef idx="1">
+            <a:schemeClr val="accent1"/>
+          </a:fillRef>
+          <a:effectRef idx="0">
+            <a:schemeClr val="accent1"/>
+          </a:effectRef>
+          <a:fontRef idx="minor">
+            <a:schemeClr val="lt1"/>
+          </a:fontRef>
+        </p:style>
+        <p:txBody>
+          <a:bodyPr rtlCol="0" anchor="ctr"/>
+          <a:lstStyle/>
+          <a:p>
+            <a:pPr algn="ctr"/>
+            <a:r>
+              <a:rPr lang="en-US" sz="900" dirty="0">
+                <a:solidFill>
+                  <a:schemeClr val="tx1"/>
+                </a:solidFill>
+              </a:rPr>
+              <a:t>Sequence Profile</a:t>
+            </a:r>
+          </a:p>
+        </p:txBody>
+      </p:sp>
+      <p:sp>
+        <p:nvSpPr>
+          <p:cNvPr id="9" name="Rectangle: Rounded Corners 8">
+            <a:extLst>
+              <a:ext uri="{FF2B5EF4-FFF2-40B4-BE49-F238E27FC236}">
+                <a16:creationId xmlns:a16="http://schemas.microsoft.com/office/drawing/2014/main" id="{61EC7140-D046-99EA-0389-261241C1494F}"/>
+              </a:ext>
+            </a:extLst>
+          </p:cNvPr>
+          <p:cNvSpPr/>
+          <p:nvPr/>
+        </p:nvSpPr>
+        <p:spPr>
+          <a:xfrm>
+            <a:off x="7635027" y="2774324"/>
+            <a:ext cx="794196" cy="482958"/>
+          </a:xfrm>
+          <a:prstGeom prst="roundRect">
+            <a:avLst/>
+          </a:prstGeom>
+          <a:solidFill>
+            <a:schemeClr val="accent3">
+              <a:lumMod val="40000"/>
+              <a:lumOff val="60000"/>
+            </a:schemeClr>
+          </a:solidFill>
+          <a:ln>
+            <a:solidFill>
+              <a:schemeClr val="tx1"/>
+            </a:solidFill>
+          </a:ln>
+        </p:spPr>
+        <p:style>
+          <a:lnRef idx="2">
+            <a:schemeClr val="accent1">
+              <a:shade val="15000"/>
+            </a:schemeClr>
+          </a:lnRef>
+          <a:fillRef idx="1">
+            <a:schemeClr val="accent1"/>
+          </a:fillRef>
+          <a:effectRef idx="0">
+            <a:schemeClr val="accent1"/>
+          </a:effectRef>
+          <a:fontRef idx="minor">
+            <a:schemeClr val="lt1"/>
+          </a:fontRef>
+        </p:style>
+        <p:txBody>
+          <a:bodyPr rtlCol="0" anchor="ctr"/>
+          <a:lstStyle/>
+          <a:p>
+            <a:pPr algn="ctr"/>
+            <a:r>
+              <a:rPr lang="en-US" sz="900" dirty="0">
+                <a:solidFill>
+                  <a:schemeClr val="tx1"/>
+                </a:solidFill>
+              </a:rPr>
+              <a:t>Allele Profile</a:t>
+            </a:r>
+          </a:p>
+        </p:txBody>
+      </p:sp>
+      <p:sp>
+        <p:nvSpPr>
+          <p:cNvPr id="10" name="Rectangle: Rounded Corners 9">
+            <a:extLst>
+              <a:ext uri="{FF2B5EF4-FFF2-40B4-BE49-F238E27FC236}">
+                <a16:creationId xmlns:a16="http://schemas.microsoft.com/office/drawing/2014/main" id="{CF625F01-7AF4-248C-0A4A-C4C7A2664C31}"/>
+              </a:ext>
+            </a:extLst>
+          </p:cNvPr>
+          <p:cNvSpPr/>
+          <p:nvPr/>
+        </p:nvSpPr>
+        <p:spPr>
+          <a:xfrm>
+            <a:off x="7635027" y="3305577"/>
+            <a:ext cx="794196" cy="482958"/>
+          </a:xfrm>
+          <a:prstGeom prst="roundRect">
+            <a:avLst/>
+          </a:prstGeom>
+          <a:solidFill>
+            <a:schemeClr val="accent3">
+              <a:lumMod val="40000"/>
+              <a:lumOff val="60000"/>
+            </a:schemeClr>
+          </a:solidFill>
+          <a:ln>
+            <a:solidFill>
+              <a:schemeClr val="tx1"/>
+            </a:solidFill>
+          </a:ln>
+        </p:spPr>
+        <p:style>
+          <a:lnRef idx="2">
+            <a:schemeClr val="accent1">
+              <a:shade val="15000"/>
+            </a:schemeClr>
+          </a:lnRef>
+          <a:fillRef idx="1">
+            <a:schemeClr val="accent1"/>
+          </a:fillRef>
+          <a:effectRef idx="0">
+            <a:schemeClr val="accent1"/>
+          </a:effectRef>
+          <a:fontRef idx="minor">
+            <a:schemeClr val="lt1"/>
+          </a:fontRef>
+        </p:style>
+        <p:txBody>
+          <a:bodyPr rtlCol="0" anchor="ctr"/>
+          <a:lstStyle/>
+          <a:p>
+            <a:pPr algn="ctr"/>
+            <a:r>
+              <a:rPr lang="en-US" sz="900" dirty="0">
+                <a:solidFill>
+                  <a:schemeClr val="tx1"/>
+                </a:solidFill>
+              </a:rPr>
+              <a:t>Variation Profile</a:t>
+            </a:r>
+          </a:p>
+        </p:txBody>
+      </p:sp>
+      <p:sp>
+        <p:nvSpPr>
+          <p:cNvPr id="11" name="Rectangle: Rounded Corners 10">
+            <a:extLst>
+              <a:ext uri="{FF2B5EF4-FFF2-40B4-BE49-F238E27FC236}">
+                <a16:creationId xmlns:a16="http://schemas.microsoft.com/office/drawing/2014/main" id="{D262147C-2A32-D780-33A2-7AD56DE545C5}"/>
+              </a:ext>
+            </a:extLst>
+          </p:cNvPr>
+          <p:cNvSpPr/>
+          <p:nvPr/>
+        </p:nvSpPr>
+        <p:spPr>
+          <a:xfrm>
+            <a:off x="8547281" y="2243071"/>
+            <a:ext cx="794196" cy="482958"/>
+          </a:xfrm>
+          <a:prstGeom prst="roundRect">
+            <a:avLst/>
+          </a:prstGeom>
+          <a:solidFill>
+            <a:schemeClr val="accent3">
+              <a:lumMod val="40000"/>
+              <a:lumOff val="60000"/>
+            </a:schemeClr>
+          </a:solidFill>
+          <a:ln>
+            <a:solidFill>
+              <a:schemeClr val="tx1"/>
+            </a:solidFill>
+          </a:ln>
+        </p:spPr>
+        <p:style>
+          <a:lnRef idx="2">
+            <a:schemeClr val="accent1">
+              <a:shade val="15000"/>
+            </a:schemeClr>
+          </a:lnRef>
+          <a:fillRef idx="1">
+            <a:schemeClr val="accent1"/>
+          </a:fillRef>
+          <a:effectRef idx="0">
+            <a:schemeClr val="accent1"/>
+          </a:effectRef>
+          <a:fontRef idx="minor">
+            <a:schemeClr val="lt1"/>
+          </a:fontRef>
+        </p:style>
+        <p:txBody>
+          <a:bodyPr rtlCol="0" anchor="ctr"/>
+          <a:lstStyle/>
+          <a:p>
+            <a:pPr algn="ctr"/>
+            <a:r>
+              <a:rPr lang="en-US" sz="900" dirty="0">
+                <a:solidFill>
+                  <a:schemeClr val="tx1"/>
+                </a:solidFill>
+              </a:rPr>
+              <a:t>Haplotype Profile</a:t>
+            </a:r>
+          </a:p>
+        </p:txBody>
+      </p:sp>
+      <p:sp>
+        <p:nvSpPr>
+          <p:cNvPr id="12" name="Rectangle: Rounded Corners 11">
+            <a:extLst>
+              <a:ext uri="{FF2B5EF4-FFF2-40B4-BE49-F238E27FC236}">
+                <a16:creationId xmlns:a16="http://schemas.microsoft.com/office/drawing/2014/main" id="{7DBF1A95-C0A1-B75B-0EE9-372CCD4E2512}"/>
+              </a:ext>
+            </a:extLst>
+          </p:cNvPr>
+          <p:cNvSpPr/>
+          <p:nvPr/>
+        </p:nvSpPr>
+        <p:spPr>
+          <a:xfrm>
+            <a:off x="8547281" y="2774324"/>
+            <a:ext cx="794196" cy="482958"/>
+          </a:xfrm>
+          <a:prstGeom prst="roundRect">
+            <a:avLst/>
+          </a:prstGeom>
+          <a:solidFill>
+            <a:schemeClr val="accent3">
+              <a:lumMod val="40000"/>
+              <a:lumOff val="60000"/>
+            </a:schemeClr>
+          </a:solidFill>
+          <a:ln>
+            <a:solidFill>
+              <a:schemeClr val="tx1"/>
+            </a:solidFill>
+          </a:ln>
+        </p:spPr>
+        <p:style>
+          <a:lnRef idx="2">
+            <a:schemeClr val="accent1">
+              <a:shade val="15000"/>
+            </a:schemeClr>
+          </a:lnRef>
+          <a:fillRef idx="1">
+            <a:schemeClr val="accent1"/>
+          </a:fillRef>
+          <a:effectRef idx="0">
+            <a:schemeClr val="accent1"/>
+          </a:effectRef>
+          <a:fontRef idx="minor">
+            <a:schemeClr val="lt1"/>
+          </a:fontRef>
+        </p:style>
+        <p:txBody>
+          <a:bodyPr rtlCol="0" anchor="ctr"/>
+          <a:lstStyle/>
+          <a:p>
+            <a:pPr algn="ctr"/>
+            <a:r>
+              <a:rPr lang="en-US" sz="900" dirty="0">
+                <a:solidFill>
+                  <a:schemeClr val="tx1"/>
+                </a:solidFill>
+              </a:rPr>
+              <a:t>Genotype Profile</a:t>
+            </a:r>
+          </a:p>
+        </p:txBody>
+      </p:sp>
+      <p:sp>
+        <p:nvSpPr>
+          <p:cNvPr id="13" name="Rectangle: Rounded Corners 12">
+            <a:extLst>
+              <a:ext uri="{FF2B5EF4-FFF2-40B4-BE49-F238E27FC236}">
+                <a16:creationId xmlns:a16="http://schemas.microsoft.com/office/drawing/2014/main" id="{57AD6305-C2F7-2F7F-378B-F0035750B382}"/>
+              </a:ext>
+            </a:extLst>
+          </p:cNvPr>
+          <p:cNvSpPr/>
+          <p:nvPr/>
+        </p:nvSpPr>
+        <p:spPr>
+          <a:xfrm>
+            <a:off x="8547281" y="3305577"/>
+            <a:ext cx="794196" cy="482958"/>
+          </a:xfrm>
+          <a:prstGeom prst="roundRect">
+            <a:avLst/>
+          </a:prstGeom>
+          <a:solidFill>
+            <a:schemeClr val="accent3">
+              <a:lumMod val="40000"/>
+              <a:lumOff val="60000"/>
+            </a:schemeClr>
+          </a:solidFill>
+          <a:ln>
+            <a:solidFill>
+              <a:schemeClr val="tx1"/>
+            </a:solidFill>
+          </a:ln>
+        </p:spPr>
+        <p:style>
+          <a:lnRef idx="2">
+            <a:schemeClr val="accent1">
+              <a:shade val="15000"/>
+            </a:schemeClr>
+          </a:lnRef>
+          <a:fillRef idx="1">
+            <a:schemeClr val="accent1"/>
+          </a:fillRef>
+          <a:effectRef idx="0">
+            <a:schemeClr val="accent1"/>
+          </a:effectRef>
+          <a:fontRef idx="minor">
+            <a:schemeClr val="lt1"/>
+          </a:fontRef>
+        </p:style>
+        <p:txBody>
+          <a:bodyPr rtlCol="0" anchor="ctr"/>
+          <a:lstStyle/>
+          <a:p>
+            <a:pPr algn="ctr"/>
+            <a:r>
+              <a:rPr lang="en-US" sz="900" dirty="0">
+                <a:solidFill>
+                  <a:schemeClr val="tx1"/>
+                </a:solidFill>
+              </a:rPr>
+              <a:t>More Profiles</a:t>
+            </a:r>
+          </a:p>
+        </p:txBody>
+      </p:sp>
+      <p:cxnSp>
+        <p:nvCxnSpPr>
+          <p:cNvPr id="15" name="Connector: Elbow 14">
+            <a:extLst>
+              <a:ext uri="{FF2B5EF4-FFF2-40B4-BE49-F238E27FC236}">
+                <a16:creationId xmlns:a16="http://schemas.microsoft.com/office/drawing/2014/main" id="{35ED812F-9787-1ED9-D992-339644ABB32E}"/>
+              </a:ext>
+            </a:extLst>
+          </p:cNvPr>
+          <p:cNvCxnSpPr>
+            <a:cxnSpLocks/>
+            <a:stCxn id="4" idx="2"/>
+          </p:cNvCxnSpPr>
+          <p:nvPr/>
+        </p:nvCxnSpPr>
+        <p:spPr>
+          <a:xfrm rot="16200000" flipH="1">
+            <a:off x="1676936" y="2626754"/>
+            <a:ext cx="1483217" cy="986306"/>
+          </a:xfrm>
+          <a:prstGeom prst="bentConnector3">
+            <a:avLst/>
+          </a:prstGeom>
+          <a:ln w="38100">
+            <a:solidFill>
+              <a:schemeClr val="tx1"/>
+            </a:solidFill>
+            <a:tailEnd type="triangle"/>
+          </a:ln>
+        </p:spPr>
+        <p:style>
+          <a:lnRef idx="2">
+            <a:schemeClr val="accent1"/>
+          </a:lnRef>
+          <a:fillRef idx="0">
+            <a:schemeClr val="accent1"/>
+          </a:fillRef>
+          <a:effectRef idx="1">
+            <a:schemeClr val="accent1"/>
+          </a:effectRef>
+          <a:fontRef idx="minor">
+            <a:schemeClr val="tx1"/>
+          </a:fontRef>
+        </p:style>
+      </p:cxnSp>
+      <p:cxnSp>
+        <p:nvCxnSpPr>
+          <p:cNvPr id="18" name="Connector: Elbow 17">
+            <a:extLst>
+              <a:ext uri="{FF2B5EF4-FFF2-40B4-BE49-F238E27FC236}">
+                <a16:creationId xmlns:a16="http://schemas.microsoft.com/office/drawing/2014/main" id="{306F5808-1EA4-377D-52DC-537D4FFBB095}"/>
+              </a:ext>
+            </a:extLst>
+          </p:cNvPr>
+          <p:cNvCxnSpPr>
+            <a:cxnSpLocks/>
+            <a:stCxn id="5" idx="2"/>
+          </p:cNvCxnSpPr>
+          <p:nvPr/>
+        </p:nvCxnSpPr>
+        <p:spPr>
+          <a:xfrm rot="5400000">
+            <a:off x="3515932" y="2680952"/>
+            <a:ext cx="1483217" cy="877910"/>
+          </a:xfrm>
+          <a:prstGeom prst="bentConnector3">
+            <a:avLst/>
+          </a:prstGeom>
+          <a:ln w="38100">
+            <a:solidFill>
+              <a:schemeClr val="tx1"/>
+            </a:solidFill>
+            <a:tailEnd type="triangle"/>
+          </a:ln>
+        </p:spPr>
+        <p:style>
+          <a:lnRef idx="2">
+            <a:schemeClr val="accent1"/>
+          </a:lnRef>
+          <a:fillRef idx="0">
+            <a:schemeClr val="accent1"/>
+          </a:fillRef>
+          <a:effectRef idx="1">
+            <a:schemeClr val="accent1"/>
+          </a:effectRef>
+          <a:fontRef idx="minor">
+            <a:schemeClr val="tx1"/>
+          </a:fontRef>
+        </p:style>
+      </p:cxnSp>
+      <p:cxnSp>
+        <p:nvCxnSpPr>
+          <p:cNvPr id="20" name="Connector: Elbow 19">
+            <a:extLst>
+              <a:ext uri="{FF2B5EF4-FFF2-40B4-BE49-F238E27FC236}">
+                <a16:creationId xmlns:a16="http://schemas.microsoft.com/office/drawing/2014/main" id="{AA0F8883-22CE-969F-06D7-EDAAD266C447}"/>
+              </a:ext>
+            </a:extLst>
+          </p:cNvPr>
+          <p:cNvCxnSpPr>
+            <a:cxnSpLocks/>
+            <a:stCxn id="5" idx="3"/>
+            <a:endCxn id="7" idx="1"/>
+          </p:cNvCxnSpPr>
+          <p:nvPr/>
+        </p:nvCxnSpPr>
+        <p:spPr>
+          <a:xfrm>
+            <a:off x="5574404" y="1985493"/>
+            <a:ext cx="1745089" cy="842493"/>
+          </a:xfrm>
+          <a:prstGeom prst="bentConnector3">
+            <a:avLst>
+              <a:gd name="adj1" fmla="val 50000"/>
+            </a:avLst>
+          </a:prstGeom>
+          <a:ln w="38100">
+            <a:solidFill>
+              <a:schemeClr val="tx1"/>
+            </a:solidFill>
+            <a:tailEnd type="triangle"/>
+          </a:ln>
+        </p:spPr>
+        <p:style>
+          <a:lnRef idx="2">
+            <a:schemeClr val="accent1"/>
+          </a:lnRef>
+          <a:fillRef idx="0">
+            <a:schemeClr val="accent1"/>
+          </a:fillRef>
+          <a:effectRef idx="1">
+            <a:schemeClr val="accent1"/>
+          </a:effectRef>
+          <a:fontRef idx="minor">
+            <a:schemeClr val="tx1"/>
+          </a:fontRef>
+        </p:style>
+      </p:cxnSp>
+      <p:cxnSp>
+        <p:nvCxnSpPr>
+          <p:cNvPr id="24" name="Straight Arrow Connector 23">
+            <a:extLst>
+              <a:ext uri="{FF2B5EF4-FFF2-40B4-BE49-F238E27FC236}">
+                <a16:creationId xmlns:a16="http://schemas.microsoft.com/office/drawing/2014/main" id="{0AA547FE-4777-4BFB-DAC3-C664A2C477AD}"/>
+              </a:ext>
+            </a:extLst>
+          </p:cNvPr>
+          <p:cNvCxnSpPr>
+            <a:stCxn id="4" idx="3"/>
+            <a:endCxn id="5" idx="1"/>
+          </p:cNvCxnSpPr>
+          <p:nvPr/>
+        </p:nvCxnSpPr>
+        <p:spPr>
+          <a:xfrm>
+            <a:off x="2803300" y="1985493"/>
+            <a:ext cx="1015285" cy="0"/>
+          </a:xfrm>
+          <a:prstGeom prst="straightConnector1">
+            <a:avLst/>
+          </a:prstGeom>
+          <a:ln w="38100">
+            <a:solidFill>
+              <a:schemeClr val="tx1"/>
+            </a:solidFill>
+            <a:tailEnd type="triangle"/>
+          </a:ln>
+        </p:spPr>
+        <p:style>
+          <a:lnRef idx="2">
+            <a:schemeClr val="accent1"/>
+          </a:lnRef>
+          <a:fillRef idx="0">
+            <a:schemeClr val="accent1"/>
+          </a:fillRef>
+          <a:effectRef idx="1">
+            <a:schemeClr val="accent1"/>
+          </a:effectRef>
+          <a:fontRef idx="minor">
+            <a:schemeClr val="tx1"/>
+          </a:fontRef>
+        </p:style>
+      </p:cxnSp>
+    </p:spTree>
+    <p:extLst>
+      <p:ext uri="{BB962C8B-B14F-4D97-AF65-F5344CB8AC3E}">
+        <p14:creationId xmlns:p14="http://schemas.microsoft.com/office/powerpoint/2010/main" val="2319940809"/>
+      </p:ext>
+    </p:extLst>
+  </p:cSld>
+  <p:clrMapOvr>
+    <a:masterClrMapping/>
+  </p:clrMapOvr>
+</p:sld>
+</file>
+
+<file path=ppt/slides/slide3.xml><?xml version="1.0" encoding="utf-8"?>
+<p:sld xmlns:a="http://schemas.openxmlformats.org/drawingml/2006/main" xmlns:r="http://schemas.openxmlformats.org/officeDocument/2006/relationships" xmlns:p="http://schemas.openxmlformats.org/presentationml/2006/main">
+  <p:cSld>
+    <p:spTree>
+      <p:nvGrpSpPr>
         <p:cNvPr id="1" name=""/>
         <p:cNvGrpSpPr/>
         <p:nvPr/>
@@ -6124,7 +6978,7 @@
 </p:sld>
 </file>
 
-<file path=ppt/slides/slide3.xml><?xml version="1.0" encoding="utf-8"?>
+<file path=ppt/slides/slide4.xml><?xml version="1.0" encoding="utf-8"?>
 <p:sld xmlns:a="http://schemas.openxmlformats.org/drawingml/2006/main" xmlns:r="http://schemas.openxmlformats.org/officeDocument/2006/relationships" xmlns:p="http://schemas.openxmlformats.org/presentationml/2006/main">
   <p:cSld>
     <p:spTree>
@@ -7337,7 +8191,7 @@
 </p:sld>
 </file>
 
-<file path=ppt/slides/slide4.xml><?xml version="1.0" encoding="utf-8"?>
+<file path=ppt/slides/slide5.xml><?xml version="1.0" encoding="utf-8"?>
 <p:sld xmlns:a="http://schemas.openxmlformats.org/drawingml/2006/main" xmlns:r="http://schemas.openxmlformats.org/officeDocument/2006/relationships" xmlns:p="http://schemas.openxmlformats.org/presentationml/2006/main">
   <p:cSld>
     <p:spTree>
